--- a/Presentation.pptx
+++ b/Presentation.pptx
@@ -5,15 +5,20 @@
     <p:sldMasterId id="2147483648" r:id="rId1"/>
   </p:sldMasterIdLst>
   <p:notesMasterIdLst>
-    <p:notesMasterId r:id="rId8"/>
+    <p:notesMasterId r:id="rId13"/>
   </p:notesMasterIdLst>
   <p:sldIdLst>
     <p:sldId id="256" r:id="rId2"/>
     <p:sldId id="260" r:id="rId3"/>
-    <p:sldId id="257" r:id="rId4"/>
-    <p:sldId id="263" r:id="rId5"/>
-    <p:sldId id="262" r:id="rId6"/>
-    <p:sldId id="259" r:id="rId7"/>
+    <p:sldId id="265" r:id="rId4"/>
+    <p:sldId id="264" r:id="rId5"/>
+    <p:sldId id="267" r:id="rId6"/>
+    <p:sldId id="268" r:id="rId7"/>
+    <p:sldId id="266" r:id="rId8"/>
+    <p:sldId id="257" r:id="rId9"/>
+    <p:sldId id="263" r:id="rId10"/>
+    <p:sldId id="262" r:id="rId11"/>
+    <p:sldId id="259" r:id="rId12"/>
   </p:sldIdLst>
   <p:sldSz cx="12192000" cy="6858000"/>
   <p:notesSz cx="6858000" cy="9144000"/>
@@ -247,8 +252,11 @@
     </a:lvl9pPr>
   </p:defaultTextStyle>
   <p:extLst>
+    <p:ext uri="{EFAFB233-063F-42B5-8137-9DF3F51BA10A}">
+      <p15:sldGuideLst xmlns:p15="http://schemas.microsoft.com/office/powerpoint/2012/main"/>
+    </p:ext>
     <p:ext uri="http://customooxmlschemas.google.com/">
-      <go:slidesCustomData xmlns:go="http://customooxmlschemas.google.com/" xmlns:p15="http://schemas.microsoft.com/office/powerpoint/2012/main" xmlns:p14="http://schemas.microsoft.com/office/powerpoint/2010/main" xmlns:com="http://schemas.openxmlformats.org/drawingml/2006/compatibility" xmlns:pvml="urn:schemas-microsoft-com:office:powerpoint" xmlns:v="urn:schemas-microsoft-com:vml" xmlns:o="urn:schemas-microsoft-com:office:office" xmlns:dgm="http://schemas.openxmlformats.org/drawingml/2006/diagram" xmlns:c="http://schemas.openxmlformats.org/drawingml/2006/chart" xmlns:mv="urn:schemas-microsoft-com:mac:vml" xmlns:mc="http://schemas.openxmlformats.org/markup-compatibility/2006" xmlns="" r:id="rId9" roundtripDataSignature="AMtx7mgQWvp9kEA1/urQXad0qJL2M8Ok7w=="/>
+      <go:slidesCustomData xmlns="" xmlns:mc="http://schemas.openxmlformats.org/markup-compatibility/2006" xmlns:mv="urn:schemas-microsoft-com:mac:vml" xmlns:c="http://schemas.openxmlformats.org/drawingml/2006/chart" xmlns:dgm="http://schemas.openxmlformats.org/drawingml/2006/diagram" xmlns:o="urn:schemas-microsoft-com:office:office" xmlns:v="urn:schemas-microsoft-com:vml" xmlns:pvml="urn:schemas-microsoft-com:office:powerpoint" xmlns:com="http://schemas.openxmlformats.org/drawingml/2006/compatibility" xmlns:p14="http://schemas.microsoft.com/office/powerpoint/2010/main" xmlns:p15="http://schemas.microsoft.com/office/powerpoint/2012/main" xmlns:go="http://customooxmlschemas.google.com/" r:id="rId14" roundtripDataSignature="AMtx7mgQWvp9kEA1/urQXad0qJL2M8Ok7w=="/>
     </p:ext>
   </p:extLst>
 </p:presentation>
@@ -799,6 +807,224 @@
 </p:notes>
 </file>
 
+<file path=ppt/notesSlides/notesSlide10.xml><?xml version="1.0" encoding="utf-8"?>
+<p:notes xmlns:a="http://schemas.openxmlformats.org/drawingml/2006/main" xmlns:r="http://schemas.openxmlformats.org/officeDocument/2006/relationships" xmlns:p="http://schemas.openxmlformats.org/presentationml/2006/main" showMasterSp="0" showMasterPhAnim="0">
+  <p:cSld>
+    <p:spTree>
+      <p:nvGrpSpPr>
+        <p:cNvPr id="1" name="Shape 86"/>
+        <p:cNvGrpSpPr/>
+        <p:nvPr/>
+      </p:nvGrpSpPr>
+      <p:grpSpPr>
+        <a:xfrm>
+          <a:off x="0" y="0"/>
+          <a:ext cx="0" cy="0"/>
+          <a:chOff x="0" y="0"/>
+          <a:chExt cx="0" cy="0"/>
+        </a:xfrm>
+      </p:grpSpPr>
+      <p:sp>
+        <p:nvSpPr>
+          <p:cNvPr id="87" name="Google Shape;87;p4:notes"/>
+          <p:cNvSpPr txBox="1">
+            <a:spLocks noGrp="1"/>
+          </p:cNvSpPr>
+          <p:nvPr>
+            <p:ph type="body" idx="1"/>
+          </p:nvPr>
+        </p:nvSpPr>
+        <p:spPr>
+          <a:xfrm>
+            <a:off x="685800" y="4343400"/>
+            <a:ext cx="5486400" cy="4114800"/>
+          </a:xfrm>
+          <a:prstGeom prst="rect">
+            <a:avLst/>
+          </a:prstGeom>
+        </p:spPr>
+        <p:txBody>
+          <a:bodyPr spcFirstLastPara="1" wrap="square" lIns="91425" tIns="91425" rIns="91425" bIns="91425" anchor="t" anchorCtr="0">
+            <a:noAutofit/>
+          </a:bodyPr>
+          <a:lstStyle/>
+          <a:p>
+            <a:pPr marL="0" lvl="0" indent="0" algn="l" rtl="0">
+              <a:spcBef>
+                <a:spcPts val="0"/>
+              </a:spcBef>
+              <a:spcAft>
+                <a:spcPts val="0"/>
+              </a:spcAft>
+              <a:buNone/>
+            </a:pPr>
+            <a:endParaRPr/>
+          </a:p>
+        </p:txBody>
+      </p:sp>
+      <p:sp>
+        <p:nvSpPr>
+          <p:cNvPr id="88" name="Google Shape;88;p4:notes"/>
+          <p:cNvSpPr>
+            <a:spLocks noGrp="1" noRot="1" noChangeAspect="1"/>
+          </p:cNvSpPr>
+          <p:nvPr>
+            <p:ph type="sldImg" idx="2"/>
+          </p:nvPr>
+        </p:nvSpPr>
+        <p:spPr>
+          <a:xfrm>
+            <a:off x="381000" y="685800"/>
+            <a:ext cx="6096000" cy="3429000"/>
+          </a:xfrm>
+          <a:custGeom>
+            <a:avLst/>
+            <a:gdLst/>
+            <a:ahLst/>
+            <a:cxnLst/>
+            <a:rect l="l" t="t" r="r" b="b"/>
+            <a:pathLst>
+              <a:path w="120000" h="120000" extrusionOk="0">
+                <a:moveTo>
+                  <a:pt x="0" y="0"/>
+                </a:moveTo>
+                <a:lnTo>
+                  <a:pt x="120000" y="0"/>
+                </a:lnTo>
+                <a:lnTo>
+                  <a:pt x="120000" y="120000"/>
+                </a:lnTo>
+                <a:lnTo>
+                  <a:pt x="0" y="120000"/>
+                </a:lnTo>
+                <a:close/>
+              </a:path>
+            </a:pathLst>
+          </a:custGeom>
+        </p:spPr>
+      </p:sp>
+    </p:spTree>
+    <p:extLst>
+      <p:ext uri="{BB962C8B-B14F-4D97-AF65-F5344CB8AC3E}">
+        <p14:creationId xmlns:p14="http://schemas.microsoft.com/office/powerpoint/2010/main" val="415899815"/>
+      </p:ext>
+    </p:extLst>
+  </p:cSld>
+  <p:clrMapOvr>
+    <a:masterClrMapping/>
+  </p:clrMapOvr>
+</p:notes>
+</file>
+
+<file path=ppt/notesSlides/notesSlide11.xml><?xml version="1.0" encoding="utf-8"?>
+<p:notes xmlns:a="http://schemas.openxmlformats.org/drawingml/2006/main" xmlns:r="http://schemas.openxmlformats.org/officeDocument/2006/relationships" xmlns:p="http://schemas.openxmlformats.org/presentationml/2006/main" showMasterSp="0" showMasterPhAnim="0">
+  <p:cSld>
+    <p:spTree>
+      <p:nvGrpSpPr>
+        <p:cNvPr id="1" name="Shape 80"/>
+        <p:cNvGrpSpPr/>
+        <p:nvPr/>
+      </p:nvGrpSpPr>
+      <p:grpSpPr>
+        <a:xfrm>
+          <a:off x="0" y="0"/>
+          <a:ext cx="0" cy="0"/>
+          <a:chOff x="0" y="0"/>
+          <a:chExt cx="0" cy="0"/>
+        </a:xfrm>
+      </p:grpSpPr>
+      <p:sp>
+        <p:nvSpPr>
+          <p:cNvPr id="81" name="Google Shape;81;p1:notes"/>
+          <p:cNvSpPr txBox="1">
+            <a:spLocks noGrp="1"/>
+          </p:cNvSpPr>
+          <p:nvPr>
+            <p:ph type="body" idx="1"/>
+          </p:nvPr>
+        </p:nvSpPr>
+        <p:spPr>
+          <a:xfrm>
+            <a:off x="685800" y="4343400"/>
+            <a:ext cx="5486400" cy="4114800"/>
+          </a:xfrm>
+          <a:prstGeom prst="rect">
+            <a:avLst/>
+          </a:prstGeom>
+        </p:spPr>
+        <p:txBody>
+          <a:bodyPr spcFirstLastPara="1" wrap="square" lIns="91425" tIns="91425" rIns="91425" bIns="91425" anchor="t" anchorCtr="0">
+            <a:noAutofit/>
+          </a:bodyPr>
+          <a:lstStyle/>
+          <a:p>
+            <a:pPr marL="0" lvl="0" indent="0" algn="l" rtl="0">
+              <a:spcBef>
+                <a:spcPts val="0"/>
+              </a:spcBef>
+              <a:spcAft>
+                <a:spcPts val="0"/>
+              </a:spcAft>
+              <a:buNone/>
+            </a:pPr>
+            <a:endParaRPr/>
+          </a:p>
+        </p:txBody>
+      </p:sp>
+      <p:sp>
+        <p:nvSpPr>
+          <p:cNvPr id="82" name="Google Shape;82;p1:notes"/>
+          <p:cNvSpPr>
+            <a:spLocks noGrp="1" noRot="1" noChangeAspect="1"/>
+          </p:cNvSpPr>
+          <p:nvPr>
+            <p:ph type="sldImg" idx="2"/>
+          </p:nvPr>
+        </p:nvSpPr>
+        <p:spPr>
+          <a:xfrm>
+            <a:off x="381000" y="685800"/>
+            <a:ext cx="6096000" cy="3429000"/>
+          </a:xfrm>
+          <a:custGeom>
+            <a:avLst/>
+            <a:gdLst/>
+            <a:ahLst/>
+            <a:cxnLst/>
+            <a:rect l="l" t="t" r="r" b="b"/>
+            <a:pathLst>
+              <a:path w="120000" h="120000" extrusionOk="0">
+                <a:moveTo>
+                  <a:pt x="0" y="0"/>
+                </a:moveTo>
+                <a:lnTo>
+                  <a:pt x="120000" y="0"/>
+                </a:lnTo>
+                <a:lnTo>
+                  <a:pt x="120000" y="120000"/>
+                </a:lnTo>
+                <a:lnTo>
+                  <a:pt x="0" y="120000"/>
+                </a:lnTo>
+                <a:close/>
+              </a:path>
+            </a:pathLst>
+          </a:custGeom>
+        </p:spPr>
+      </p:sp>
+    </p:spTree>
+    <p:extLst>
+      <p:ext uri="{BB962C8B-B14F-4D97-AF65-F5344CB8AC3E}">
+        <p14:creationId xmlns:p14="http://schemas.microsoft.com/office/powerpoint/2010/main" val="2280073771"/>
+      </p:ext>
+    </p:extLst>
+  </p:cSld>
+  <p:clrMapOvr>
+    <a:masterClrMapping/>
+  </p:clrMapOvr>
+</p:notes>
+</file>
+
 <file path=ppt/notesSlides/notesSlide2.xml><?xml version="1.0" encoding="utf-8"?>
 <p:notes xmlns:a="http://schemas.openxmlformats.org/drawingml/2006/main" xmlns:r="http://schemas.openxmlformats.org/officeDocument/2006/relationships" xmlns:p="http://schemas.openxmlformats.org/presentationml/2006/main" showMasterSp="0" showMasterPhAnim="0">
   <p:cSld>
@@ -1005,6 +1231,11 @@
         </p:spPr>
       </p:sp>
     </p:spTree>
+    <p:extLst>
+      <p:ext uri="{BB962C8B-B14F-4D97-AF65-F5344CB8AC3E}">
+        <p14:creationId xmlns:p14="http://schemas.microsoft.com/office/powerpoint/2010/main" val="2425987579"/>
+      </p:ext>
+    </p:extLst>
   </p:cSld>
   <p:clrMapOvr>
     <a:masterClrMapping/>
@@ -1111,7 +1342,7 @@
     </p:spTree>
     <p:extLst>
       <p:ext uri="{BB962C8B-B14F-4D97-AF65-F5344CB8AC3E}">
-        <p14:creationId xmlns:p14="http://schemas.microsoft.com/office/powerpoint/2010/main" val="3282343499"/>
+        <p14:creationId xmlns:p14="http://schemas.microsoft.com/office/powerpoint/2010/main" val="3779857068"/>
       </p:ext>
     </p:extLst>
   </p:cSld>
@@ -1220,7 +1451,7 @@
     </p:spTree>
     <p:extLst>
       <p:ext uri="{BB962C8B-B14F-4D97-AF65-F5344CB8AC3E}">
-        <p14:creationId xmlns:p14="http://schemas.microsoft.com/office/powerpoint/2010/main" val="415899815"/>
+        <p14:creationId xmlns:p14="http://schemas.microsoft.com/office/powerpoint/2010/main" val="3057318371"/>
       </p:ext>
     </p:extLst>
   </p:cSld>
@@ -1235,7 +1466,7 @@
   <p:cSld>
     <p:spTree>
       <p:nvGrpSpPr>
-        <p:cNvPr id="1" name="Shape 80"/>
+        <p:cNvPr id="1" name="Shape 86"/>
         <p:cNvGrpSpPr/>
         <p:nvPr/>
       </p:nvGrpSpPr>
@@ -1249,7 +1480,7 @@
       </p:grpSpPr>
       <p:sp>
         <p:nvSpPr>
-          <p:cNvPr id="81" name="Google Shape;81;p1:notes"/>
+          <p:cNvPr id="87" name="Google Shape;87;p4:notes"/>
           <p:cNvSpPr txBox="1">
             <a:spLocks noGrp="1"/>
           </p:cNvSpPr>
@@ -1287,7 +1518,7 @@
       </p:sp>
       <p:sp>
         <p:nvSpPr>
-          <p:cNvPr id="82" name="Google Shape;82;p1:notes"/>
+          <p:cNvPr id="88" name="Google Shape;88;p4:notes"/>
           <p:cNvSpPr>
             <a:spLocks noGrp="1" noRot="1" noChangeAspect="1"/>
           </p:cNvSpPr>
@@ -1329,7 +1560,329 @@
     </p:spTree>
     <p:extLst>
       <p:ext uri="{BB962C8B-B14F-4D97-AF65-F5344CB8AC3E}">
-        <p14:creationId xmlns:p14="http://schemas.microsoft.com/office/powerpoint/2010/main" val="2280073771"/>
+        <p14:creationId xmlns:p14="http://schemas.microsoft.com/office/powerpoint/2010/main" val="409173018"/>
+      </p:ext>
+    </p:extLst>
+  </p:cSld>
+  <p:clrMapOvr>
+    <a:masterClrMapping/>
+  </p:clrMapOvr>
+</p:notes>
+</file>
+
+<file path=ppt/notesSlides/notesSlide7.xml><?xml version="1.0" encoding="utf-8"?>
+<p:notes xmlns:a="http://schemas.openxmlformats.org/drawingml/2006/main" xmlns:r="http://schemas.openxmlformats.org/officeDocument/2006/relationships" xmlns:p="http://schemas.openxmlformats.org/presentationml/2006/main" showMasterSp="0" showMasterPhAnim="0">
+  <p:cSld>
+    <p:spTree>
+      <p:nvGrpSpPr>
+        <p:cNvPr id="1" name="Shape 86"/>
+        <p:cNvGrpSpPr/>
+        <p:nvPr/>
+      </p:nvGrpSpPr>
+      <p:grpSpPr>
+        <a:xfrm>
+          <a:off x="0" y="0"/>
+          <a:ext cx="0" cy="0"/>
+          <a:chOff x="0" y="0"/>
+          <a:chExt cx="0" cy="0"/>
+        </a:xfrm>
+      </p:grpSpPr>
+      <p:sp>
+        <p:nvSpPr>
+          <p:cNvPr id="87" name="Google Shape;87;p4:notes"/>
+          <p:cNvSpPr txBox="1">
+            <a:spLocks noGrp="1"/>
+          </p:cNvSpPr>
+          <p:nvPr>
+            <p:ph type="body" idx="1"/>
+          </p:nvPr>
+        </p:nvSpPr>
+        <p:spPr>
+          <a:xfrm>
+            <a:off x="685800" y="4343400"/>
+            <a:ext cx="5486400" cy="4114800"/>
+          </a:xfrm>
+          <a:prstGeom prst="rect">
+            <a:avLst/>
+          </a:prstGeom>
+        </p:spPr>
+        <p:txBody>
+          <a:bodyPr spcFirstLastPara="1" wrap="square" lIns="91425" tIns="91425" rIns="91425" bIns="91425" anchor="t" anchorCtr="0">
+            <a:noAutofit/>
+          </a:bodyPr>
+          <a:lstStyle/>
+          <a:p>
+            <a:pPr marL="0" lvl="0" indent="0" algn="l" rtl="0">
+              <a:spcBef>
+                <a:spcPts val="0"/>
+              </a:spcBef>
+              <a:spcAft>
+                <a:spcPts val="0"/>
+              </a:spcAft>
+              <a:buNone/>
+            </a:pPr>
+            <a:endParaRPr/>
+          </a:p>
+        </p:txBody>
+      </p:sp>
+      <p:sp>
+        <p:nvSpPr>
+          <p:cNvPr id="88" name="Google Shape;88;p4:notes"/>
+          <p:cNvSpPr>
+            <a:spLocks noGrp="1" noRot="1" noChangeAspect="1"/>
+          </p:cNvSpPr>
+          <p:nvPr>
+            <p:ph type="sldImg" idx="2"/>
+          </p:nvPr>
+        </p:nvSpPr>
+        <p:spPr>
+          <a:xfrm>
+            <a:off x="381000" y="685800"/>
+            <a:ext cx="6096000" cy="3429000"/>
+          </a:xfrm>
+          <a:custGeom>
+            <a:avLst/>
+            <a:gdLst/>
+            <a:ahLst/>
+            <a:cxnLst/>
+            <a:rect l="l" t="t" r="r" b="b"/>
+            <a:pathLst>
+              <a:path w="120000" h="120000" extrusionOk="0">
+                <a:moveTo>
+                  <a:pt x="0" y="0"/>
+                </a:moveTo>
+                <a:lnTo>
+                  <a:pt x="120000" y="0"/>
+                </a:lnTo>
+                <a:lnTo>
+                  <a:pt x="120000" y="120000"/>
+                </a:lnTo>
+                <a:lnTo>
+                  <a:pt x="0" y="120000"/>
+                </a:lnTo>
+                <a:close/>
+              </a:path>
+            </a:pathLst>
+          </a:custGeom>
+        </p:spPr>
+      </p:sp>
+    </p:spTree>
+    <p:extLst>
+      <p:ext uri="{BB962C8B-B14F-4D97-AF65-F5344CB8AC3E}">
+        <p14:creationId xmlns:p14="http://schemas.microsoft.com/office/powerpoint/2010/main" val="3698363074"/>
+      </p:ext>
+    </p:extLst>
+  </p:cSld>
+  <p:clrMapOvr>
+    <a:masterClrMapping/>
+  </p:clrMapOvr>
+</p:notes>
+</file>
+
+<file path=ppt/notesSlides/notesSlide8.xml><?xml version="1.0" encoding="utf-8"?>
+<p:notes xmlns:a="http://schemas.openxmlformats.org/drawingml/2006/main" xmlns:r="http://schemas.openxmlformats.org/officeDocument/2006/relationships" xmlns:p="http://schemas.openxmlformats.org/presentationml/2006/main" showMasterSp="0" showMasterPhAnim="0">
+  <p:cSld>
+    <p:spTree>
+      <p:nvGrpSpPr>
+        <p:cNvPr id="1" name="Shape 86"/>
+        <p:cNvGrpSpPr/>
+        <p:nvPr/>
+      </p:nvGrpSpPr>
+      <p:grpSpPr>
+        <a:xfrm>
+          <a:off x="0" y="0"/>
+          <a:ext cx="0" cy="0"/>
+          <a:chOff x="0" y="0"/>
+          <a:chExt cx="0" cy="0"/>
+        </a:xfrm>
+      </p:grpSpPr>
+      <p:sp>
+        <p:nvSpPr>
+          <p:cNvPr id="87" name="Google Shape;87;p4:notes"/>
+          <p:cNvSpPr txBox="1">
+            <a:spLocks noGrp="1"/>
+          </p:cNvSpPr>
+          <p:nvPr>
+            <p:ph type="body" idx="1"/>
+          </p:nvPr>
+        </p:nvSpPr>
+        <p:spPr>
+          <a:xfrm>
+            <a:off x="685800" y="4343400"/>
+            <a:ext cx="5486400" cy="4114800"/>
+          </a:xfrm>
+          <a:prstGeom prst="rect">
+            <a:avLst/>
+          </a:prstGeom>
+        </p:spPr>
+        <p:txBody>
+          <a:bodyPr spcFirstLastPara="1" wrap="square" lIns="91425" tIns="91425" rIns="91425" bIns="91425" anchor="t" anchorCtr="0">
+            <a:noAutofit/>
+          </a:bodyPr>
+          <a:lstStyle/>
+          <a:p>
+            <a:pPr marL="0" lvl="0" indent="0" algn="l" rtl="0">
+              <a:spcBef>
+                <a:spcPts val="0"/>
+              </a:spcBef>
+              <a:spcAft>
+                <a:spcPts val="0"/>
+              </a:spcAft>
+              <a:buNone/>
+            </a:pPr>
+            <a:endParaRPr/>
+          </a:p>
+        </p:txBody>
+      </p:sp>
+      <p:sp>
+        <p:nvSpPr>
+          <p:cNvPr id="88" name="Google Shape;88;p4:notes"/>
+          <p:cNvSpPr>
+            <a:spLocks noGrp="1" noRot="1" noChangeAspect="1"/>
+          </p:cNvSpPr>
+          <p:nvPr>
+            <p:ph type="sldImg" idx="2"/>
+          </p:nvPr>
+        </p:nvSpPr>
+        <p:spPr>
+          <a:xfrm>
+            <a:off x="381000" y="685800"/>
+            <a:ext cx="6096000" cy="3429000"/>
+          </a:xfrm>
+          <a:custGeom>
+            <a:avLst/>
+            <a:gdLst/>
+            <a:ahLst/>
+            <a:cxnLst/>
+            <a:rect l="l" t="t" r="r" b="b"/>
+            <a:pathLst>
+              <a:path w="120000" h="120000" extrusionOk="0">
+                <a:moveTo>
+                  <a:pt x="0" y="0"/>
+                </a:moveTo>
+                <a:lnTo>
+                  <a:pt x="120000" y="0"/>
+                </a:lnTo>
+                <a:lnTo>
+                  <a:pt x="120000" y="120000"/>
+                </a:lnTo>
+                <a:lnTo>
+                  <a:pt x="0" y="120000"/>
+                </a:lnTo>
+                <a:close/>
+              </a:path>
+            </a:pathLst>
+          </a:custGeom>
+        </p:spPr>
+      </p:sp>
+    </p:spTree>
+  </p:cSld>
+  <p:clrMapOvr>
+    <a:masterClrMapping/>
+  </p:clrMapOvr>
+</p:notes>
+</file>
+
+<file path=ppt/notesSlides/notesSlide9.xml><?xml version="1.0" encoding="utf-8"?>
+<p:notes xmlns:a="http://schemas.openxmlformats.org/drawingml/2006/main" xmlns:r="http://schemas.openxmlformats.org/officeDocument/2006/relationships" xmlns:p="http://schemas.openxmlformats.org/presentationml/2006/main" showMasterSp="0" showMasterPhAnim="0">
+  <p:cSld>
+    <p:spTree>
+      <p:nvGrpSpPr>
+        <p:cNvPr id="1" name="Shape 86"/>
+        <p:cNvGrpSpPr/>
+        <p:nvPr/>
+      </p:nvGrpSpPr>
+      <p:grpSpPr>
+        <a:xfrm>
+          <a:off x="0" y="0"/>
+          <a:ext cx="0" cy="0"/>
+          <a:chOff x="0" y="0"/>
+          <a:chExt cx="0" cy="0"/>
+        </a:xfrm>
+      </p:grpSpPr>
+      <p:sp>
+        <p:nvSpPr>
+          <p:cNvPr id="87" name="Google Shape;87;p4:notes"/>
+          <p:cNvSpPr txBox="1">
+            <a:spLocks noGrp="1"/>
+          </p:cNvSpPr>
+          <p:nvPr>
+            <p:ph type="body" idx="1"/>
+          </p:nvPr>
+        </p:nvSpPr>
+        <p:spPr>
+          <a:xfrm>
+            <a:off x="685800" y="4343400"/>
+            <a:ext cx="5486400" cy="4114800"/>
+          </a:xfrm>
+          <a:prstGeom prst="rect">
+            <a:avLst/>
+          </a:prstGeom>
+        </p:spPr>
+        <p:txBody>
+          <a:bodyPr spcFirstLastPara="1" wrap="square" lIns="91425" tIns="91425" rIns="91425" bIns="91425" anchor="t" anchorCtr="0">
+            <a:noAutofit/>
+          </a:bodyPr>
+          <a:lstStyle/>
+          <a:p>
+            <a:pPr marL="0" lvl="0" indent="0" algn="l" rtl="0">
+              <a:spcBef>
+                <a:spcPts val="0"/>
+              </a:spcBef>
+              <a:spcAft>
+                <a:spcPts val="0"/>
+              </a:spcAft>
+              <a:buNone/>
+            </a:pPr>
+            <a:endParaRPr/>
+          </a:p>
+        </p:txBody>
+      </p:sp>
+      <p:sp>
+        <p:nvSpPr>
+          <p:cNvPr id="88" name="Google Shape;88;p4:notes"/>
+          <p:cNvSpPr>
+            <a:spLocks noGrp="1" noRot="1" noChangeAspect="1"/>
+          </p:cNvSpPr>
+          <p:nvPr>
+            <p:ph type="sldImg" idx="2"/>
+          </p:nvPr>
+        </p:nvSpPr>
+        <p:spPr>
+          <a:xfrm>
+            <a:off x="381000" y="685800"/>
+            <a:ext cx="6096000" cy="3429000"/>
+          </a:xfrm>
+          <a:custGeom>
+            <a:avLst/>
+            <a:gdLst/>
+            <a:ahLst/>
+            <a:cxnLst/>
+            <a:rect l="l" t="t" r="r" b="b"/>
+            <a:pathLst>
+              <a:path w="120000" h="120000" extrusionOk="0">
+                <a:moveTo>
+                  <a:pt x="0" y="0"/>
+                </a:moveTo>
+                <a:lnTo>
+                  <a:pt x="120000" y="0"/>
+                </a:lnTo>
+                <a:lnTo>
+                  <a:pt x="120000" y="120000"/>
+                </a:lnTo>
+                <a:lnTo>
+                  <a:pt x="0" y="120000"/>
+                </a:lnTo>
+                <a:close/>
+              </a:path>
+            </a:pathLst>
+          </a:custGeom>
+        </p:spPr>
+      </p:sp>
+    </p:spTree>
+    <p:extLst>
+      <p:ext uri="{BB962C8B-B14F-4D97-AF65-F5344CB8AC3E}">
+        <p14:creationId xmlns:p14="http://schemas.microsoft.com/office/powerpoint/2010/main" val="3282343499"/>
       </p:ext>
     </p:extLst>
   </p:cSld>
@@ -9792,6 +10345,734 @@
 </p:sld>
 </file>
 
+<file path=ppt/slides/slide10.xml><?xml version="1.0" encoding="utf-8"?>
+<p:sld xmlns:a="http://schemas.openxmlformats.org/drawingml/2006/main" xmlns:r="http://schemas.openxmlformats.org/officeDocument/2006/relationships" xmlns:p="http://schemas.openxmlformats.org/presentationml/2006/main">
+  <p:cSld>
+    <p:spTree>
+      <p:nvGrpSpPr>
+        <p:cNvPr id="1" name="Shape 89"/>
+        <p:cNvGrpSpPr/>
+        <p:nvPr/>
+      </p:nvGrpSpPr>
+      <p:grpSpPr>
+        <a:xfrm>
+          <a:off x="0" y="0"/>
+          <a:ext cx="0" cy="0"/>
+          <a:chOff x="0" y="0"/>
+          <a:chExt cx="0" cy="0"/>
+        </a:xfrm>
+      </p:grpSpPr>
+      <p:pic>
+        <p:nvPicPr>
+          <p:cNvPr id="90" name="Google Shape;90;p4"/>
+          <p:cNvPicPr preferRelativeResize="0"/>
+          <p:nvPr/>
+        </p:nvPicPr>
+        <p:blipFill rotWithShape="1">
+          <a:blip r:embed="rId3">
+            <a:alphaModFix/>
+          </a:blip>
+          <a:srcRect/>
+          <a:stretch/>
+        </p:blipFill>
+        <p:spPr>
+          <a:xfrm>
+            <a:off x="0" y="0"/>
+            <a:ext cx="12192000" cy="6858001"/>
+          </a:xfrm>
+          <a:prstGeom prst="rect">
+            <a:avLst/>
+          </a:prstGeom>
+          <a:noFill/>
+          <a:ln>
+            <a:noFill/>
+          </a:ln>
+        </p:spPr>
+      </p:pic>
+      <p:sp>
+        <p:nvSpPr>
+          <p:cNvPr id="21" name="Title 1">
+            <a:extLst>
+              <a:ext uri="{FF2B5EF4-FFF2-40B4-BE49-F238E27FC236}">
+                <a16:creationId xmlns:a16="http://schemas.microsoft.com/office/drawing/2014/main" id="{52ACBCB4-6ACD-2841-B1F7-79E2D8C643D1}"/>
+              </a:ext>
+            </a:extLst>
+          </p:cNvPr>
+          <p:cNvSpPr txBox="1">
+            <a:spLocks noChangeAspect="1"/>
+          </p:cNvSpPr>
+          <p:nvPr/>
+        </p:nvSpPr>
+        <p:spPr>
+          <a:xfrm>
+            <a:off x="696000" y="540000"/>
+            <a:ext cx="10800000" cy="720000"/>
+          </a:xfrm>
+          <a:prstGeom prst="rect">
+            <a:avLst/>
+          </a:prstGeom>
+          <a:noFill/>
+          <a:ln>
+            <a:noFill/>
+          </a:ln>
+        </p:spPr>
+        <p:txBody>
+          <a:bodyPr spcFirstLastPara="1" wrap="square" lIns="91425" tIns="45700" rIns="91425" bIns="45700" anchor="b" anchorCtr="0">
+            <a:normAutofit/>
+          </a:bodyPr>
+          <a:lstStyle>
+            <a:defPPr marR="0" lvl="0" algn="l" rtl="0">
+              <a:lnSpc>
+                <a:spcPct val="100000"/>
+              </a:lnSpc>
+              <a:spcBef>
+                <a:spcPts val="0"/>
+              </a:spcBef>
+              <a:spcAft>
+                <a:spcPts val="0"/>
+              </a:spcAft>
+            </a:defPPr>
+            <a:lvl1pPr marR="0" lvl="0" algn="ctr" rtl="0">
+              <a:lnSpc>
+                <a:spcPct val="90000"/>
+              </a:lnSpc>
+              <a:spcBef>
+                <a:spcPts val="0"/>
+              </a:spcBef>
+              <a:spcAft>
+                <a:spcPts val="0"/>
+              </a:spcAft>
+              <a:buClr>
+                <a:schemeClr val="dk1"/>
+              </a:buClr>
+              <a:buSzPts val="6000"/>
+              <a:buFont typeface="Calibri"/>
+              <a:buNone/>
+              <a:defRPr sz="6000" b="0" i="0" u="none" strike="noStrike" cap="none">
+                <a:solidFill>
+                  <a:schemeClr val="dk1"/>
+                </a:solidFill>
+                <a:latin typeface="Calibri"/>
+                <a:ea typeface="Calibri"/>
+                <a:cs typeface="Calibri"/>
+                <a:sym typeface="Calibri"/>
+              </a:defRPr>
+            </a:lvl1pPr>
+            <a:lvl2pPr marR="0" lvl="1" algn="l" rtl="0">
+              <a:lnSpc>
+                <a:spcPct val="100000"/>
+              </a:lnSpc>
+              <a:spcBef>
+                <a:spcPts val="0"/>
+              </a:spcBef>
+              <a:spcAft>
+                <a:spcPts val="0"/>
+              </a:spcAft>
+              <a:buClr>
+                <a:srgbClr val="000000"/>
+              </a:buClr>
+              <a:buSzPts val="1400"/>
+              <a:buFont typeface="Arial"/>
+              <a:buNone/>
+              <a:defRPr sz="1800" b="0" i="0" u="none" strike="noStrike" cap="none">
+                <a:solidFill>
+                  <a:srgbClr val="000000"/>
+                </a:solidFill>
+                <a:latin typeface="Arial"/>
+                <a:ea typeface="Arial"/>
+                <a:cs typeface="Arial"/>
+                <a:sym typeface="Arial"/>
+              </a:defRPr>
+            </a:lvl2pPr>
+            <a:lvl3pPr marR="0" lvl="2" algn="l" rtl="0">
+              <a:lnSpc>
+                <a:spcPct val="100000"/>
+              </a:lnSpc>
+              <a:spcBef>
+                <a:spcPts val="0"/>
+              </a:spcBef>
+              <a:spcAft>
+                <a:spcPts val="0"/>
+              </a:spcAft>
+              <a:buClr>
+                <a:srgbClr val="000000"/>
+              </a:buClr>
+              <a:buSzPts val="1400"/>
+              <a:buFont typeface="Arial"/>
+              <a:buNone/>
+              <a:defRPr sz="1800" b="0" i="0" u="none" strike="noStrike" cap="none">
+                <a:solidFill>
+                  <a:srgbClr val="000000"/>
+                </a:solidFill>
+                <a:latin typeface="Arial"/>
+                <a:ea typeface="Arial"/>
+                <a:cs typeface="Arial"/>
+                <a:sym typeface="Arial"/>
+              </a:defRPr>
+            </a:lvl3pPr>
+            <a:lvl4pPr marR="0" lvl="3" algn="l" rtl="0">
+              <a:lnSpc>
+                <a:spcPct val="100000"/>
+              </a:lnSpc>
+              <a:spcBef>
+                <a:spcPts val="0"/>
+              </a:spcBef>
+              <a:spcAft>
+                <a:spcPts val="0"/>
+              </a:spcAft>
+              <a:buClr>
+                <a:srgbClr val="000000"/>
+              </a:buClr>
+              <a:buSzPts val="1400"/>
+              <a:buFont typeface="Arial"/>
+              <a:buNone/>
+              <a:defRPr sz="1800" b="0" i="0" u="none" strike="noStrike" cap="none">
+                <a:solidFill>
+                  <a:srgbClr val="000000"/>
+                </a:solidFill>
+                <a:latin typeface="Arial"/>
+                <a:ea typeface="Arial"/>
+                <a:cs typeface="Arial"/>
+                <a:sym typeface="Arial"/>
+              </a:defRPr>
+            </a:lvl4pPr>
+            <a:lvl5pPr marR="0" lvl="4" algn="l" rtl="0">
+              <a:lnSpc>
+                <a:spcPct val="100000"/>
+              </a:lnSpc>
+              <a:spcBef>
+                <a:spcPts val="0"/>
+              </a:spcBef>
+              <a:spcAft>
+                <a:spcPts val="0"/>
+              </a:spcAft>
+              <a:buClr>
+                <a:srgbClr val="000000"/>
+              </a:buClr>
+              <a:buSzPts val="1400"/>
+              <a:buFont typeface="Arial"/>
+              <a:buNone/>
+              <a:defRPr sz="1800" b="0" i="0" u="none" strike="noStrike" cap="none">
+                <a:solidFill>
+                  <a:srgbClr val="000000"/>
+                </a:solidFill>
+                <a:latin typeface="Arial"/>
+                <a:ea typeface="Arial"/>
+                <a:cs typeface="Arial"/>
+                <a:sym typeface="Arial"/>
+              </a:defRPr>
+            </a:lvl5pPr>
+            <a:lvl6pPr marR="0" lvl="5" algn="l" rtl="0">
+              <a:lnSpc>
+                <a:spcPct val="100000"/>
+              </a:lnSpc>
+              <a:spcBef>
+                <a:spcPts val="0"/>
+              </a:spcBef>
+              <a:spcAft>
+                <a:spcPts val="0"/>
+              </a:spcAft>
+              <a:buClr>
+                <a:srgbClr val="000000"/>
+              </a:buClr>
+              <a:buSzPts val="1400"/>
+              <a:buFont typeface="Arial"/>
+              <a:buNone/>
+              <a:defRPr sz="1800" b="0" i="0" u="none" strike="noStrike" cap="none">
+                <a:solidFill>
+                  <a:srgbClr val="000000"/>
+                </a:solidFill>
+                <a:latin typeface="Arial"/>
+                <a:ea typeface="Arial"/>
+                <a:cs typeface="Arial"/>
+                <a:sym typeface="Arial"/>
+              </a:defRPr>
+            </a:lvl6pPr>
+            <a:lvl7pPr marR="0" lvl="6" algn="l" rtl="0">
+              <a:lnSpc>
+                <a:spcPct val="100000"/>
+              </a:lnSpc>
+              <a:spcBef>
+                <a:spcPts val="0"/>
+              </a:spcBef>
+              <a:spcAft>
+                <a:spcPts val="0"/>
+              </a:spcAft>
+              <a:buClr>
+                <a:srgbClr val="000000"/>
+              </a:buClr>
+              <a:buSzPts val="1400"/>
+              <a:buFont typeface="Arial"/>
+              <a:buNone/>
+              <a:defRPr sz="1800" b="0" i="0" u="none" strike="noStrike" cap="none">
+                <a:solidFill>
+                  <a:srgbClr val="000000"/>
+                </a:solidFill>
+                <a:latin typeface="Arial"/>
+                <a:ea typeface="Arial"/>
+                <a:cs typeface="Arial"/>
+                <a:sym typeface="Arial"/>
+              </a:defRPr>
+            </a:lvl7pPr>
+            <a:lvl8pPr marR="0" lvl="7" algn="l" rtl="0">
+              <a:lnSpc>
+                <a:spcPct val="100000"/>
+              </a:lnSpc>
+              <a:spcBef>
+                <a:spcPts val="0"/>
+              </a:spcBef>
+              <a:spcAft>
+                <a:spcPts val="0"/>
+              </a:spcAft>
+              <a:buClr>
+                <a:srgbClr val="000000"/>
+              </a:buClr>
+              <a:buSzPts val="1400"/>
+              <a:buFont typeface="Arial"/>
+              <a:buNone/>
+              <a:defRPr sz="1800" b="0" i="0" u="none" strike="noStrike" cap="none">
+                <a:solidFill>
+                  <a:srgbClr val="000000"/>
+                </a:solidFill>
+                <a:latin typeface="Arial"/>
+                <a:ea typeface="Arial"/>
+                <a:cs typeface="Arial"/>
+                <a:sym typeface="Arial"/>
+              </a:defRPr>
+            </a:lvl8pPr>
+            <a:lvl9pPr marR="0" lvl="8" algn="l" rtl="0">
+              <a:lnSpc>
+                <a:spcPct val="100000"/>
+              </a:lnSpc>
+              <a:spcBef>
+                <a:spcPts val="0"/>
+              </a:spcBef>
+              <a:spcAft>
+                <a:spcPts val="0"/>
+              </a:spcAft>
+              <a:buClr>
+                <a:srgbClr val="000000"/>
+              </a:buClr>
+              <a:buSzPts val="1400"/>
+              <a:buFont typeface="Arial"/>
+              <a:buNone/>
+              <a:defRPr sz="1800" b="0" i="0" u="none" strike="noStrike" cap="none">
+                <a:solidFill>
+                  <a:srgbClr val="000000"/>
+                </a:solidFill>
+                <a:latin typeface="Arial"/>
+                <a:ea typeface="Arial"/>
+                <a:cs typeface="Arial"/>
+                <a:sym typeface="Arial"/>
+              </a:defRPr>
+            </a:lvl9pPr>
+          </a:lstStyle>
+          <a:p>
+            <a:pPr algn="l"/>
+            <a:r>
+              <a:rPr lang="en-BR" sz="4000" b="1" dirty="0">
+                <a:solidFill>
+                  <a:schemeClr val="accent5"/>
+                </a:solidFill>
+                <a:latin typeface="+mn-lt"/>
+              </a:rPr>
+              <a:t>Drawing Template</a:t>
+            </a:r>
+          </a:p>
+        </p:txBody>
+      </p:sp>
+      <p:pic>
+        <p:nvPicPr>
+          <p:cNvPr id="2" name="Picture 1">
+            <a:extLst>
+              <a:ext uri="{FF2B5EF4-FFF2-40B4-BE49-F238E27FC236}">
+                <a16:creationId xmlns:a16="http://schemas.microsoft.com/office/drawing/2014/main" id="{24DCEAA4-5671-8D46-918C-7939D11C57CE}"/>
+              </a:ext>
+            </a:extLst>
+          </p:cNvPr>
+          <p:cNvPicPr>
+            <a:picLocks noChangeAspect="1"/>
+          </p:cNvPicPr>
+          <p:nvPr/>
+        </p:nvPicPr>
+        <p:blipFill>
+          <a:blip r:embed="rId4"/>
+          <a:stretch>
+            <a:fillRect/>
+          </a:stretch>
+        </p:blipFill>
+        <p:spPr>
+          <a:xfrm>
+            <a:off x="1741161" y="1629000"/>
+            <a:ext cx="8709677" cy="3600000"/>
+          </a:xfrm>
+          <a:prstGeom prst="rect">
+            <a:avLst/>
+          </a:prstGeom>
+        </p:spPr>
+      </p:pic>
+    </p:spTree>
+    <p:extLst>
+      <p:ext uri="{BB962C8B-B14F-4D97-AF65-F5344CB8AC3E}">
+        <p14:creationId xmlns:p14="http://schemas.microsoft.com/office/powerpoint/2010/main" val="177054542"/>
+      </p:ext>
+    </p:extLst>
+  </p:cSld>
+  <p:clrMapOvr>
+    <a:masterClrMapping/>
+  </p:clrMapOvr>
+</p:sld>
+</file>
+
+<file path=ppt/slides/slide11.xml><?xml version="1.0" encoding="utf-8"?>
+<p:sld xmlns:a="http://schemas.openxmlformats.org/drawingml/2006/main" xmlns:r="http://schemas.openxmlformats.org/officeDocument/2006/relationships" xmlns:p="http://schemas.openxmlformats.org/presentationml/2006/main">
+  <p:cSld>
+    <p:spTree>
+      <p:nvGrpSpPr>
+        <p:cNvPr id="1" name="Shape 83"/>
+        <p:cNvGrpSpPr/>
+        <p:nvPr/>
+      </p:nvGrpSpPr>
+      <p:grpSpPr>
+        <a:xfrm>
+          <a:off x="0" y="0"/>
+          <a:ext cx="0" cy="0"/>
+          <a:chOff x="0" y="0"/>
+          <a:chExt cx="0" cy="0"/>
+        </a:xfrm>
+      </p:grpSpPr>
+      <p:pic>
+        <p:nvPicPr>
+          <p:cNvPr id="84" name="Google Shape;84;p1"/>
+          <p:cNvPicPr preferRelativeResize="0"/>
+          <p:nvPr/>
+        </p:nvPicPr>
+        <p:blipFill rotWithShape="1">
+          <a:blip r:embed="rId3">
+            <a:alphaModFix/>
+          </a:blip>
+          <a:srcRect/>
+          <a:stretch/>
+        </p:blipFill>
+        <p:spPr>
+          <a:xfrm>
+            <a:off x="0" y="0"/>
+            <a:ext cx="12192000" cy="6858001"/>
+          </a:xfrm>
+          <a:prstGeom prst="rect">
+            <a:avLst/>
+          </a:prstGeom>
+          <a:noFill/>
+          <a:ln>
+            <a:noFill/>
+          </a:ln>
+        </p:spPr>
+      </p:pic>
+      <p:sp>
+        <p:nvSpPr>
+          <p:cNvPr id="4" name="Title 1">
+            <a:extLst>
+              <a:ext uri="{FF2B5EF4-FFF2-40B4-BE49-F238E27FC236}">
+                <a16:creationId xmlns:a16="http://schemas.microsoft.com/office/drawing/2014/main" id="{453D8BB6-E778-404E-ACD1-F5444153A40F}"/>
+              </a:ext>
+            </a:extLst>
+          </p:cNvPr>
+          <p:cNvSpPr txBox="1">
+            <a:spLocks/>
+          </p:cNvSpPr>
+          <p:nvPr/>
+        </p:nvSpPr>
+        <p:spPr>
+          <a:xfrm>
+            <a:off x="1056000" y="2349000"/>
+            <a:ext cx="10080000" cy="1080000"/>
+          </a:xfrm>
+          <a:prstGeom prst="rect">
+            <a:avLst/>
+          </a:prstGeom>
+          <a:noFill/>
+          <a:ln>
+            <a:noFill/>
+          </a:ln>
+        </p:spPr>
+        <p:txBody>
+          <a:bodyPr spcFirstLastPara="1" wrap="square" lIns="91425" tIns="45700" rIns="91425" bIns="45700" anchor="b" anchorCtr="0">
+            <a:normAutofit/>
+          </a:bodyPr>
+          <a:lstStyle>
+            <a:defPPr marR="0" lvl="0" algn="l" rtl="0">
+              <a:lnSpc>
+                <a:spcPct val="100000"/>
+              </a:lnSpc>
+              <a:spcBef>
+                <a:spcPts val="0"/>
+              </a:spcBef>
+              <a:spcAft>
+                <a:spcPts val="0"/>
+              </a:spcAft>
+            </a:defPPr>
+            <a:lvl1pPr marR="0" lvl="0" algn="ctr" rtl="0">
+              <a:lnSpc>
+                <a:spcPct val="90000"/>
+              </a:lnSpc>
+              <a:spcBef>
+                <a:spcPts val="0"/>
+              </a:spcBef>
+              <a:spcAft>
+                <a:spcPts val="0"/>
+              </a:spcAft>
+              <a:buClr>
+                <a:schemeClr val="dk1"/>
+              </a:buClr>
+              <a:buSzPts val="6000"/>
+              <a:buFont typeface="Calibri"/>
+              <a:buNone/>
+              <a:defRPr sz="6000" b="0" i="0" u="none" strike="noStrike" cap="none">
+                <a:solidFill>
+                  <a:schemeClr val="dk1"/>
+                </a:solidFill>
+                <a:latin typeface="Calibri"/>
+                <a:ea typeface="Calibri"/>
+                <a:cs typeface="Calibri"/>
+                <a:sym typeface="Calibri"/>
+              </a:defRPr>
+            </a:lvl1pPr>
+            <a:lvl2pPr marR="0" lvl="1" algn="l" rtl="0">
+              <a:lnSpc>
+                <a:spcPct val="100000"/>
+              </a:lnSpc>
+              <a:spcBef>
+                <a:spcPts val="0"/>
+              </a:spcBef>
+              <a:spcAft>
+                <a:spcPts val="0"/>
+              </a:spcAft>
+              <a:buClr>
+                <a:srgbClr val="000000"/>
+              </a:buClr>
+              <a:buSzPts val="1400"/>
+              <a:buFont typeface="Arial"/>
+              <a:buNone/>
+              <a:defRPr sz="1800" b="0" i="0" u="none" strike="noStrike" cap="none">
+                <a:solidFill>
+                  <a:srgbClr val="000000"/>
+                </a:solidFill>
+                <a:latin typeface="Arial"/>
+                <a:ea typeface="Arial"/>
+                <a:cs typeface="Arial"/>
+                <a:sym typeface="Arial"/>
+              </a:defRPr>
+            </a:lvl2pPr>
+            <a:lvl3pPr marR="0" lvl="2" algn="l" rtl="0">
+              <a:lnSpc>
+                <a:spcPct val="100000"/>
+              </a:lnSpc>
+              <a:spcBef>
+                <a:spcPts val="0"/>
+              </a:spcBef>
+              <a:spcAft>
+                <a:spcPts val="0"/>
+              </a:spcAft>
+              <a:buClr>
+                <a:srgbClr val="000000"/>
+              </a:buClr>
+              <a:buSzPts val="1400"/>
+              <a:buFont typeface="Arial"/>
+              <a:buNone/>
+              <a:defRPr sz="1800" b="0" i="0" u="none" strike="noStrike" cap="none">
+                <a:solidFill>
+                  <a:srgbClr val="000000"/>
+                </a:solidFill>
+                <a:latin typeface="Arial"/>
+                <a:ea typeface="Arial"/>
+                <a:cs typeface="Arial"/>
+                <a:sym typeface="Arial"/>
+              </a:defRPr>
+            </a:lvl3pPr>
+            <a:lvl4pPr marR="0" lvl="3" algn="l" rtl="0">
+              <a:lnSpc>
+                <a:spcPct val="100000"/>
+              </a:lnSpc>
+              <a:spcBef>
+                <a:spcPts val="0"/>
+              </a:spcBef>
+              <a:spcAft>
+                <a:spcPts val="0"/>
+              </a:spcAft>
+              <a:buClr>
+                <a:srgbClr val="000000"/>
+              </a:buClr>
+              <a:buSzPts val="1400"/>
+              <a:buFont typeface="Arial"/>
+              <a:buNone/>
+              <a:defRPr sz="1800" b="0" i="0" u="none" strike="noStrike" cap="none">
+                <a:solidFill>
+                  <a:srgbClr val="000000"/>
+                </a:solidFill>
+                <a:latin typeface="Arial"/>
+                <a:ea typeface="Arial"/>
+                <a:cs typeface="Arial"/>
+                <a:sym typeface="Arial"/>
+              </a:defRPr>
+            </a:lvl4pPr>
+            <a:lvl5pPr marR="0" lvl="4" algn="l" rtl="0">
+              <a:lnSpc>
+                <a:spcPct val="100000"/>
+              </a:lnSpc>
+              <a:spcBef>
+                <a:spcPts val="0"/>
+              </a:spcBef>
+              <a:spcAft>
+                <a:spcPts val="0"/>
+              </a:spcAft>
+              <a:buClr>
+                <a:srgbClr val="000000"/>
+              </a:buClr>
+              <a:buSzPts val="1400"/>
+              <a:buFont typeface="Arial"/>
+              <a:buNone/>
+              <a:defRPr sz="1800" b="0" i="0" u="none" strike="noStrike" cap="none">
+                <a:solidFill>
+                  <a:srgbClr val="000000"/>
+                </a:solidFill>
+                <a:latin typeface="Arial"/>
+                <a:ea typeface="Arial"/>
+                <a:cs typeface="Arial"/>
+                <a:sym typeface="Arial"/>
+              </a:defRPr>
+            </a:lvl5pPr>
+            <a:lvl6pPr marR="0" lvl="5" algn="l" rtl="0">
+              <a:lnSpc>
+                <a:spcPct val="100000"/>
+              </a:lnSpc>
+              <a:spcBef>
+                <a:spcPts val="0"/>
+              </a:spcBef>
+              <a:spcAft>
+                <a:spcPts val="0"/>
+              </a:spcAft>
+              <a:buClr>
+                <a:srgbClr val="000000"/>
+              </a:buClr>
+              <a:buSzPts val="1400"/>
+              <a:buFont typeface="Arial"/>
+              <a:buNone/>
+              <a:defRPr sz="1800" b="0" i="0" u="none" strike="noStrike" cap="none">
+                <a:solidFill>
+                  <a:srgbClr val="000000"/>
+                </a:solidFill>
+                <a:latin typeface="Arial"/>
+                <a:ea typeface="Arial"/>
+                <a:cs typeface="Arial"/>
+                <a:sym typeface="Arial"/>
+              </a:defRPr>
+            </a:lvl6pPr>
+            <a:lvl7pPr marR="0" lvl="6" algn="l" rtl="0">
+              <a:lnSpc>
+                <a:spcPct val="100000"/>
+              </a:lnSpc>
+              <a:spcBef>
+                <a:spcPts val="0"/>
+              </a:spcBef>
+              <a:spcAft>
+                <a:spcPts val="0"/>
+              </a:spcAft>
+              <a:buClr>
+                <a:srgbClr val="000000"/>
+              </a:buClr>
+              <a:buSzPts val="1400"/>
+              <a:buFont typeface="Arial"/>
+              <a:buNone/>
+              <a:defRPr sz="1800" b="0" i="0" u="none" strike="noStrike" cap="none">
+                <a:solidFill>
+                  <a:srgbClr val="000000"/>
+                </a:solidFill>
+                <a:latin typeface="Arial"/>
+                <a:ea typeface="Arial"/>
+                <a:cs typeface="Arial"/>
+                <a:sym typeface="Arial"/>
+              </a:defRPr>
+            </a:lvl7pPr>
+            <a:lvl8pPr marR="0" lvl="7" algn="l" rtl="0">
+              <a:lnSpc>
+                <a:spcPct val="100000"/>
+              </a:lnSpc>
+              <a:spcBef>
+                <a:spcPts val="0"/>
+              </a:spcBef>
+              <a:spcAft>
+                <a:spcPts val="0"/>
+              </a:spcAft>
+              <a:buClr>
+                <a:srgbClr val="000000"/>
+              </a:buClr>
+              <a:buSzPts val="1400"/>
+              <a:buFont typeface="Arial"/>
+              <a:buNone/>
+              <a:defRPr sz="1800" b="0" i="0" u="none" strike="noStrike" cap="none">
+                <a:solidFill>
+                  <a:srgbClr val="000000"/>
+                </a:solidFill>
+                <a:latin typeface="Arial"/>
+                <a:ea typeface="Arial"/>
+                <a:cs typeface="Arial"/>
+                <a:sym typeface="Arial"/>
+              </a:defRPr>
+            </a:lvl8pPr>
+            <a:lvl9pPr marR="0" lvl="8" algn="l" rtl="0">
+              <a:lnSpc>
+                <a:spcPct val="100000"/>
+              </a:lnSpc>
+              <a:spcBef>
+                <a:spcPts val="0"/>
+              </a:spcBef>
+              <a:spcAft>
+                <a:spcPts val="0"/>
+              </a:spcAft>
+              <a:buClr>
+                <a:srgbClr val="000000"/>
+              </a:buClr>
+              <a:buSzPts val="1400"/>
+              <a:buFont typeface="Arial"/>
+              <a:buNone/>
+              <a:defRPr sz="1800" b="0" i="0" u="none" strike="noStrike" cap="none">
+                <a:solidFill>
+                  <a:srgbClr val="000000"/>
+                </a:solidFill>
+                <a:latin typeface="Arial"/>
+                <a:ea typeface="Arial"/>
+                <a:cs typeface="Arial"/>
+                <a:sym typeface="Arial"/>
+              </a:defRPr>
+            </a:lvl9pPr>
+          </a:lstStyle>
+          <a:p>
+            <a:r>
+              <a:rPr lang="en-BR" b="1" dirty="0">
+                <a:solidFill>
+                  <a:srgbClr val="006AAF"/>
+                </a:solidFill>
+                <a:latin typeface="Arial" panose="020B0604020202020204" pitchFamily="34" charset="0"/>
+                <a:cs typeface="Arial" panose="020B0604020202020204" pitchFamily="34" charset="0"/>
+              </a:rPr>
+              <a:t>FIM</a:t>
+            </a:r>
+          </a:p>
+        </p:txBody>
+      </p:sp>
+    </p:spTree>
+    <p:extLst>
+      <p:ext uri="{BB962C8B-B14F-4D97-AF65-F5344CB8AC3E}">
+        <p14:creationId xmlns:p14="http://schemas.microsoft.com/office/powerpoint/2010/main" val="3294437107"/>
+      </p:ext>
+    </p:extLst>
+  </p:cSld>
+  <p:clrMapOvr>
+    <a:masterClrMapping/>
+  </p:clrMapOvr>
+</p:sld>
+</file>
+
 <file path=ppt/slides/slide2.xml><?xml version="1.0" encoding="utf-8"?>
 <p:sld xmlns:a="http://schemas.openxmlformats.org/drawingml/2006/main" xmlns:r="http://schemas.openxmlformats.org/officeDocument/2006/relationships" xmlns:p="http://schemas.openxmlformats.org/presentationml/2006/main">
   <p:cSld>
@@ -10123,7 +11404,708 @@
                 </a:solidFill>
                 <a:latin typeface="+mn-lt"/>
               </a:rPr>
-              <a:t>Parkinson Prediction</a:t>
+              <a:t>Projeto</a:t>
+            </a:r>
+          </a:p>
+        </p:txBody>
+      </p:sp>
+      <p:sp>
+        <p:nvSpPr>
+          <p:cNvPr id="23" name="Text Placeholder 2">
+            <a:extLst>
+              <a:ext uri="{FF2B5EF4-FFF2-40B4-BE49-F238E27FC236}">
+                <a16:creationId xmlns:a16="http://schemas.microsoft.com/office/drawing/2014/main" id="{15944BB7-4AC6-154C-8E4A-39224012F3E1}"/>
+              </a:ext>
+            </a:extLst>
+          </p:cNvPr>
+          <p:cNvSpPr txBox="1">
+            <a:spLocks/>
+          </p:cNvSpPr>
+          <p:nvPr/>
+        </p:nvSpPr>
+        <p:spPr>
+          <a:xfrm>
+            <a:off x="730633" y="1630633"/>
+            <a:ext cx="10800000" cy="3960000"/>
+          </a:xfrm>
+          <a:prstGeom prst="rect">
+            <a:avLst/>
+          </a:prstGeom>
+          <a:noFill/>
+          <a:ln>
+            <a:noFill/>
+          </a:ln>
+        </p:spPr>
+        <p:txBody>
+          <a:bodyPr spcFirstLastPara="1" wrap="square" lIns="91425" tIns="45700" rIns="91425" bIns="45700" anchor="t" anchorCtr="0">
+            <a:normAutofit/>
+          </a:bodyPr>
+          <a:lstStyle>
+            <a:defPPr marR="0" lvl="0" algn="l" rtl="0">
+              <a:lnSpc>
+                <a:spcPct val="100000"/>
+              </a:lnSpc>
+              <a:spcBef>
+                <a:spcPts val="0"/>
+              </a:spcBef>
+              <a:spcAft>
+                <a:spcPts val="0"/>
+              </a:spcAft>
+            </a:defPPr>
+            <a:lvl1pPr marL="457200" marR="0" lvl="0" indent="-406400" algn="ctr" rtl="0">
+              <a:lnSpc>
+                <a:spcPct val="90000"/>
+              </a:lnSpc>
+              <a:spcBef>
+                <a:spcPts val="1000"/>
+              </a:spcBef>
+              <a:spcAft>
+                <a:spcPts val="0"/>
+              </a:spcAft>
+              <a:buClr>
+                <a:schemeClr val="dk1"/>
+              </a:buClr>
+              <a:buSzPts val="2400"/>
+              <a:buFont typeface="Arial"/>
+              <a:buNone/>
+              <a:defRPr sz="2400" b="0" i="0" u="none" strike="noStrike" cap="none">
+                <a:solidFill>
+                  <a:schemeClr val="dk1"/>
+                </a:solidFill>
+                <a:latin typeface="Calibri"/>
+                <a:ea typeface="Calibri"/>
+                <a:cs typeface="Calibri"/>
+                <a:sym typeface="Calibri"/>
+              </a:defRPr>
+            </a:lvl1pPr>
+            <a:lvl2pPr marL="914400" marR="0" lvl="1" indent="-381000" algn="ctr" rtl="0">
+              <a:lnSpc>
+                <a:spcPct val="90000"/>
+              </a:lnSpc>
+              <a:spcBef>
+                <a:spcPts val="500"/>
+              </a:spcBef>
+              <a:spcAft>
+                <a:spcPts val="0"/>
+              </a:spcAft>
+              <a:buClr>
+                <a:schemeClr val="dk1"/>
+              </a:buClr>
+              <a:buSzPts val="2000"/>
+              <a:buFont typeface="Arial"/>
+              <a:buNone/>
+              <a:defRPr sz="2000" b="0" i="0" u="none" strike="noStrike" cap="none">
+                <a:solidFill>
+                  <a:schemeClr val="dk1"/>
+                </a:solidFill>
+                <a:latin typeface="Calibri"/>
+                <a:ea typeface="Calibri"/>
+                <a:cs typeface="Calibri"/>
+                <a:sym typeface="Calibri"/>
+              </a:defRPr>
+            </a:lvl2pPr>
+            <a:lvl3pPr marL="1371600" marR="0" lvl="2" indent="-355600" algn="ctr" rtl="0">
+              <a:lnSpc>
+                <a:spcPct val="90000"/>
+              </a:lnSpc>
+              <a:spcBef>
+                <a:spcPts val="500"/>
+              </a:spcBef>
+              <a:spcAft>
+                <a:spcPts val="0"/>
+              </a:spcAft>
+              <a:buClr>
+                <a:schemeClr val="dk1"/>
+              </a:buClr>
+              <a:buSzPts val="1800"/>
+              <a:buFont typeface="Arial"/>
+              <a:buNone/>
+              <a:defRPr sz="1800" b="0" i="0" u="none" strike="noStrike" cap="none">
+                <a:solidFill>
+                  <a:schemeClr val="dk1"/>
+                </a:solidFill>
+                <a:latin typeface="Calibri"/>
+                <a:ea typeface="Calibri"/>
+                <a:cs typeface="Calibri"/>
+                <a:sym typeface="Calibri"/>
+              </a:defRPr>
+            </a:lvl3pPr>
+            <a:lvl4pPr marL="1828800" marR="0" lvl="3" indent="-342900" algn="ctr" rtl="0">
+              <a:lnSpc>
+                <a:spcPct val="90000"/>
+              </a:lnSpc>
+              <a:spcBef>
+                <a:spcPts val="500"/>
+              </a:spcBef>
+              <a:spcAft>
+                <a:spcPts val="0"/>
+              </a:spcAft>
+              <a:buClr>
+                <a:schemeClr val="dk1"/>
+              </a:buClr>
+              <a:buSzPts val="1600"/>
+              <a:buFont typeface="Arial"/>
+              <a:buNone/>
+              <a:defRPr sz="1600" b="0" i="0" u="none" strike="noStrike" cap="none">
+                <a:solidFill>
+                  <a:schemeClr val="dk1"/>
+                </a:solidFill>
+                <a:latin typeface="Calibri"/>
+                <a:ea typeface="Calibri"/>
+                <a:cs typeface="Calibri"/>
+                <a:sym typeface="Calibri"/>
+              </a:defRPr>
+            </a:lvl4pPr>
+            <a:lvl5pPr marL="2286000" marR="0" lvl="4" indent="-342900" algn="ctr" rtl="0">
+              <a:lnSpc>
+                <a:spcPct val="90000"/>
+              </a:lnSpc>
+              <a:spcBef>
+                <a:spcPts val="500"/>
+              </a:spcBef>
+              <a:spcAft>
+                <a:spcPts val="0"/>
+              </a:spcAft>
+              <a:buClr>
+                <a:schemeClr val="dk1"/>
+              </a:buClr>
+              <a:buSzPts val="1600"/>
+              <a:buFont typeface="Arial"/>
+              <a:buNone/>
+              <a:defRPr sz="1600" b="0" i="0" u="none" strike="noStrike" cap="none">
+                <a:solidFill>
+                  <a:schemeClr val="dk1"/>
+                </a:solidFill>
+                <a:latin typeface="Calibri"/>
+                <a:ea typeface="Calibri"/>
+                <a:cs typeface="Calibri"/>
+                <a:sym typeface="Calibri"/>
+              </a:defRPr>
+            </a:lvl5pPr>
+            <a:lvl6pPr marL="2743200" marR="0" lvl="5" indent="-342900" algn="ctr" rtl="0">
+              <a:lnSpc>
+                <a:spcPct val="90000"/>
+              </a:lnSpc>
+              <a:spcBef>
+                <a:spcPts val="500"/>
+              </a:spcBef>
+              <a:spcAft>
+                <a:spcPts val="0"/>
+              </a:spcAft>
+              <a:buClr>
+                <a:schemeClr val="dk1"/>
+              </a:buClr>
+              <a:buSzPts val="1600"/>
+              <a:buFont typeface="Arial"/>
+              <a:buNone/>
+              <a:defRPr sz="1600" b="0" i="0" u="none" strike="noStrike" cap="none">
+                <a:solidFill>
+                  <a:schemeClr val="dk1"/>
+                </a:solidFill>
+                <a:latin typeface="Calibri"/>
+                <a:ea typeface="Calibri"/>
+                <a:cs typeface="Calibri"/>
+                <a:sym typeface="Calibri"/>
+              </a:defRPr>
+            </a:lvl6pPr>
+            <a:lvl7pPr marL="3200400" marR="0" lvl="6" indent="-342900" algn="ctr" rtl="0">
+              <a:lnSpc>
+                <a:spcPct val="90000"/>
+              </a:lnSpc>
+              <a:spcBef>
+                <a:spcPts val="500"/>
+              </a:spcBef>
+              <a:spcAft>
+                <a:spcPts val="0"/>
+              </a:spcAft>
+              <a:buClr>
+                <a:schemeClr val="dk1"/>
+              </a:buClr>
+              <a:buSzPts val="1600"/>
+              <a:buFont typeface="Arial"/>
+              <a:buNone/>
+              <a:defRPr sz="1600" b="0" i="0" u="none" strike="noStrike" cap="none">
+                <a:solidFill>
+                  <a:schemeClr val="dk1"/>
+                </a:solidFill>
+                <a:latin typeface="Calibri"/>
+                <a:ea typeface="Calibri"/>
+                <a:cs typeface="Calibri"/>
+                <a:sym typeface="Calibri"/>
+              </a:defRPr>
+            </a:lvl7pPr>
+            <a:lvl8pPr marL="3657600" marR="0" lvl="7" indent="-342900" algn="ctr" rtl="0">
+              <a:lnSpc>
+                <a:spcPct val="90000"/>
+              </a:lnSpc>
+              <a:spcBef>
+                <a:spcPts val="500"/>
+              </a:spcBef>
+              <a:spcAft>
+                <a:spcPts val="0"/>
+              </a:spcAft>
+              <a:buClr>
+                <a:schemeClr val="dk1"/>
+              </a:buClr>
+              <a:buSzPts val="1600"/>
+              <a:buFont typeface="Arial"/>
+              <a:buNone/>
+              <a:defRPr sz="1600" b="0" i="0" u="none" strike="noStrike" cap="none">
+                <a:solidFill>
+                  <a:schemeClr val="dk1"/>
+                </a:solidFill>
+                <a:latin typeface="Calibri"/>
+                <a:ea typeface="Calibri"/>
+                <a:cs typeface="Calibri"/>
+                <a:sym typeface="Calibri"/>
+              </a:defRPr>
+            </a:lvl8pPr>
+            <a:lvl9pPr marL="4114800" marR="0" lvl="8" indent="-342900" algn="ctr" rtl="0">
+              <a:lnSpc>
+                <a:spcPct val="90000"/>
+              </a:lnSpc>
+              <a:spcBef>
+                <a:spcPts val="500"/>
+              </a:spcBef>
+              <a:spcAft>
+                <a:spcPts val="0"/>
+              </a:spcAft>
+              <a:buClr>
+                <a:schemeClr val="dk1"/>
+              </a:buClr>
+              <a:buSzPts val="1600"/>
+              <a:buFont typeface="Arial"/>
+              <a:buNone/>
+              <a:defRPr sz="1600" b="0" i="0" u="none" strike="noStrike" cap="none">
+                <a:solidFill>
+                  <a:schemeClr val="dk1"/>
+                </a:solidFill>
+                <a:latin typeface="Calibri"/>
+                <a:ea typeface="Calibri"/>
+                <a:cs typeface="Calibri"/>
+                <a:sym typeface="Calibri"/>
+              </a:defRPr>
+            </a:lvl9pPr>
+          </a:lstStyle>
+          <a:p>
+            <a:pPr algn="l"/>
+            <a:r>
+              <a:rPr lang="en-GB" sz="2000" dirty="0" err="1">
+                <a:latin typeface="+mn-lt"/>
+              </a:rPr>
+              <a:t>Descrever</a:t>
+            </a:r>
+            <a:r>
+              <a:rPr lang="en-GB" sz="2000" dirty="0">
+                <a:latin typeface="+mn-lt"/>
+              </a:rPr>
+              <a:t> o </a:t>
+            </a:r>
+            <a:r>
+              <a:rPr lang="en-GB" sz="2000" dirty="0" err="1">
+                <a:latin typeface="+mn-lt"/>
+              </a:rPr>
+              <a:t>objetivo</a:t>
+            </a:r>
+            <a:r>
+              <a:rPr lang="en-GB" sz="2000" dirty="0">
+                <a:latin typeface="+mn-lt"/>
+              </a:rPr>
+              <a:t> do </a:t>
+            </a:r>
+            <a:r>
+              <a:rPr lang="en-GB" sz="2000" dirty="0" err="1">
+                <a:latin typeface="+mn-lt"/>
+              </a:rPr>
+              <a:t>uso</a:t>
+            </a:r>
+            <a:r>
+              <a:rPr lang="en-GB" sz="2000" dirty="0">
+                <a:latin typeface="+mn-lt"/>
+              </a:rPr>
+              <a:t> de IA para resolver o </a:t>
+            </a:r>
+            <a:r>
+              <a:rPr lang="en-GB" sz="2000" dirty="0" err="1">
+                <a:latin typeface="+mn-lt"/>
+              </a:rPr>
+              <a:t>problema</a:t>
+            </a:r>
+            <a:r>
+              <a:rPr lang="en-GB" sz="2000" dirty="0">
+                <a:latin typeface="+mn-lt"/>
+              </a:rPr>
+              <a:t> </a:t>
+            </a:r>
+            <a:r>
+              <a:rPr lang="en-GB" sz="2000" dirty="0" err="1">
+                <a:latin typeface="+mn-lt"/>
+              </a:rPr>
+              <a:t>em</a:t>
+            </a:r>
+            <a:r>
+              <a:rPr lang="en-GB" sz="2000" dirty="0">
+                <a:latin typeface="+mn-lt"/>
+              </a:rPr>
+              <a:t> </a:t>
+            </a:r>
+            <a:r>
+              <a:rPr lang="en-GB" sz="2000" dirty="0" err="1">
+                <a:latin typeface="+mn-lt"/>
+              </a:rPr>
+              <a:t>questão</a:t>
+            </a:r>
+            <a:endParaRPr lang="en-GB" sz="2000" dirty="0">
+              <a:latin typeface="+mn-lt"/>
+            </a:endParaRPr>
+          </a:p>
+        </p:txBody>
+      </p:sp>
+    </p:spTree>
+    <p:extLst>
+      <p:ext uri="{BB962C8B-B14F-4D97-AF65-F5344CB8AC3E}">
+        <p14:creationId xmlns:p14="http://schemas.microsoft.com/office/powerpoint/2010/main" val="2505004517"/>
+      </p:ext>
+    </p:extLst>
+  </p:cSld>
+  <p:clrMapOvr>
+    <a:masterClrMapping/>
+  </p:clrMapOvr>
+</p:sld>
+</file>
+
+<file path=ppt/slides/slide3.xml><?xml version="1.0" encoding="utf-8"?>
+<p:sld xmlns:a="http://schemas.openxmlformats.org/drawingml/2006/main" xmlns:r="http://schemas.openxmlformats.org/officeDocument/2006/relationships" xmlns:p="http://schemas.openxmlformats.org/presentationml/2006/main">
+  <p:cSld>
+    <p:spTree>
+      <p:nvGrpSpPr>
+        <p:cNvPr id="1" name="Shape 89"/>
+        <p:cNvGrpSpPr/>
+        <p:nvPr/>
+      </p:nvGrpSpPr>
+      <p:grpSpPr>
+        <a:xfrm>
+          <a:off x="0" y="0"/>
+          <a:ext cx="0" cy="0"/>
+          <a:chOff x="0" y="0"/>
+          <a:chExt cx="0" cy="0"/>
+        </a:xfrm>
+      </p:grpSpPr>
+      <p:pic>
+        <p:nvPicPr>
+          <p:cNvPr id="90" name="Google Shape;90;p4"/>
+          <p:cNvPicPr preferRelativeResize="0"/>
+          <p:nvPr/>
+        </p:nvPicPr>
+        <p:blipFill rotWithShape="1">
+          <a:blip r:embed="rId3">
+            <a:alphaModFix/>
+          </a:blip>
+          <a:srcRect/>
+          <a:stretch/>
+        </p:blipFill>
+        <p:spPr>
+          <a:xfrm>
+            <a:off x="0" y="0"/>
+            <a:ext cx="12192000" cy="6858000"/>
+          </a:xfrm>
+          <a:prstGeom prst="rect">
+            <a:avLst/>
+          </a:prstGeom>
+          <a:noFill/>
+          <a:ln>
+            <a:noFill/>
+          </a:ln>
+        </p:spPr>
+      </p:pic>
+      <p:sp>
+        <p:nvSpPr>
+          <p:cNvPr id="21" name="Title 1">
+            <a:extLst>
+              <a:ext uri="{FF2B5EF4-FFF2-40B4-BE49-F238E27FC236}">
+                <a16:creationId xmlns:a16="http://schemas.microsoft.com/office/drawing/2014/main" id="{52ACBCB4-6ACD-2841-B1F7-79E2D8C643D1}"/>
+              </a:ext>
+            </a:extLst>
+          </p:cNvPr>
+          <p:cNvSpPr txBox="1">
+            <a:spLocks noChangeAspect="1"/>
+          </p:cNvSpPr>
+          <p:nvPr/>
+        </p:nvSpPr>
+        <p:spPr>
+          <a:xfrm>
+            <a:off x="696000" y="540000"/>
+            <a:ext cx="10800000" cy="720000"/>
+          </a:xfrm>
+          <a:prstGeom prst="rect">
+            <a:avLst/>
+          </a:prstGeom>
+          <a:noFill/>
+          <a:ln>
+            <a:noFill/>
+          </a:ln>
+        </p:spPr>
+        <p:txBody>
+          <a:bodyPr spcFirstLastPara="1" wrap="square" lIns="91425" tIns="45700" rIns="91425" bIns="45700" anchor="b" anchorCtr="0">
+            <a:normAutofit/>
+          </a:bodyPr>
+          <a:lstStyle>
+            <a:defPPr marR="0" lvl="0" algn="l" rtl="0">
+              <a:lnSpc>
+                <a:spcPct val="100000"/>
+              </a:lnSpc>
+              <a:spcBef>
+                <a:spcPts val="0"/>
+              </a:spcBef>
+              <a:spcAft>
+                <a:spcPts val="0"/>
+              </a:spcAft>
+            </a:defPPr>
+            <a:lvl1pPr marR="0" lvl="0" algn="ctr" rtl="0">
+              <a:lnSpc>
+                <a:spcPct val="90000"/>
+              </a:lnSpc>
+              <a:spcBef>
+                <a:spcPts val="0"/>
+              </a:spcBef>
+              <a:spcAft>
+                <a:spcPts val="0"/>
+              </a:spcAft>
+              <a:buClr>
+                <a:schemeClr val="dk1"/>
+              </a:buClr>
+              <a:buSzPts val="6000"/>
+              <a:buFont typeface="Calibri"/>
+              <a:buNone/>
+              <a:defRPr sz="6000" b="0" i="0" u="none" strike="noStrike" cap="none">
+                <a:solidFill>
+                  <a:schemeClr val="dk1"/>
+                </a:solidFill>
+                <a:latin typeface="Calibri"/>
+                <a:ea typeface="Calibri"/>
+                <a:cs typeface="Calibri"/>
+                <a:sym typeface="Calibri"/>
+              </a:defRPr>
+            </a:lvl1pPr>
+            <a:lvl2pPr marR="0" lvl="1" algn="l" rtl="0">
+              <a:lnSpc>
+                <a:spcPct val="100000"/>
+              </a:lnSpc>
+              <a:spcBef>
+                <a:spcPts val="0"/>
+              </a:spcBef>
+              <a:spcAft>
+                <a:spcPts val="0"/>
+              </a:spcAft>
+              <a:buClr>
+                <a:srgbClr val="000000"/>
+              </a:buClr>
+              <a:buSzPts val="1400"/>
+              <a:buFont typeface="Arial"/>
+              <a:buNone/>
+              <a:defRPr sz="1800" b="0" i="0" u="none" strike="noStrike" cap="none">
+                <a:solidFill>
+                  <a:srgbClr val="000000"/>
+                </a:solidFill>
+                <a:latin typeface="Arial"/>
+                <a:ea typeface="Arial"/>
+                <a:cs typeface="Arial"/>
+                <a:sym typeface="Arial"/>
+              </a:defRPr>
+            </a:lvl2pPr>
+            <a:lvl3pPr marR="0" lvl="2" algn="l" rtl="0">
+              <a:lnSpc>
+                <a:spcPct val="100000"/>
+              </a:lnSpc>
+              <a:spcBef>
+                <a:spcPts val="0"/>
+              </a:spcBef>
+              <a:spcAft>
+                <a:spcPts val="0"/>
+              </a:spcAft>
+              <a:buClr>
+                <a:srgbClr val="000000"/>
+              </a:buClr>
+              <a:buSzPts val="1400"/>
+              <a:buFont typeface="Arial"/>
+              <a:buNone/>
+              <a:defRPr sz="1800" b="0" i="0" u="none" strike="noStrike" cap="none">
+                <a:solidFill>
+                  <a:srgbClr val="000000"/>
+                </a:solidFill>
+                <a:latin typeface="Arial"/>
+                <a:ea typeface="Arial"/>
+                <a:cs typeface="Arial"/>
+                <a:sym typeface="Arial"/>
+              </a:defRPr>
+            </a:lvl3pPr>
+            <a:lvl4pPr marR="0" lvl="3" algn="l" rtl="0">
+              <a:lnSpc>
+                <a:spcPct val="100000"/>
+              </a:lnSpc>
+              <a:spcBef>
+                <a:spcPts val="0"/>
+              </a:spcBef>
+              <a:spcAft>
+                <a:spcPts val="0"/>
+              </a:spcAft>
+              <a:buClr>
+                <a:srgbClr val="000000"/>
+              </a:buClr>
+              <a:buSzPts val="1400"/>
+              <a:buFont typeface="Arial"/>
+              <a:buNone/>
+              <a:defRPr sz="1800" b="0" i="0" u="none" strike="noStrike" cap="none">
+                <a:solidFill>
+                  <a:srgbClr val="000000"/>
+                </a:solidFill>
+                <a:latin typeface="Arial"/>
+                <a:ea typeface="Arial"/>
+                <a:cs typeface="Arial"/>
+                <a:sym typeface="Arial"/>
+              </a:defRPr>
+            </a:lvl4pPr>
+            <a:lvl5pPr marR="0" lvl="4" algn="l" rtl="0">
+              <a:lnSpc>
+                <a:spcPct val="100000"/>
+              </a:lnSpc>
+              <a:spcBef>
+                <a:spcPts val="0"/>
+              </a:spcBef>
+              <a:spcAft>
+                <a:spcPts val="0"/>
+              </a:spcAft>
+              <a:buClr>
+                <a:srgbClr val="000000"/>
+              </a:buClr>
+              <a:buSzPts val="1400"/>
+              <a:buFont typeface="Arial"/>
+              <a:buNone/>
+              <a:defRPr sz="1800" b="0" i="0" u="none" strike="noStrike" cap="none">
+                <a:solidFill>
+                  <a:srgbClr val="000000"/>
+                </a:solidFill>
+                <a:latin typeface="Arial"/>
+                <a:ea typeface="Arial"/>
+                <a:cs typeface="Arial"/>
+                <a:sym typeface="Arial"/>
+              </a:defRPr>
+            </a:lvl5pPr>
+            <a:lvl6pPr marR="0" lvl="5" algn="l" rtl="0">
+              <a:lnSpc>
+                <a:spcPct val="100000"/>
+              </a:lnSpc>
+              <a:spcBef>
+                <a:spcPts val="0"/>
+              </a:spcBef>
+              <a:spcAft>
+                <a:spcPts val="0"/>
+              </a:spcAft>
+              <a:buClr>
+                <a:srgbClr val="000000"/>
+              </a:buClr>
+              <a:buSzPts val="1400"/>
+              <a:buFont typeface="Arial"/>
+              <a:buNone/>
+              <a:defRPr sz="1800" b="0" i="0" u="none" strike="noStrike" cap="none">
+                <a:solidFill>
+                  <a:srgbClr val="000000"/>
+                </a:solidFill>
+                <a:latin typeface="Arial"/>
+                <a:ea typeface="Arial"/>
+                <a:cs typeface="Arial"/>
+                <a:sym typeface="Arial"/>
+              </a:defRPr>
+            </a:lvl6pPr>
+            <a:lvl7pPr marR="0" lvl="6" algn="l" rtl="0">
+              <a:lnSpc>
+                <a:spcPct val="100000"/>
+              </a:lnSpc>
+              <a:spcBef>
+                <a:spcPts val="0"/>
+              </a:spcBef>
+              <a:spcAft>
+                <a:spcPts val="0"/>
+              </a:spcAft>
+              <a:buClr>
+                <a:srgbClr val="000000"/>
+              </a:buClr>
+              <a:buSzPts val="1400"/>
+              <a:buFont typeface="Arial"/>
+              <a:buNone/>
+              <a:defRPr sz="1800" b="0" i="0" u="none" strike="noStrike" cap="none">
+                <a:solidFill>
+                  <a:srgbClr val="000000"/>
+                </a:solidFill>
+                <a:latin typeface="Arial"/>
+                <a:ea typeface="Arial"/>
+                <a:cs typeface="Arial"/>
+                <a:sym typeface="Arial"/>
+              </a:defRPr>
+            </a:lvl7pPr>
+            <a:lvl8pPr marR="0" lvl="7" algn="l" rtl="0">
+              <a:lnSpc>
+                <a:spcPct val="100000"/>
+              </a:lnSpc>
+              <a:spcBef>
+                <a:spcPts val="0"/>
+              </a:spcBef>
+              <a:spcAft>
+                <a:spcPts val="0"/>
+              </a:spcAft>
+              <a:buClr>
+                <a:srgbClr val="000000"/>
+              </a:buClr>
+              <a:buSzPts val="1400"/>
+              <a:buFont typeface="Arial"/>
+              <a:buNone/>
+              <a:defRPr sz="1800" b="0" i="0" u="none" strike="noStrike" cap="none">
+                <a:solidFill>
+                  <a:srgbClr val="000000"/>
+                </a:solidFill>
+                <a:latin typeface="Arial"/>
+                <a:ea typeface="Arial"/>
+                <a:cs typeface="Arial"/>
+                <a:sym typeface="Arial"/>
+              </a:defRPr>
+            </a:lvl8pPr>
+            <a:lvl9pPr marR="0" lvl="8" algn="l" rtl="0">
+              <a:lnSpc>
+                <a:spcPct val="100000"/>
+              </a:lnSpc>
+              <a:spcBef>
+                <a:spcPts val="0"/>
+              </a:spcBef>
+              <a:spcAft>
+                <a:spcPts val="0"/>
+              </a:spcAft>
+              <a:buClr>
+                <a:srgbClr val="000000"/>
+              </a:buClr>
+              <a:buSzPts val="1400"/>
+              <a:buFont typeface="Arial"/>
+              <a:buNone/>
+              <a:defRPr sz="1800" b="0" i="0" u="none" strike="noStrike" cap="none">
+                <a:solidFill>
+                  <a:srgbClr val="000000"/>
+                </a:solidFill>
+                <a:latin typeface="Arial"/>
+                <a:ea typeface="Arial"/>
+                <a:cs typeface="Arial"/>
+                <a:sym typeface="Arial"/>
+              </a:defRPr>
+            </a:lvl9pPr>
+          </a:lstStyle>
+          <a:p>
+            <a:pPr algn="l"/>
+            <a:r>
+              <a:rPr lang="en-BR" sz="4000" b="1" dirty="0">
+                <a:solidFill>
+                  <a:schemeClr val="accent5"/>
+                </a:solidFill>
+                <a:latin typeface="+mn-lt"/>
+              </a:rPr>
+              <a:t>Motivação</a:t>
             </a:r>
           </a:p>
         </p:txBody>
@@ -10409,6 +12391,707 @@
           <a:p>
             <a:pPr algn="l"/>
             <a:r>
+              <a:rPr lang="en-GB" sz="2000" dirty="0" err="1">
+                <a:latin typeface="+mn-lt"/>
+              </a:rPr>
+              <a:t>Descrever</a:t>
+            </a:r>
+            <a:r>
+              <a:rPr lang="en-GB" sz="2000" dirty="0">
+                <a:latin typeface="+mn-lt"/>
+              </a:rPr>
+              <a:t> o </a:t>
+            </a:r>
+            <a:r>
+              <a:rPr lang="en-GB" sz="2000" dirty="0" err="1">
+                <a:latin typeface="+mn-lt"/>
+              </a:rPr>
+              <a:t>objetivo</a:t>
+            </a:r>
+            <a:r>
+              <a:rPr lang="en-GB" sz="2000" dirty="0">
+                <a:latin typeface="+mn-lt"/>
+              </a:rPr>
+              <a:t> do </a:t>
+            </a:r>
+            <a:r>
+              <a:rPr lang="en-GB" sz="2000" dirty="0" err="1">
+                <a:latin typeface="+mn-lt"/>
+              </a:rPr>
+              <a:t>uso</a:t>
+            </a:r>
+            <a:r>
+              <a:rPr lang="en-GB" sz="2000" dirty="0">
+                <a:latin typeface="+mn-lt"/>
+              </a:rPr>
+              <a:t> de IA para resolver o </a:t>
+            </a:r>
+            <a:r>
+              <a:rPr lang="en-GB" sz="2000" dirty="0" err="1">
+                <a:latin typeface="+mn-lt"/>
+              </a:rPr>
+              <a:t>problema</a:t>
+            </a:r>
+            <a:r>
+              <a:rPr lang="en-GB" sz="2000" dirty="0">
+                <a:latin typeface="+mn-lt"/>
+              </a:rPr>
+              <a:t> </a:t>
+            </a:r>
+            <a:r>
+              <a:rPr lang="en-GB" sz="2000" dirty="0" err="1">
+                <a:latin typeface="+mn-lt"/>
+              </a:rPr>
+              <a:t>em</a:t>
+            </a:r>
+            <a:r>
+              <a:rPr lang="en-GB" sz="2000" dirty="0">
+                <a:latin typeface="+mn-lt"/>
+              </a:rPr>
+              <a:t> </a:t>
+            </a:r>
+            <a:r>
+              <a:rPr lang="en-GB" sz="2000" dirty="0" err="1">
+                <a:latin typeface="+mn-lt"/>
+              </a:rPr>
+              <a:t>questão</a:t>
+            </a:r>
+            <a:endParaRPr lang="en-GB" sz="2000" dirty="0">
+              <a:latin typeface="+mn-lt"/>
+            </a:endParaRPr>
+          </a:p>
+        </p:txBody>
+      </p:sp>
+    </p:spTree>
+    <p:extLst>
+      <p:ext uri="{BB962C8B-B14F-4D97-AF65-F5344CB8AC3E}">
+        <p14:creationId xmlns:p14="http://schemas.microsoft.com/office/powerpoint/2010/main" val="3318535086"/>
+      </p:ext>
+    </p:extLst>
+  </p:cSld>
+  <p:clrMapOvr>
+    <a:masterClrMapping/>
+  </p:clrMapOvr>
+</p:sld>
+</file>
+
+<file path=ppt/slides/slide4.xml><?xml version="1.0" encoding="utf-8"?>
+<p:sld xmlns:a="http://schemas.openxmlformats.org/drawingml/2006/main" xmlns:r="http://schemas.openxmlformats.org/officeDocument/2006/relationships" xmlns:p="http://schemas.openxmlformats.org/presentationml/2006/main">
+  <p:cSld>
+    <p:spTree>
+      <p:nvGrpSpPr>
+        <p:cNvPr id="1" name="Shape 89"/>
+        <p:cNvGrpSpPr/>
+        <p:nvPr/>
+      </p:nvGrpSpPr>
+      <p:grpSpPr>
+        <a:xfrm>
+          <a:off x="0" y="0"/>
+          <a:ext cx="0" cy="0"/>
+          <a:chOff x="0" y="0"/>
+          <a:chExt cx="0" cy="0"/>
+        </a:xfrm>
+      </p:grpSpPr>
+      <p:pic>
+        <p:nvPicPr>
+          <p:cNvPr id="90" name="Google Shape;90;p4"/>
+          <p:cNvPicPr preferRelativeResize="0"/>
+          <p:nvPr/>
+        </p:nvPicPr>
+        <p:blipFill rotWithShape="1">
+          <a:blip r:embed="rId3">
+            <a:alphaModFix/>
+          </a:blip>
+          <a:srcRect/>
+          <a:stretch/>
+        </p:blipFill>
+        <p:spPr>
+          <a:xfrm>
+            <a:off x="0" y="0"/>
+            <a:ext cx="12192000" cy="6858000"/>
+          </a:xfrm>
+          <a:prstGeom prst="rect">
+            <a:avLst/>
+          </a:prstGeom>
+          <a:noFill/>
+          <a:ln>
+            <a:noFill/>
+          </a:ln>
+        </p:spPr>
+      </p:pic>
+      <p:sp>
+        <p:nvSpPr>
+          <p:cNvPr id="21" name="Title 1">
+            <a:extLst>
+              <a:ext uri="{FF2B5EF4-FFF2-40B4-BE49-F238E27FC236}">
+                <a16:creationId xmlns:a16="http://schemas.microsoft.com/office/drawing/2014/main" id="{52ACBCB4-6ACD-2841-B1F7-79E2D8C643D1}"/>
+              </a:ext>
+            </a:extLst>
+          </p:cNvPr>
+          <p:cNvSpPr txBox="1">
+            <a:spLocks noChangeAspect="1"/>
+          </p:cNvSpPr>
+          <p:nvPr/>
+        </p:nvSpPr>
+        <p:spPr>
+          <a:xfrm>
+            <a:off x="696000" y="540000"/>
+            <a:ext cx="10800000" cy="720000"/>
+          </a:xfrm>
+          <a:prstGeom prst="rect">
+            <a:avLst/>
+          </a:prstGeom>
+          <a:noFill/>
+          <a:ln>
+            <a:noFill/>
+          </a:ln>
+        </p:spPr>
+        <p:txBody>
+          <a:bodyPr spcFirstLastPara="1" wrap="square" lIns="91425" tIns="45700" rIns="91425" bIns="45700" anchor="b" anchorCtr="0">
+            <a:normAutofit/>
+          </a:bodyPr>
+          <a:lstStyle>
+            <a:defPPr marR="0" lvl="0" algn="l" rtl="0">
+              <a:lnSpc>
+                <a:spcPct val="100000"/>
+              </a:lnSpc>
+              <a:spcBef>
+                <a:spcPts val="0"/>
+              </a:spcBef>
+              <a:spcAft>
+                <a:spcPts val="0"/>
+              </a:spcAft>
+            </a:defPPr>
+            <a:lvl1pPr marR="0" lvl="0" algn="ctr" rtl="0">
+              <a:lnSpc>
+                <a:spcPct val="90000"/>
+              </a:lnSpc>
+              <a:spcBef>
+                <a:spcPts val="0"/>
+              </a:spcBef>
+              <a:spcAft>
+                <a:spcPts val="0"/>
+              </a:spcAft>
+              <a:buClr>
+                <a:schemeClr val="dk1"/>
+              </a:buClr>
+              <a:buSzPts val="6000"/>
+              <a:buFont typeface="Calibri"/>
+              <a:buNone/>
+              <a:defRPr sz="6000" b="0" i="0" u="none" strike="noStrike" cap="none">
+                <a:solidFill>
+                  <a:schemeClr val="dk1"/>
+                </a:solidFill>
+                <a:latin typeface="Calibri"/>
+                <a:ea typeface="Calibri"/>
+                <a:cs typeface="Calibri"/>
+                <a:sym typeface="Calibri"/>
+              </a:defRPr>
+            </a:lvl1pPr>
+            <a:lvl2pPr marR="0" lvl="1" algn="l" rtl="0">
+              <a:lnSpc>
+                <a:spcPct val="100000"/>
+              </a:lnSpc>
+              <a:spcBef>
+                <a:spcPts val="0"/>
+              </a:spcBef>
+              <a:spcAft>
+                <a:spcPts val="0"/>
+              </a:spcAft>
+              <a:buClr>
+                <a:srgbClr val="000000"/>
+              </a:buClr>
+              <a:buSzPts val="1400"/>
+              <a:buFont typeface="Arial"/>
+              <a:buNone/>
+              <a:defRPr sz="1800" b="0" i="0" u="none" strike="noStrike" cap="none">
+                <a:solidFill>
+                  <a:srgbClr val="000000"/>
+                </a:solidFill>
+                <a:latin typeface="Arial"/>
+                <a:ea typeface="Arial"/>
+                <a:cs typeface="Arial"/>
+                <a:sym typeface="Arial"/>
+              </a:defRPr>
+            </a:lvl2pPr>
+            <a:lvl3pPr marR="0" lvl="2" algn="l" rtl="0">
+              <a:lnSpc>
+                <a:spcPct val="100000"/>
+              </a:lnSpc>
+              <a:spcBef>
+                <a:spcPts val="0"/>
+              </a:spcBef>
+              <a:spcAft>
+                <a:spcPts val="0"/>
+              </a:spcAft>
+              <a:buClr>
+                <a:srgbClr val="000000"/>
+              </a:buClr>
+              <a:buSzPts val="1400"/>
+              <a:buFont typeface="Arial"/>
+              <a:buNone/>
+              <a:defRPr sz="1800" b="0" i="0" u="none" strike="noStrike" cap="none">
+                <a:solidFill>
+                  <a:srgbClr val="000000"/>
+                </a:solidFill>
+                <a:latin typeface="Arial"/>
+                <a:ea typeface="Arial"/>
+                <a:cs typeface="Arial"/>
+                <a:sym typeface="Arial"/>
+              </a:defRPr>
+            </a:lvl3pPr>
+            <a:lvl4pPr marR="0" lvl="3" algn="l" rtl="0">
+              <a:lnSpc>
+                <a:spcPct val="100000"/>
+              </a:lnSpc>
+              <a:spcBef>
+                <a:spcPts val="0"/>
+              </a:spcBef>
+              <a:spcAft>
+                <a:spcPts val="0"/>
+              </a:spcAft>
+              <a:buClr>
+                <a:srgbClr val="000000"/>
+              </a:buClr>
+              <a:buSzPts val="1400"/>
+              <a:buFont typeface="Arial"/>
+              <a:buNone/>
+              <a:defRPr sz="1800" b="0" i="0" u="none" strike="noStrike" cap="none">
+                <a:solidFill>
+                  <a:srgbClr val="000000"/>
+                </a:solidFill>
+                <a:latin typeface="Arial"/>
+                <a:ea typeface="Arial"/>
+                <a:cs typeface="Arial"/>
+                <a:sym typeface="Arial"/>
+              </a:defRPr>
+            </a:lvl4pPr>
+            <a:lvl5pPr marR="0" lvl="4" algn="l" rtl="0">
+              <a:lnSpc>
+                <a:spcPct val="100000"/>
+              </a:lnSpc>
+              <a:spcBef>
+                <a:spcPts val="0"/>
+              </a:spcBef>
+              <a:spcAft>
+                <a:spcPts val="0"/>
+              </a:spcAft>
+              <a:buClr>
+                <a:srgbClr val="000000"/>
+              </a:buClr>
+              <a:buSzPts val="1400"/>
+              <a:buFont typeface="Arial"/>
+              <a:buNone/>
+              <a:defRPr sz="1800" b="0" i="0" u="none" strike="noStrike" cap="none">
+                <a:solidFill>
+                  <a:srgbClr val="000000"/>
+                </a:solidFill>
+                <a:latin typeface="Arial"/>
+                <a:ea typeface="Arial"/>
+                <a:cs typeface="Arial"/>
+                <a:sym typeface="Arial"/>
+              </a:defRPr>
+            </a:lvl5pPr>
+            <a:lvl6pPr marR="0" lvl="5" algn="l" rtl="0">
+              <a:lnSpc>
+                <a:spcPct val="100000"/>
+              </a:lnSpc>
+              <a:spcBef>
+                <a:spcPts val="0"/>
+              </a:spcBef>
+              <a:spcAft>
+                <a:spcPts val="0"/>
+              </a:spcAft>
+              <a:buClr>
+                <a:srgbClr val="000000"/>
+              </a:buClr>
+              <a:buSzPts val="1400"/>
+              <a:buFont typeface="Arial"/>
+              <a:buNone/>
+              <a:defRPr sz="1800" b="0" i="0" u="none" strike="noStrike" cap="none">
+                <a:solidFill>
+                  <a:srgbClr val="000000"/>
+                </a:solidFill>
+                <a:latin typeface="Arial"/>
+                <a:ea typeface="Arial"/>
+                <a:cs typeface="Arial"/>
+                <a:sym typeface="Arial"/>
+              </a:defRPr>
+            </a:lvl6pPr>
+            <a:lvl7pPr marR="0" lvl="6" algn="l" rtl="0">
+              <a:lnSpc>
+                <a:spcPct val="100000"/>
+              </a:lnSpc>
+              <a:spcBef>
+                <a:spcPts val="0"/>
+              </a:spcBef>
+              <a:spcAft>
+                <a:spcPts val="0"/>
+              </a:spcAft>
+              <a:buClr>
+                <a:srgbClr val="000000"/>
+              </a:buClr>
+              <a:buSzPts val="1400"/>
+              <a:buFont typeface="Arial"/>
+              <a:buNone/>
+              <a:defRPr sz="1800" b="0" i="0" u="none" strike="noStrike" cap="none">
+                <a:solidFill>
+                  <a:srgbClr val="000000"/>
+                </a:solidFill>
+                <a:latin typeface="Arial"/>
+                <a:ea typeface="Arial"/>
+                <a:cs typeface="Arial"/>
+                <a:sym typeface="Arial"/>
+              </a:defRPr>
+            </a:lvl7pPr>
+            <a:lvl8pPr marR="0" lvl="7" algn="l" rtl="0">
+              <a:lnSpc>
+                <a:spcPct val="100000"/>
+              </a:lnSpc>
+              <a:spcBef>
+                <a:spcPts val="0"/>
+              </a:spcBef>
+              <a:spcAft>
+                <a:spcPts val="0"/>
+              </a:spcAft>
+              <a:buClr>
+                <a:srgbClr val="000000"/>
+              </a:buClr>
+              <a:buSzPts val="1400"/>
+              <a:buFont typeface="Arial"/>
+              <a:buNone/>
+              <a:defRPr sz="1800" b="0" i="0" u="none" strike="noStrike" cap="none">
+                <a:solidFill>
+                  <a:srgbClr val="000000"/>
+                </a:solidFill>
+                <a:latin typeface="Arial"/>
+                <a:ea typeface="Arial"/>
+                <a:cs typeface="Arial"/>
+                <a:sym typeface="Arial"/>
+              </a:defRPr>
+            </a:lvl8pPr>
+            <a:lvl9pPr marR="0" lvl="8" algn="l" rtl="0">
+              <a:lnSpc>
+                <a:spcPct val="100000"/>
+              </a:lnSpc>
+              <a:spcBef>
+                <a:spcPts val="0"/>
+              </a:spcBef>
+              <a:spcAft>
+                <a:spcPts val="0"/>
+              </a:spcAft>
+              <a:buClr>
+                <a:srgbClr val="000000"/>
+              </a:buClr>
+              <a:buSzPts val="1400"/>
+              <a:buFont typeface="Arial"/>
+              <a:buNone/>
+              <a:defRPr sz="1800" b="0" i="0" u="none" strike="noStrike" cap="none">
+                <a:solidFill>
+                  <a:srgbClr val="000000"/>
+                </a:solidFill>
+                <a:latin typeface="Arial"/>
+                <a:ea typeface="Arial"/>
+                <a:cs typeface="Arial"/>
+                <a:sym typeface="Arial"/>
+              </a:defRPr>
+            </a:lvl9pPr>
+          </a:lstStyle>
+          <a:p>
+            <a:pPr algn="l"/>
+            <a:r>
+              <a:rPr lang="en-BR" sz="4000" b="1" dirty="0">
+                <a:solidFill>
+                  <a:schemeClr val="accent5"/>
+                </a:solidFill>
+                <a:latin typeface="+mn-lt"/>
+              </a:rPr>
+              <a:t>Tecnologias empregadas</a:t>
+            </a:r>
+          </a:p>
+        </p:txBody>
+      </p:sp>
+      <p:sp>
+        <p:nvSpPr>
+          <p:cNvPr id="23" name="Text Placeholder 2">
+            <a:extLst>
+              <a:ext uri="{FF2B5EF4-FFF2-40B4-BE49-F238E27FC236}">
+                <a16:creationId xmlns:a16="http://schemas.microsoft.com/office/drawing/2014/main" id="{15944BB7-4AC6-154C-8E4A-39224012F3E1}"/>
+              </a:ext>
+            </a:extLst>
+          </p:cNvPr>
+          <p:cNvSpPr txBox="1">
+            <a:spLocks/>
+          </p:cNvSpPr>
+          <p:nvPr/>
+        </p:nvSpPr>
+        <p:spPr>
+          <a:xfrm>
+            <a:off x="720000" y="1620000"/>
+            <a:ext cx="10800000" cy="3960000"/>
+          </a:xfrm>
+          <a:prstGeom prst="rect">
+            <a:avLst/>
+          </a:prstGeom>
+          <a:noFill/>
+          <a:ln>
+            <a:noFill/>
+          </a:ln>
+        </p:spPr>
+        <p:txBody>
+          <a:bodyPr spcFirstLastPara="1" wrap="square" lIns="91425" tIns="45700" rIns="91425" bIns="45700" anchor="t" anchorCtr="0">
+            <a:normAutofit/>
+          </a:bodyPr>
+          <a:lstStyle>
+            <a:defPPr marR="0" lvl="0" algn="l" rtl="0">
+              <a:lnSpc>
+                <a:spcPct val="100000"/>
+              </a:lnSpc>
+              <a:spcBef>
+                <a:spcPts val="0"/>
+              </a:spcBef>
+              <a:spcAft>
+                <a:spcPts val="0"/>
+              </a:spcAft>
+            </a:defPPr>
+            <a:lvl1pPr marL="457200" marR="0" lvl="0" indent="-406400" algn="ctr" rtl="0">
+              <a:lnSpc>
+                <a:spcPct val="90000"/>
+              </a:lnSpc>
+              <a:spcBef>
+                <a:spcPts val="1000"/>
+              </a:spcBef>
+              <a:spcAft>
+                <a:spcPts val="0"/>
+              </a:spcAft>
+              <a:buClr>
+                <a:schemeClr val="dk1"/>
+              </a:buClr>
+              <a:buSzPts val="2400"/>
+              <a:buFont typeface="Arial"/>
+              <a:buNone/>
+              <a:defRPr sz="2400" b="0" i="0" u="none" strike="noStrike" cap="none">
+                <a:solidFill>
+                  <a:schemeClr val="dk1"/>
+                </a:solidFill>
+                <a:latin typeface="Calibri"/>
+                <a:ea typeface="Calibri"/>
+                <a:cs typeface="Calibri"/>
+                <a:sym typeface="Calibri"/>
+              </a:defRPr>
+            </a:lvl1pPr>
+            <a:lvl2pPr marL="914400" marR="0" lvl="1" indent="-381000" algn="ctr" rtl="0">
+              <a:lnSpc>
+                <a:spcPct val="90000"/>
+              </a:lnSpc>
+              <a:spcBef>
+                <a:spcPts val="500"/>
+              </a:spcBef>
+              <a:spcAft>
+                <a:spcPts val="0"/>
+              </a:spcAft>
+              <a:buClr>
+                <a:schemeClr val="dk1"/>
+              </a:buClr>
+              <a:buSzPts val="2000"/>
+              <a:buFont typeface="Arial"/>
+              <a:buNone/>
+              <a:defRPr sz="2000" b="0" i="0" u="none" strike="noStrike" cap="none">
+                <a:solidFill>
+                  <a:schemeClr val="dk1"/>
+                </a:solidFill>
+                <a:latin typeface="Calibri"/>
+                <a:ea typeface="Calibri"/>
+                <a:cs typeface="Calibri"/>
+                <a:sym typeface="Calibri"/>
+              </a:defRPr>
+            </a:lvl2pPr>
+            <a:lvl3pPr marL="1371600" marR="0" lvl="2" indent="-355600" algn="ctr" rtl="0">
+              <a:lnSpc>
+                <a:spcPct val="90000"/>
+              </a:lnSpc>
+              <a:spcBef>
+                <a:spcPts val="500"/>
+              </a:spcBef>
+              <a:spcAft>
+                <a:spcPts val="0"/>
+              </a:spcAft>
+              <a:buClr>
+                <a:schemeClr val="dk1"/>
+              </a:buClr>
+              <a:buSzPts val="1800"/>
+              <a:buFont typeface="Arial"/>
+              <a:buNone/>
+              <a:defRPr sz="1800" b="0" i="0" u="none" strike="noStrike" cap="none">
+                <a:solidFill>
+                  <a:schemeClr val="dk1"/>
+                </a:solidFill>
+                <a:latin typeface="Calibri"/>
+                <a:ea typeface="Calibri"/>
+                <a:cs typeface="Calibri"/>
+                <a:sym typeface="Calibri"/>
+              </a:defRPr>
+            </a:lvl3pPr>
+            <a:lvl4pPr marL="1828800" marR="0" lvl="3" indent="-342900" algn="ctr" rtl="0">
+              <a:lnSpc>
+                <a:spcPct val="90000"/>
+              </a:lnSpc>
+              <a:spcBef>
+                <a:spcPts val="500"/>
+              </a:spcBef>
+              <a:spcAft>
+                <a:spcPts val="0"/>
+              </a:spcAft>
+              <a:buClr>
+                <a:schemeClr val="dk1"/>
+              </a:buClr>
+              <a:buSzPts val="1600"/>
+              <a:buFont typeface="Arial"/>
+              <a:buNone/>
+              <a:defRPr sz="1600" b="0" i="0" u="none" strike="noStrike" cap="none">
+                <a:solidFill>
+                  <a:schemeClr val="dk1"/>
+                </a:solidFill>
+                <a:latin typeface="Calibri"/>
+                <a:ea typeface="Calibri"/>
+                <a:cs typeface="Calibri"/>
+                <a:sym typeface="Calibri"/>
+              </a:defRPr>
+            </a:lvl4pPr>
+            <a:lvl5pPr marL="2286000" marR="0" lvl="4" indent="-342900" algn="ctr" rtl="0">
+              <a:lnSpc>
+                <a:spcPct val="90000"/>
+              </a:lnSpc>
+              <a:spcBef>
+                <a:spcPts val="500"/>
+              </a:spcBef>
+              <a:spcAft>
+                <a:spcPts val="0"/>
+              </a:spcAft>
+              <a:buClr>
+                <a:schemeClr val="dk1"/>
+              </a:buClr>
+              <a:buSzPts val="1600"/>
+              <a:buFont typeface="Arial"/>
+              <a:buNone/>
+              <a:defRPr sz="1600" b="0" i="0" u="none" strike="noStrike" cap="none">
+                <a:solidFill>
+                  <a:schemeClr val="dk1"/>
+                </a:solidFill>
+                <a:latin typeface="Calibri"/>
+                <a:ea typeface="Calibri"/>
+                <a:cs typeface="Calibri"/>
+                <a:sym typeface="Calibri"/>
+              </a:defRPr>
+            </a:lvl5pPr>
+            <a:lvl6pPr marL="2743200" marR="0" lvl="5" indent="-342900" algn="ctr" rtl="0">
+              <a:lnSpc>
+                <a:spcPct val="90000"/>
+              </a:lnSpc>
+              <a:spcBef>
+                <a:spcPts val="500"/>
+              </a:spcBef>
+              <a:spcAft>
+                <a:spcPts val="0"/>
+              </a:spcAft>
+              <a:buClr>
+                <a:schemeClr val="dk1"/>
+              </a:buClr>
+              <a:buSzPts val="1600"/>
+              <a:buFont typeface="Arial"/>
+              <a:buNone/>
+              <a:defRPr sz="1600" b="0" i="0" u="none" strike="noStrike" cap="none">
+                <a:solidFill>
+                  <a:schemeClr val="dk1"/>
+                </a:solidFill>
+                <a:latin typeface="Calibri"/>
+                <a:ea typeface="Calibri"/>
+                <a:cs typeface="Calibri"/>
+                <a:sym typeface="Calibri"/>
+              </a:defRPr>
+            </a:lvl6pPr>
+            <a:lvl7pPr marL="3200400" marR="0" lvl="6" indent="-342900" algn="ctr" rtl="0">
+              <a:lnSpc>
+                <a:spcPct val="90000"/>
+              </a:lnSpc>
+              <a:spcBef>
+                <a:spcPts val="500"/>
+              </a:spcBef>
+              <a:spcAft>
+                <a:spcPts val="0"/>
+              </a:spcAft>
+              <a:buClr>
+                <a:schemeClr val="dk1"/>
+              </a:buClr>
+              <a:buSzPts val="1600"/>
+              <a:buFont typeface="Arial"/>
+              <a:buNone/>
+              <a:defRPr sz="1600" b="0" i="0" u="none" strike="noStrike" cap="none">
+                <a:solidFill>
+                  <a:schemeClr val="dk1"/>
+                </a:solidFill>
+                <a:latin typeface="Calibri"/>
+                <a:ea typeface="Calibri"/>
+                <a:cs typeface="Calibri"/>
+                <a:sym typeface="Calibri"/>
+              </a:defRPr>
+            </a:lvl7pPr>
+            <a:lvl8pPr marL="3657600" marR="0" lvl="7" indent="-342900" algn="ctr" rtl="0">
+              <a:lnSpc>
+                <a:spcPct val="90000"/>
+              </a:lnSpc>
+              <a:spcBef>
+                <a:spcPts val="500"/>
+              </a:spcBef>
+              <a:spcAft>
+                <a:spcPts val="0"/>
+              </a:spcAft>
+              <a:buClr>
+                <a:schemeClr val="dk1"/>
+              </a:buClr>
+              <a:buSzPts val="1600"/>
+              <a:buFont typeface="Arial"/>
+              <a:buNone/>
+              <a:defRPr sz="1600" b="0" i="0" u="none" strike="noStrike" cap="none">
+                <a:solidFill>
+                  <a:schemeClr val="dk1"/>
+                </a:solidFill>
+                <a:latin typeface="Calibri"/>
+                <a:ea typeface="Calibri"/>
+                <a:cs typeface="Calibri"/>
+                <a:sym typeface="Calibri"/>
+              </a:defRPr>
+            </a:lvl8pPr>
+            <a:lvl9pPr marL="4114800" marR="0" lvl="8" indent="-342900" algn="ctr" rtl="0">
+              <a:lnSpc>
+                <a:spcPct val="90000"/>
+              </a:lnSpc>
+              <a:spcBef>
+                <a:spcPts val="500"/>
+              </a:spcBef>
+              <a:spcAft>
+                <a:spcPts val="0"/>
+              </a:spcAft>
+              <a:buClr>
+                <a:schemeClr val="dk1"/>
+              </a:buClr>
+              <a:buSzPts val="1600"/>
+              <a:buFont typeface="Arial"/>
+              <a:buNone/>
+              <a:defRPr sz="1600" b="0" i="0" u="none" strike="noStrike" cap="none">
+                <a:solidFill>
+                  <a:schemeClr val="dk1"/>
+                </a:solidFill>
+                <a:latin typeface="Calibri"/>
+                <a:ea typeface="Calibri"/>
+                <a:cs typeface="Calibri"/>
+                <a:sym typeface="Calibri"/>
+              </a:defRPr>
+            </a:lvl9pPr>
+          </a:lstStyle>
+          <a:p>
+            <a:pPr algn="l"/>
+            <a:r>
               <a:rPr lang="en-GB" sz="2000" dirty="0">
                 <a:latin typeface="+mn-lt"/>
               </a:rPr>
@@ -10433,10 +13116,23 @@
               <a:buChar char="•"/>
             </a:pPr>
             <a:r>
+              <a:rPr lang="en-GB" sz="2000" dirty="0"/>
+              <a:t>HOG</a:t>
+            </a:r>
+            <a:endParaRPr lang="en-GB" sz="2000" dirty="0">
+              <a:latin typeface="+mn-lt"/>
+            </a:endParaRPr>
+          </a:p>
+          <a:p>
+            <a:pPr algn="l">
+              <a:buFont typeface="Arial" panose="020B0604020202020204" pitchFamily="34" charset="0"/>
+              <a:buChar char="•"/>
+            </a:pPr>
+            <a:r>
               <a:rPr lang="en-GB" sz="2000" dirty="0">
                 <a:latin typeface="+mn-lt"/>
               </a:rPr>
-              <a:t>Machine Learning</a:t>
+              <a:t>Random Forest</a:t>
             </a:r>
           </a:p>
         </p:txBody>
@@ -10444,7 +13140,7 @@
     </p:spTree>
     <p:extLst>
       <p:ext uri="{BB962C8B-B14F-4D97-AF65-F5344CB8AC3E}">
-        <p14:creationId xmlns:p14="http://schemas.microsoft.com/office/powerpoint/2010/main" val="2505004517"/>
+        <p14:creationId xmlns:p14="http://schemas.microsoft.com/office/powerpoint/2010/main" val="835242663"/>
       </p:ext>
     </p:extLst>
   </p:cSld>
@@ -10454,7 +13150,2114 @@
 </p:sld>
 </file>
 
-<file path=ppt/slides/slide3.xml><?xml version="1.0" encoding="utf-8"?>
+<file path=ppt/slides/slide5.xml><?xml version="1.0" encoding="utf-8"?>
+<p:sld xmlns:a="http://schemas.openxmlformats.org/drawingml/2006/main" xmlns:r="http://schemas.openxmlformats.org/officeDocument/2006/relationships" xmlns:p="http://schemas.openxmlformats.org/presentationml/2006/main">
+  <p:cSld>
+    <p:spTree>
+      <p:nvGrpSpPr>
+        <p:cNvPr id="1" name="Shape 89"/>
+        <p:cNvGrpSpPr/>
+        <p:nvPr/>
+      </p:nvGrpSpPr>
+      <p:grpSpPr>
+        <a:xfrm>
+          <a:off x="0" y="0"/>
+          <a:ext cx="0" cy="0"/>
+          <a:chOff x="0" y="0"/>
+          <a:chExt cx="0" cy="0"/>
+        </a:xfrm>
+      </p:grpSpPr>
+      <p:pic>
+        <p:nvPicPr>
+          <p:cNvPr id="90" name="Google Shape;90;p4"/>
+          <p:cNvPicPr preferRelativeResize="0"/>
+          <p:nvPr/>
+        </p:nvPicPr>
+        <p:blipFill rotWithShape="1">
+          <a:blip r:embed="rId3">
+            <a:alphaModFix/>
+          </a:blip>
+          <a:srcRect/>
+          <a:stretch/>
+        </p:blipFill>
+        <p:spPr>
+          <a:xfrm>
+            <a:off x="0" y="0"/>
+            <a:ext cx="12192000" cy="6858000"/>
+          </a:xfrm>
+          <a:prstGeom prst="rect">
+            <a:avLst/>
+          </a:prstGeom>
+          <a:noFill/>
+          <a:ln>
+            <a:noFill/>
+          </a:ln>
+        </p:spPr>
+      </p:pic>
+      <p:sp>
+        <p:nvSpPr>
+          <p:cNvPr id="21" name="Title 1">
+            <a:extLst>
+              <a:ext uri="{FF2B5EF4-FFF2-40B4-BE49-F238E27FC236}">
+                <a16:creationId xmlns:a16="http://schemas.microsoft.com/office/drawing/2014/main" id="{52ACBCB4-6ACD-2841-B1F7-79E2D8C643D1}"/>
+              </a:ext>
+            </a:extLst>
+          </p:cNvPr>
+          <p:cNvSpPr txBox="1">
+            <a:spLocks noChangeAspect="1"/>
+          </p:cNvSpPr>
+          <p:nvPr/>
+        </p:nvSpPr>
+        <p:spPr>
+          <a:xfrm>
+            <a:off x="696000" y="540000"/>
+            <a:ext cx="10800000" cy="720000"/>
+          </a:xfrm>
+          <a:prstGeom prst="rect">
+            <a:avLst/>
+          </a:prstGeom>
+          <a:noFill/>
+          <a:ln>
+            <a:noFill/>
+          </a:ln>
+        </p:spPr>
+        <p:txBody>
+          <a:bodyPr spcFirstLastPara="1" wrap="square" lIns="91425" tIns="45700" rIns="91425" bIns="45700" anchor="b" anchorCtr="0">
+            <a:normAutofit/>
+          </a:bodyPr>
+          <a:lstStyle>
+            <a:defPPr marR="0" lvl="0" algn="l" rtl="0">
+              <a:lnSpc>
+                <a:spcPct val="100000"/>
+              </a:lnSpc>
+              <a:spcBef>
+                <a:spcPts val="0"/>
+              </a:spcBef>
+              <a:spcAft>
+                <a:spcPts val="0"/>
+              </a:spcAft>
+            </a:defPPr>
+            <a:lvl1pPr marR="0" lvl="0" algn="ctr" rtl="0">
+              <a:lnSpc>
+                <a:spcPct val="90000"/>
+              </a:lnSpc>
+              <a:spcBef>
+                <a:spcPts val="0"/>
+              </a:spcBef>
+              <a:spcAft>
+                <a:spcPts val="0"/>
+              </a:spcAft>
+              <a:buClr>
+                <a:schemeClr val="dk1"/>
+              </a:buClr>
+              <a:buSzPts val="6000"/>
+              <a:buFont typeface="Calibri"/>
+              <a:buNone/>
+              <a:defRPr sz="6000" b="0" i="0" u="none" strike="noStrike" cap="none">
+                <a:solidFill>
+                  <a:schemeClr val="dk1"/>
+                </a:solidFill>
+                <a:latin typeface="Calibri"/>
+                <a:ea typeface="Calibri"/>
+                <a:cs typeface="Calibri"/>
+                <a:sym typeface="Calibri"/>
+              </a:defRPr>
+            </a:lvl1pPr>
+            <a:lvl2pPr marR="0" lvl="1" algn="l" rtl="0">
+              <a:lnSpc>
+                <a:spcPct val="100000"/>
+              </a:lnSpc>
+              <a:spcBef>
+                <a:spcPts val="0"/>
+              </a:spcBef>
+              <a:spcAft>
+                <a:spcPts val="0"/>
+              </a:spcAft>
+              <a:buClr>
+                <a:srgbClr val="000000"/>
+              </a:buClr>
+              <a:buSzPts val="1400"/>
+              <a:buFont typeface="Arial"/>
+              <a:buNone/>
+              <a:defRPr sz="1800" b="0" i="0" u="none" strike="noStrike" cap="none">
+                <a:solidFill>
+                  <a:srgbClr val="000000"/>
+                </a:solidFill>
+                <a:latin typeface="Arial"/>
+                <a:ea typeface="Arial"/>
+                <a:cs typeface="Arial"/>
+                <a:sym typeface="Arial"/>
+              </a:defRPr>
+            </a:lvl2pPr>
+            <a:lvl3pPr marR="0" lvl="2" algn="l" rtl="0">
+              <a:lnSpc>
+                <a:spcPct val="100000"/>
+              </a:lnSpc>
+              <a:spcBef>
+                <a:spcPts val="0"/>
+              </a:spcBef>
+              <a:spcAft>
+                <a:spcPts val="0"/>
+              </a:spcAft>
+              <a:buClr>
+                <a:srgbClr val="000000"/>
+              </a:buClr>
+              <a:buSzPts val="1400"/>
+              <a:buFont typeface="Arial"/>
+              <a:buNone/>
+              <a:defRPr sz="1800" b="0" i="0" u="none" strike="noStrike" cap="none">
+                <a:solidFill>
+                  <a:srgbClr val="000000"/>
+                </a:solidFill>
+                <a:latin typeface="Arial"/>
+                <a:ea typeface="Arial"/>
+                <a:cs typeface="Arial"/>
+                <a:sym typeface="Arial"/>
+              </a:defRPr>
+            </a:lvl3pPr>
+            <a:lvl4pPr marR="0" lvl="3" algn="l" rtl="0">
+              <a:lnSpc>
+                <a:spcPct val="100000"/>
+              </a:lnSpc>
+              <a:spcBef>
+                <a:spcPts val="0"/>
+              </a:spcBef>
+              <a:spcAft>
+                <a:spcPts val="0"/>
+              </a:spcAft>
+              <a:buClr>
+                <a:srgbClr val="000000"/>
+              </a:buClr>
+              <a:buSzPts val="1400"/>
+              <a:buFont typeface="Arial"/>
+              <a:buNone/>
+              <a:defRPr sz="1800" b="0" i="0" u="none" strike="noStrike" cap="none">
+                <a:solidFill>
+                  <a:srgbClr val="000000"/>
+                </a:solidFill>
+                <a:latin typeface="Arial"/>
+                <a:ea typeface="Arial"/>
+                <a:cs typeface="Arial"/>
+                <a:sym typeface="Arial"/>
+              </a:defRPr>
+            </a:lvl4pPr>
+            <a:lvl5pPr marR="0" lvl="4" algn="l" rtl="0">
+              <a:lnSpc>
+                <a:spcPct val="100000"/>
+              </a:lnSpc>
+              <a:spcBef>
+                <a:spcPts val="0"/>
+              </a:spcBef>
+              <a:spcAft>
+                <a:spcPts val="0"/>
+              </a:spcAft>
+              <a:buClr>
+                <a:srgbClr val="000000"/>
+              </a:buClr>
+              <a:buSzPts val="1400"/>
+              <a:buFont typeface="Arial"/>
+              <a:buNone/>
+              <a:defRPr sz="1800" b="0" i="0" u="none" strike="noStrike" cap="none">
+                <a:solidFill>
+                  <a:srgbClr val="000000"/>
+                </a:solidFill>
+                <a:latin typeface="Arial"/>
+                <a:ea typeface="Arial"/>
+                <a:cs typeface="Arial"/>
+                <a:sym typeface="Arial"/>
+              </a:defRPr>
+            </a:lvl5pPr>
+            <a:lvl6pPr marR="0" lvl="5" algn="l" rtl="0">
+              <a:lnSpc>
+                <a:spcPct val="100000"/>
+              </a:lnSpc>
+              <a:spcBef>
+                <a:spcPts val="0"/>
+              </a:spcBef>
+              <a:spcAft>
+                <a:spcPts val="0"/>
+              </a:spcAft>
+              <a:buClr>
+                <a:srgbClr val="000000"/>
+              </a:buClr>
+              <a:buSzPts val="1400"/>
+              <a:buFont typeface="Arial"/>
+              <a:buNone/>
+              <a:defRPr sz="1800" b="0" i="0" u="none" strike="noStrike" cap="none">
+                <a:solidFill>
+                  <a:srgbClr val="000000"/>
+                </a:solidFill>
+                <a:latin typeface="Arial"/>
+                <a:ea typeface="Arial"/>
+                <a:cs typeface="Arial"/>
+                <a:sym typeface="Arial"/>
+              </a:defRPr>
+            </a:lvl6pPr>
+            <a:lvl7pPr marR="0" lvl="6" algn="l" rtl="0">
+              <a:lnSpc>
+                <a:spcPct val="100000"/>
+              </a:lnSpc>
+              <a:spcBef>
+                <a:spcPts val="0"/>
+              </a:spcBef>
+              <a:spcAft>
+                <a:spcPts val="0"/>
+              </a:spcAft>
+              <a:buClr>
+                <a:srgbClr val="000000"/>
+              </a:buClr>
+              <a:buSzPts val="1400"/>
+              <a:buFont typeface="Arial"/>
+              <a:buNone/>
+              <a:defRPr sz="1800" b="0" i="0" u="none" strike="noStrike" cap="none">
+                <a:solidFill>
+                  <a:srgbClr val="000000"/>
+                </a:solidFill>
+                <a:latin typeface="Arial"/>
+                <a:ea typeface="Arial"/>
+                <a:cs typeface="Arial"/>
+                <a:sym typeface="Arial"/>
+              </a:defRPr>
+            </a:lvl7pPr>
+            <a:lvl8pPr marR="0" lvl="7" algn="l" rtl="0">
+              <a:lnSpc>
+                <a:spcPct val="100000"/>
+              </a:lnSpc>
+              <a:spcBef>
+                <a:spcPts val="0"/>
+              </a:spcBef>
+              <a:spcAft>
+                <a:spcPts val="0"/>
+              </a:spcAft>
+              <a:buClr>
+                <a:srgbClr val="000000"/>
+              </a:buClr>
+              <a:buSzPts val="1400"/>
+              <a:buFont typeface="Arial"/>
+              <a:buNone/>
+              <a:defRPr sz="1800" b="0" i="0" u="none" strike="noStrike" cap="none">
+                <a:solidFill>
+                  <a:srgbClr val="000000"/>
+                </a:solidFill>
+                <a:latin typeface="Arial"/>
+                <a:ea typeface="Arial"/>
+                <a:cs typeface="Arial"/>
+                <a:sym typeface="Arial"/>
+              </a:defRPr>
+            </a:lvl8pPr>
+            <a:lvl9pPr marR="0" lvl="8" algn="l" rtl="0">
+              <a:lnSpc>
+                <a:spcPct val="100000"/>
+              </a:lnSpc>
+              <a:spcBef>
+                <a:spcPts val="0"/>
+              </a:spcBef>
+              <a:spcAft>
+                <a:spcPts val="0"/>
+              </a:spcAft>
+              <a:buClr>
+                <a:srgbClr val="000000"/>
+              </a:buClr>
+              <a:buSzPts val="1400"/>
+              <a:buFont typeface="Arial"/>
+              <a:buNone/>
+              <a:defRPr sz="1800" b="0" i="0" u="none" strike="noStrike" cap="none">
+                <a:solidFill>
+                  <a:srgbClr val="000000"/>
+                </a:solidFill>
+                <a:latin typeface="Arial"/>
+                <a:ea typeface="Arial"/>
+                <a:cs typeface="Arial"/>
+                <a:sym typeface="Arial"/>
+              </a:defRPr>
+            </a:lvl9pPr>
+          </a:lstStyle>
+          <a:p>
+            <a:pPr algn="l"/>
+            <a:r>
+              <a:rPr lang="en-BR" sz="4000" b="1" dirty="0">
+                <a:solidFill>
+                  <a:schemeClr val="accent5"/>
+                </a:solidFill>
+                <a:latin typeface="+mn-lt"/>
+              </a:rPr>
+              <a:t>OpenCV</a:t>
+            </a:r>
+          </a:p>
+        </p:txBody>
+      </p:sp>
+      <p:sp>
+        <p:nvSpPr>
+          <p:cNvPr id="23" name="Text Placeholder 2">
+            <a:extLst>
+              <a:ext uri="{FF2B5EF4-FFF2-40B4-BE49-F238E27FC236}">
+                <a16:creationId xmlns:a16="http://schemas.microsoft.com/office/drawing/2014/main" id="{15944BB7-4AC6-154C-8E4A-39224012F3E1}"/>
+              </a:ext>
+            </a:extLst>
+          </p:cNvPr>
+          <p:cNvSpPr txBox="1">
+            <a:spLocks/>
+          </p:cNvSpPr>
+          <p:nvPr/>
+        </p:nvSpPr>
+        <p:spPr>
+          <a:xfrm>
+            <a:off x="720000" y="1620000"/>
+            <a:ext cx="10800000" cy="3960000"/>
+          </a:xfrm>
+          <a:prstGeom prst="rect">
+            <a:avLst/>
+          </a:prstGeom>
+          <a:noFill/>
+          <a:ln>
+            <a:noFill/>
+          </a:ln>
+        </p:spPr>
+        <p:txBody>
+          <a:bodyPr spcFirstLastPara="1" wrap="square" lIns="91425" tIns="45700" rIns="91425" bIns="45700" anchor="t" anchorCtr="0">
+            <a:normAutofit/>
+          </a:bodyPr>
+          <a:lstStyle>
+            <a:defPPr marR="0" lvl="0" algn="l" rtl="0">
+              <a:lnSpc>
+                <a:spcPct val="100000"/>
+              </a:lnSpc>
+              <a:spcBef>
+                <a:spcPts val="0"/>
+              </a:spcBef>
+              <a:spcAft>
+                <a:spcPts val="0"/>
+              </a:spcAft>
+            </a:defPPr>
+            <a:lvl1pPr marL="457200" marR="0" lvl="0" indent="-406400" algn="ctr" rtl="0">
+              <a:lnSpc>
+                <a:spcPct val="90000"/>
+              </a:lnSpc>
+              <a:spcBef>
+                <a:spcPts val="1000"/>
+              </a:spcBef>
+              <a:spcAft>
+                <a:spcPts val="0"/>
+              </a:spcAft>
+              <a:buClr>
+                <a:schemeClr val="dk1"/>
+              </a:buClr>
+              <a:buSzPts val="2400"/>
+              <a:buFont typeface="Arial"/>
+              <a:buNone/>
+              <a:defRPr sz="2400" b="0" i="0" u="none" strike="noStrike" cap="none">
+                <a:solidFill>
+                  <a:schemeClr val="dk1"/>
+                </a:solidFill>
+                <a:latin typeface="Calibri"/>
+                <a:ea typeface="Calibri"/>
+                <a:cs typeface="Calibri"/>
+                <a:sym typeface="Calibri"/>
+              </a:defRPr>
+            </a:lvl1pPr>
+            <a:lvl2pPr marL="914400" marR="0" lvl="1" indent="-381000" algn="ctr" rtl="0">
+              <a:lnSpc>
+                <a:spcPct val="90000"/>
+              </a:lnSpc>
+              <a:spcBef>
+                <a:spcPts val="500"/>
+              </a:spcBef>
+              <a:spcAft>
+                <a:spcPts val="0"/>
+              </a:spcAft>
+              <a:buClr>
+                <a:schemeClr val="dk1"/>
+              </a:buClr>
+              <a:buSzPts val="2000"/>
+              <a:buFont typeface="Arial"/>
+              <a:buNone/>
+              <a:defRPr sz="2000" b="0" i="0" u="none" strike="noStrike" cap="none">
+                <a:solidFill>
+                  <a:schemeClr val="dk1"/>
+                </a:solidFill>
+                <a:latin typeface="Calibri"/>
+                <a:ea typeface="Calibri"/>
+                <a:cs typeface="Calibri"/>
+                <a:sym typeface="Calibri"/>
+              </a:defRPr>
+            </a:lvl2pPr>
+            <a:lvl3pPr marL="1371600" marR="0" lvl="2" indent="-355600" algn="ctr" rtl="0">
+              <a:lnSpc>
+                <a:spcPct val="90000"/>
+              </a:lnSpc>
+              <a:spcBef>
+                <a:spcPts val="500"/>
+              </a:spcBef>
+              <a:spcAft>
+                <a:spcPts val="0"/>
+              </a:spcAft>
+              <a:buClr>
+                <a:schemeClr val="dk1"/>
+              </a:buClr>
+              <a:buSzPts val="1800"/>
+              <a:buFont typeface="Arial"/>
+              <a:buNone/>
+              <a:defRPr sz="1800" b="0" i="0" u="none" strike="noStrike" cap="none">
+                <a:solidFill>
+                  <a:schemeClr val="dk1"/>
+                </a:solidFill>
+                <a:latin typeface="Calibri"/>
+                <a:ea typeface="Calibri"/>
+                <a:cs typeface="Calibri"/>
+                <a:sym typeface="Calibri"/>
+              </a:defRPr>
+            </a:lvl3pPr>
+            <a:lvl4pPr marL="1828800" marR="0" lvl="3" indent="-342900" algn="ctr" rtl="0">
+              <a:lnSpc>
+                <a:spcPct val="90000"/>
+              </a:lnSpc>
+              <a:spcBef>
+                <a:spcPts val="500"/>
+              </a:spcBef>
+              <a:spcAft>
+                <a:spcPts val="0"/>
+              </a:spcAft>
+              <a:buClr>
+                <a:schemeClr val="dk1"/>
+              </a:buClr>
+              <a:buSzPts val="1600"/>
+              <a:buFont typeface="Arial"/>
+              <a:buNone/>
+              <a:defRPr sz="1600" b="0" i="0" u="none" strike="noStrike" cap="none">
+                <a:solidFill>
+                  <a:schemeClr val="dk1"/>
+                </a:solidFill>
+                <a:latin typeface="Calibri"/>
+                <a:ea typeface="Calibri"/>
+                <a:cs typeface="Calibri"/>
+                <a:sym typeface="Calibri"/>
+              </a:defRPr>
+            </a:lvl4pPr>
+            <a:lvl5pPr marL="2286000" marR="0" lvl="4" indent="-342900" algn="ctr" rtl="0">
+              <a:lnSpc>
+                <a:spcPct val="90000"/>
+              </a:lnSpc>
+              <a:spcBef>
+                <a:spcPts val="500"/>
+              </a:spcBef>
+              <a:spcAft>
+                <a:spcPts val="0"/>
+              </a:spcAft>
+              <a:buClr>
+                <a:schemeClr val="dk1"/>
+              </a:buClr>
+              <a:buSzPts val="1600"/>
+              <a:buFont typeface="Arial"/>
+              <a:buNone/>
+              <a:defRPr sz="1600" b="0" i="0" u="none" strike="noStrike" cap="none">
+                <a:solidFill>
+                  <a:schemeClr val="dk1"/>
+                </a:solidFill>
+                <a:latin typeface="Calibri"/>
+                <a:ea typeface="Calibri"/>
+                <a:cs typeface="Calibri"/>
+                <a:sym typeface="Calibri"/>
+              </a:defRPr>
+            </a:lvl5pPr>
+            <a:lvl6pPr marL="2743200" marR="0" lvl="5" indent="-342900" algn="ctr" rtl="0">
+              <a:lnSpc>
+                <a:spcPct val="90000"/>
+              </a:lnSpc>
+              <a:spcBef>
+                <a:spcPts val="500"/>
+              </a:spcBef>
+              <a:spcAft>
+                <a:spcPts val="0"/>
+              </a:spcAft>
+              <a:buClr>
+                <a:schemeClr val="dk1"/>
+              </a:buClr>
+              <a:buSzPts val="1600"/>
+              <a:buFont typeface="Arial"/>
+              <a:buNone/>
+              <a:defRPr sz="1600" b="0" i="0" u="none" strike="noStrike" cap="none">
+                <a:solidFill>
+                  <a:schemeClr val="dk1"/>
+                </a:solidFill>
+                <a:latin typeface="Calibri"/>
+                <a:ea typeface="Calibri"/>
+                <a:cs typeface="Calibri"/>
+                <a:sym typeface="Calibri"/>
+              </a:defRPr>
+            </a:lvl6pPr>
+            <a:lvl7pPr marL="3200400" marR="0" lvl="6" indent="-342900" algn="ctr" rtl="0">
+              <a:lnSpc>
+                <a:spcPct val="90000"/>
+              </a:lnSpc>
+              <a:spcBef>
+                <a:spcPts val="500"/>
+              </a:spcBef>
+              <a:spcAft>
+                <a:spcPts val="0"/>
+              </a:spcAft>
+              <a:buClr>
+                <a:schemeClr val="dk1"/>
+              </a:buClr>
+              <a:buSzPts val="1600"/>
+              <a:buFont typeface="Arial"/>
+              <a:buNone/>
+              <a:defRPr sz="1600" b="0" i="0" u="none" strike="noStrike" cap="none">
+                <a:solidFill>
+                  <a:schemeClr val="dk1"/>
+                </a:solidFill>
+                <a:latin typeface="Calibri"/>
+                <a:ea typeface="Calibri"/>
+                <a:cs typeface="Calibri"/>
+                <a:sym typeface="Calibri"/>
+              </a:defRPr>
+            </a:lvl7pPr>
+            <a:lvl8pPr marL="3657600" marR="0" lvl="7" indent="-342900" algn="ctr" rtl="0">
+              <a:lnSpc>
+                <a:spcPct val="90000"/>
+              </a:lnSpc>
+              <a:spcBef>
+                <a:spcPts val="500"/>
+              </a:spcBef>
+              <a:spcAft>
+                <a:spcPts val="0"/>
+              </a:spcAft>
+              <a:buClr>
+                <a:schemeClr val="dk1"/>
+              </a:buClr>
+              <a:buSzPts val="1600"/>
+              <a:buFont typeface="Arial"/>
+              <a:buNone/>
+              <a:defRPr sz="1600" b="0" i="0" u="none" strike="noStrike" cap="none">
+                <a:solidFill>
+                  <a:schemeClr val="dk1"/>
+                </a:solidFill>
+                <a:latin typeface="Calibri"/>
+                <a:ea typeface="Calibri"/>
+                <a:cs typeface="Calibri"/>
+                <a:sym typeface="Calibri"/>
+              </a:defRPr>
+            </a:lvl8pPr>
+            <a:lvl9pPr marL="4114800" marR="0" lvl="8" indent="-342900" algn="ctr" rtl="0">
+              <a:lnSpc>
+                <a:spcPct val="90000"/>
+              </a:lnSpc>
+              <a:spcBef>
+                <a:spcPts val="500"/>
+              </a:spcBef>
+              <a:spcAft>
+                <a:spcPts val="0"/>
+              </a:spcAft>
+              <a:buClr>
+                <a:schemeClr val="dk1"/>
+              </a:buClr>
+              <a:buSzPts val="1600"/>
+              <a:buFont typeface="Arial"/>
+              <a:buNone/>
+              <a:defRPr sz="1600" b="0" i="0" u="none" strike="noStrike" cap="none">
+                <a:solidFill>
+                  <a:schemeClr val="dk1"/>
+                </a:solidFill>
+                <a:latin typeface="Calibri"/>
+                <a:ea typeface="Calibri"/>
+                <a:cs typeface="Calibri"/>
+                <a:sym typeface="Calibri"/>
+              </a:defRPr>
+            </a:lvl9pPr>
+          </a:lstStyle>
+          <a:p>
+            <a:pPr algn="l"/>
+            <a:r>
+              <a:rPr lang="en-GB" sz="2000" dirty="0">
+                <a:latin typeface="+mn-lt"/>
+              </a:rPr>
+              <a:t>Automatically detect and predict patients with Parkinson disease</a:t>
+            </a:r>
+          </a:p>
+          <a:p>
+            <a:pPr algn="l">
+              <a:buFont typeface="Arial" panose="020B0604020202020204" pitchFamily="34" charset="0"/>
+              <a:buChar char="•"/>
+            </a:pPr>
+            <a:r>
+              <a:rPr lang="en-GB" sz="2000" dirty="0">
+                <a:latin typeface="+mn-lt"/>
+              </a:rPr>
+              <a:t>OpenCV</a:t>
+            </a:r>
+          </a:p>
+          <a:p>
+            <a:pPr algn="l">
+              <a:buFont typeface="Arial" panose="020B0604020202020204" pitchFamily="34" charset="0"/>
+              <a:buChar char="•"/>
+            </a:pPr>
+            <a:r>
+              <a:rPr lang="en-GB" sz="2000" dirty="0"/>
+              <a:t>HOG</a:t>
+            </a:r>
+            <a:endParaRPr lang="en-GB" sz="2000" dirty="0">
+              <a:latin typeface="+mn-lt"/>
+            </a:endParaRPr>
+          </a:p>
+          <a:p>
+            <a:pPr algn="l">
+              <a:buFont typeface="Arial" panose="020B0604020202020204" pitchFamily="34" charset="0"/>
+              <a:buChar char="•"/>
+            </a:pPr>
+            <a:r>
+              <a:rPr lang="en-GB" sz="2000" dirty="0">
+                <a:latin typeface="+mn-lt"/>
+              </a:rPr>
+              <a:t>Random Forest</a:t>
+            </a:r>
+          </a:p>
+        </p:txBody>
+      </p:sp>
+    </p:spTree>
+    <p:extLst>
+      <p:ext uri="{BB962C8B-B14F-4D97-AF65-F5344CB8AC3E}">
+        <p14:creationId xmlns:p14="http://schemas.microsoft.com/office/powerpoint/2010/main" val="2840108059"/>
+      </p:ext>
+    </p:extLst>
+  </p:cSld>
+  <p:clrMapOvr>
+    <a:masterClrMapping/>
+  </p:clrMapOvr>
+</p:sld>
+</file>
+
+<file path=ppt/slides/slide6.xml><?xml version="1.0" encoding="utf-8"?>
+<p:sld xmlns:a="http://schemas.openxmlformats.org/drawingml/2006/main" xmlns:r="http://schemas.openxmlformats.org/officeDocument/2006/relationships" xmlns:p="http://schemas.openxmlformats.org/presentationml/2006/main">
+  <p:cSld>
+    <p:spTree>
+      <p:nvGrpSpPr>
+        <p:cNvPr id="1" name="Shape 89"/>
+        <p:cNvGrpSpPr/>
+        <p:nvPr/>
+      </p:nvGrpSpPr>
+      <p:grpSpPr>
+        <a:xfrm>
+          <a:off x="0" y="0"/>
+          <a:ext cx="0" cy="0"/>
+          <a:chOff x="0" y="0"/>
+          <a:chExt cx="0" cy="0"/>
+        </a:xfrm>
+      </p:grpSpPr>
+      <p:pic>
+        <p:nvPicPr>
+          <p:cNvPr id="90" name="Google Shape;90;p4"/>
+          <p:cNvPicPr preferRelativeResize="0"/>
+          <p:nvPr/>
+        </p:nvPicPr>
+        <p:blipFill rotWithShape="1">
+          <a:blip r:embed="rId3">
+            <a:alphaModFix/>
+          </a:blip>
+          <a:srcRect/>
+          <a:stretch/>
+        </p:blipFill>
+        <p:spPr>
+          <a:xfrm>
+            <a:off x="0" y="0"/>
+            <a:ext cx="12192000" cy="6858000"/>
+          </a:xfrm>
+          <a:prstGeom prst="rect">
+            <a:avLst/>
+          </a:prstGeom>
+          <a:noFill/>
+          <a:ln>
+            <a:noFill/>
+          </a:ln>
+        </p:spPr>
+      </p:pic>
+      <p:sp>
+        <p:nvSpPr>
+          <p:cNvPr id="21" name="Title 1">
+            <a:extLst>
+              <a:ext uri="{FF2B5EF4-FFF2-40B4-BE49-F238E27FC236}">
+                <a16:creationId xmlns:a16="http://schemas.microsoft.com/office/drawing/2014/main" id="{52ACBCB4-6ACD-2841-B1F7-79E2D8C643D1}"/>
+              </a:ext>
+            </a:extLst>
+          </p:cNvPr>
+          <p:cNvSpPr txBox="1">
+            <a:spLocks noChangeAspect="1"/>
+          </p:cNvSpPr>
+          <p:nvPr/>
+        </p:nvSpPr>
+        <p:spPr>
+          <a:xfrm>
+            <a:off x="696000" y="540000"/>
+            <a:ext cx="10800000" cy="720000"/>
+          </a:xfrm>
+          <a:prstGeom prst="rect">
+            <a:avLst/>
+          </a:prstGeom>
+          <a:noFill/>
+          <a:ln>
+            <a:noFill/>
+          </a:ln>
+        </p:spPr>
+        <p:txBody>
+          <a:bodyPr spcFirstLastPara="1" wrap="square" lIns="91425" tIns="45700" rIns="91425" bIns="45700" anchor="b" anchorCtr="0">
+            <a:normAutofit/>
+          </a:bodyPr>
+          <a:lstStyle>
+            <a:defPPr marR="0" lvl="0" algn="l" rtl="0">
+              <a:lnSpc>
+                <a:spcPct val="100000"/>
+              </a:lnSpc>
+              <a:spcBef>
+                <a:spcPts val="0"/>
+              </a:spcBef>
+              <a:spcAft>
+                <a:spcPts val="0"/>
+              </a:spcAft>
+            </a:defPPr>
+            <a:lvl1pPr marR="0" lvl="0" algn="ctr" rtl="0">
+              <a:lnSpc>
+                <a:spcPct val="90000"/>
+              </a:lnSpc>
+              <a:spcBef>
+                <a:spcPts val="0"/>
+              </a:spcBef>
+              <a:spcAft>
+                <a:spcPts val="0"/>
+              </a:spcAft>
+              <a:buClr>
+                <a:schemeClr val="dk1"/>
+              </a:buClr>
+              <a:buSzPts val="6000"/>
+              <a:buFont typeface="Calibri"/>
+              <a:buNone/>
+              <a:defRPr sz="6000" b="0" i="0" u="none" strike="noStrike" cap="none">
+                <a:solidFill>
+                  <a:schemeClr val="dk1"/>
+                </a:solidFill>
+                <a:latin typeface="Calibri"/>
+                <a:ea typeface="Calibri"/>
+                <a:cs typeface="Calibri"/>
+                <a:sym typeface="Calibri"/>
+              </a:defRPr>
+            </a:lvl1pPr>
+            <a:lvl2pPr marR="0" lvl="1" algn="l" rtl="0">
+              <a:lnSpc>
+                <a:spcPct val="100000"/>
+              </a:lnSpc>
+              <a:spcBef>
+                <a:spcPts val="0"/>
+              </a:spcBef>
+              <a:spcAft>
+                <a:spcPts val="0"/>
+              </a:spcAft>
+              <a:buClr>
+                <a:srgbClr val="000000"/>
+              </a:buClr>
+              <a:buSzPts val="1400"/>
+              <a:buFont typeface="Arial"/>
+              <a:buNone/>
+              <a:defRPr sz="1800" b="0" i="0" u="none" strike="noStrike" cap="none">
+                <a:solidFill>
+                  <a:srgbClr val="000000"/>
+                </a:solidFill>
+                <a:latin typeface="Arial"/>
+                <a:ea typeface="Arial"/>
+                <a:cs typeface="Arial"/>
+                <a:sym typeface="Arial"/>
+              </a:defRPr>
+            </a:lvl2pPr>
+            <a:lvl3pPr marR="0" lvl="2" algn="l" rtl="0">
+              <a:lnSpc>
+                <a:spcPct val="100000"/>
+              </a:lnSpc>
+              <a:spcBef>
+                <a:spcPts val="0"/>
+              </a:spcBef>
+              <a:spcAft>
+                <a:spcPts val="0"/>
+              </a:spcAft>
+              <a:buClr>
+                <a:srgbClr val="000000"/>
+              </a:buClr>
+              <a:buSzPts val="1400"/>
+              <a:buFont typeface="Arial"/>
+              <a:buNone/>
+              <a:defRPr sz="1800" b="0" i="0" u="none" strike="noStrike" cap="none">
+                <a:solidFill>
+                  <a:srgbClr val="000000"/>
+                </a:solidFill>
+                <a:latin typeface="Arial"/>
+                <a:ea typeface="Arial"/>
+                <a:cs typeface="Arial"/>
+                <a:sym typeface="Arial"/>
+              </a:defRPr>
+            </a:lvl3pPr>
+            <a:lvl4pPr marR="0" lvl="3" algn="l" rtl="0">
+              <a:lnSpc>
+                <a:spcPct val="100000"/>
+              </a:lnSpc>
+              <a:spcBef>
+                <a:spcPts val="0"/>
+              </a:spcBef>
+              <a:spcAft>
+                <a:spcPts val="0"/>
+              </a:spcAft>
+              <a:buClr>
+                <a:srgbClr val="000000"/>
+              </a:buClr>
+              <a:buSzPts val="1400"/>
+              <a:buFont typeface="Arial"/>
+              <a:buNone/>
+              <a:defRPr sz="1800" b="0" i="0" u="none" strike="noStrike" cap="none">
+                <a:solidFill>
+                  <a:srgbClr val="000000"/>
+                </a:solidFill>
+                <a:latin typeface="Arial"/>
+                <a:ea typeface="Arial"/>
+                <a:cs typeface="Arial"/>
+                <a:sym typeface="Arial"/>
+              </a:defRPr>
+            </a:lvl4pPr>
+            <a:lvl5pPr marR="0" lvl="4" algn="l" rtl="0">
+              <a:lnSpc>
+                <a:spcPct val="100000"/>
+              </a:lnSpc>
+              <a:spcBef>
+                <a:spcPts val="0"/>
+              </a:spcBef>
+              <a:spcAft>
+                <a:spcPts val="0"/>
+              </a:spcAft>
+              <a:buClr>
+                <a:srgbClr val="000000"/>
+              </a:buClr>
+              <a:buSzPts val="1400"/>
+              <a:buFont typeface="Arial"/>
+              <a:buNone/>
+              <a:defRPr sz="1800" b="0" i="0" u="none" strike="noStrike" cap="none">
+                <a:solidFill>
+                  <a:srgbClr val="000000"/>
+                </a:solidFill>
+                <a:latin typeface="Arial"/>
+                <a:ea typeface="Arial"/>
+                <a:cs typeface="Arial"/>
+                <a:sym typeface="Arial"/>
+              </a:defRPr>
+            </a:lvl5pPr>
+            <a:lvl6pPr marR="0" lvl="5" algn="l" rtl="0">
+              <a:lnSpc>
+                <a:spcPct val="100000"/>
+              </a:lnSpc>
+              <a:spcBef>
+                <a:spcPts val="0"/>
+              </a:spcBef>
+              <a:spcAft>
+                <a:spcPts val="0"/>
+              </a:spcAft>
+              <a:buClr>
+                <a:srgbClr val="000000"/>
+              </a:buClr>
+              <a:buSzPts val="1400"/>
+              <a:buFont typeface="Arial"/>
+              <a:buNone/>
+              <a:defRPr sz="1800" b="0" i="0" u="none" strike="noStrike" cap="none">
+                <a:solidFill>
+                  <a:srgbClr val="000000"/>
+                </a:solidFill>
+                <a:latin typeface="Arial"/>
+                <a:ea typeface="Arial"/>
+                <a:cs typeface="Arial"/>
+                <a:sym typeface="Arial"/>
+              </a:defRPr>
+            </a:lvl6pPr>
+            <a:lvl7pPr marR="0" lvl="6" algn="l" rtl="0">
+              <a:lnSpc>
+                <a:spcPct val="100000"/>
+              </a:lnSpc>
+              <a:spcBef>
+                <a:spcPts val="0"/>
+              </a:spcBef>
+              <a:spcAft>
+                <a:spcPts val="0"/>
+              </a:spcAft>
+              <a:buClr>
+                <a:srgbClr val="000000"/>
+              </a:buClr>
+              <a:buSzPts val="1400"/>
+              <a:buFont typeface="Arial"/>
+              <a:buNone/>
+              <a:defRPr sz="1800" b="0" i="0" u="none" strike="noStrike" cap="none">
+                <a:solidFill>
+                  <a:srgbClr val="000000"/>
+                </a:solidFill>
+                <a:latin typeface="Arial"/>
+                <a:ea typeface="Arial"/>
+                <a:cs typeface="Arial"/>
+                <a:sym typeface="Arial"/>
+              </a:defRPr>
+            </a:lvl7pPr>
+            <a:lvl8pPr marR="0" lvl="7" algn="l" rtl="0">
+              <a:lnSpc>
+                <a:spcPct val="100000"/>
+              </a:lnSpc>
+              <a:spcBef>
+                <a:spcPts val="0"/>
+              </a:spcBef>
+              <a:spcAft>
+                <a:spcPts val="0"/>
+              </a:spcAft>
+              <a:buClr>
+                <a:srgbClr val="000000"/>
+              </a:buClr>
+              <a:buSzPts val="1400"/>
+              <a:buFont typeface="Arial"/>
+              <a:buNone/>
+              <a:defRPr sz="1800" b="0" i="0" u="none" strike="noStrike" cap="none">
+                <a:solidFill>
+                  <a:srgbClr val="000000"/>
+                </a:solidFill>
+                <a:latin typeface="Arial"/>
+                <a:ea typeface="Arial"/>
+                <a:cs typeface="Arial"/>
+                <a:sym typeface="Arial"/>
+              </a:defRPr>
+            </a:lvl8pPr>
+            <a:lvl9pPr marR="0" lvl="8" algn="l" rtl="0">
+              <a:lnSpc>
+                <a:spcPct val="100000"/>
+              </a:lnSpc>
+              <a:spcBef>
+                <a:spcPts val="0"/>
+              </a:spcBef>
+              <a:spcAft>
+                <a:spcPts val="0"/>
+              </a:spcAft>
+              <a:buClr>
+                <a:srgbClr val="000000"/>
+              </a:buClr>
+              <a:buSzPts val="1400"/>
+              <a:buFont typeface="Arial"/>
+              <a:buNone/>
+              <a:defRPr sz="1800" b="0" i="0" u="none" strike="noStrike" cap="none">
+                <a:solidFill>
+                  <a:srgbClr val="000000"/>
+                </a:solidFill>
+                <a:latin typeface="Arial"/>
+                <a:ea typeface="Arial"/>
+                <a:cs typeface="Arial"/>
+                <a:sym typeface="Arial"/>
+              </a:defRPr>
+            </a:lvl9pPr>
+          </a:lstStyle>
+          <a:p>
+            <a:pPr algn="l"/>
+            <a:r>
+              <a:rPr lang="en-BR" sz="4000" b="1" dirty="0">
+                <a:solidFill>
+                  <a:schemeClr val="accent5"/>
+                </a:solidFill>
+                <a:latin typeface="+mn-lt"/>
+              </a:rPr>
+              <a:t>HOG</a:t>
+            </a:r>
+          </a:p>
+        </p:txBody>
+      </p:sp>
+      <p:sp>
+        <p:nvSpPr>
+          <p:cNvPr id="23" name="Text Placeholder 2">
+            <a:extLst>
+              <a:ext uri="{FF2B5EF4-FFF2-40B4-BE49-F238E27FC236}">
+                <a16:creationId xmlns:a16="http://schemas.microsoft.com/office/drawing/2014/main" id="{15944BB7-4AC6-154C-8E4A-39224012F3E1}"/>
+              </a:ext>
+            </a:extLst>
+          </p:cNvPr>
+          <p:cNvSpPr txBox="1">
+            <a:spLocks/>
+          </p:cNvSpPr>
+          <p:nvPr/>
+        </p:nvSpPr>
+        <p:spPr>
+          <a:xfrm>
+            <a:off x="720000" y="1620000"/>
+            <a:ext cx="10800000" cy="3960000"/>
+          </a:xfrm>
+          <a:prstGeom prst="rect">
+            <a:avLst/>
+          </a:prstGeom>
+          <a:noFill/>
+          <a:ln>
+            <a:noFill/>
+          </a:ln>
+        </p:spPr>
+        <p:txBody>
+          <a:bodyPr spcFirstLastPara="1" wrap="square" lIns="91425" tIns="45700" rIns="91425" bIns="45700" anchor="t" anchorCtr="0">
+            <a:normAutofit/>
+          </a:bodyPr>
+          <a:lstStyle>
+            <a:defPPr marR="0" lvl="0" algn="l" rtl="0">
+              <a:lnSpc>
+                <a:spcPct val="100000"/>
+              </a:lnSpc>
+              <a:spcBef>
+                <a:spcPts val="0"/>
+              </a:spcBef>
+              <a:spcAft>
+                <a:spcPts val="0"/>
+              </a:spcAft>
+            </a:defPPr>
+            <a:lvl1pPr marL="457200" marR="0" lvl="0" indent="-406400" algn="ctr" rtl="0">
+              <a:lnSpc>
+                <a:spcPct val="90000"/>
+              </a:lnSpc>
+              <a:spcBef>
+                <a:spcPts val="1000"/>
+              </a:spcBef>
+              <a:spcAft>
+                <a:spcPts val="0"/>
+              </a:spcAft>
+              <a:buClr>
+                <a:schemeClr val="dk1"/>
+              </a:buClr>
+              <a:buSzPts val="2400"/>
+              <a:buFont typeface="Arial"/>
+              <a:buNone/>
+              <a:defRPr sz="2400" b="0" i="0" u="none" strike="noStrike" cap="none">
+                <a:solidFill>
+                  <a:schemeClr val="dk1"/>
+                </a:solidFill>
+                <a:latin typeface="Calibri"/>
+                <a:ea typeface="Calibri"/>
+                <a:cs typeface="Calibri"/>
+                <a:sym typeface="Calibri"/>
+              </a:defRPr>
+            </a:lvl1pPr>
+            <a:lvl2pPr marL="914400" marR="0" lvl="1" indent="-381000" algn="ctr" rtl="0">
+              <a:lnSpc>
+                <a:spcPct val="90000"/>
+              </a:lnSpc>
+              <a:spcBef>
+                <a:spcPts val="500"/>
+              </a:spcBef>
+              <a:spcAft>
+                <a:spcPts val="0"/>
+              </a:spcAft>
+              <a:buClr>
+                <a:schemeClr val="dk1"/>
+              </a:buClr>
+              <a:buSzPts val="2000"/>
+              <a:buFont typeface="Arial"/>
+              <a:buNone/>
+              <a:defRPr sz="2000" b="0" i="0" u="none" strike="noStrike" cap="none">
+                <a:solidFill>
+                  <a:schemeClr val="dk1"/>
+                </a:solidFill>
+                <a:latin typeface="Calibri"/>
+                <a:ea typeface="Calibri"/>
+                <a:cs typeface="Calibri"/>
+                <a:sym typeface="Calibri"/>
+              </a:defRPr>
+            </a:lvl2pPr>
+            <a:lvl3pPr marL="1371600" marR="0" lvl="2" indent="-355600" algn="ctr" rtl="0">
+              <a:lnSpc>
+                <a:spcPct val="90000"/>
+              </a:lnSpc>
+              <a:spcBef>
+                <a:spcPts val="500"/>
+              </a:spcBef>
+              <a:spcAft>
+                <a:spcPts val="0"/>
+              </a:spcAft>
+              <a:buClr>
+                <a:schemeClr val="dk1"/>
+              </a:buClr>
+              <a:buSzPts val="1800"/>
+              <a:buFont typeface="Arial"/>
+              <a:buNone/>
+              <a:defRPr sz="1800" b="0" i="0" u="none" strike="noStrike" cap="none">
+                <a:solidFill>
+                  <a:schemeClr val="dk1"/>
+                </a:solidFill>
+                <a:latin typeface="Calibri"/>
+                <a:ea typeface="Calibri"/>
+                <a:cs typeface="Calibri"/>
+                <a:sym typeface="Calibri"/>
+              </a:defRPr>
+            </a:lvl3pPr>
+            <a:lvl4pPr marL="1828800" marR="0" lvl="3" indent="-342900" algn="ctr" rtl="0">
+              <a:lnSpc>
+                <a:spcPct val="90000"/>
+              </a:lnSpc>
+              <a:spcBef>
+                <a:spcPts val="500"/>
+              </a:spcBef>
+              <a:spcAft>
+                <a:spcPts val="0"/>
+              </a:spcAft>
+              <a:buClr>
+                <a:schemeClr val="dk1"/>
+              </a:buClr>
+              <a:buSzPts val="1600"/>
+              <a:buFont typeface="Arial"/>
+              <a:buNone/>
+              <a:defRPr sz="1600" b="0" i="0" u="none" strike="noStrike" cap="none">
+                <a:solidFill>
+                  <a:schemeClr val="dk1"/>
+                </a:solidFill>
+                <a:latin typeface="Calibri"/>
+                <a:ea typeface="Calibri"/>
+                <a:cs typeface="Calibri"/>
+                <a:sym typeface="Calibri"/>
+              </a:defRPr>
+            </a:lvl4pPr>
+            <a:lvl5pPr marL="2286000" marR="0" lvl="4" indent="-342900" algn="ctr" rtl="0">
+              <a:lnSpc>
+                <a:spcPct val="90000"/>
+              </a:lnSpc>
+              <a:spcBef>
+                <a:spcPts val="500"/>
+              </a:spcBef>
+              <a:spcAft>
+                <a:spcPts val="0"/>
+              </a:spcAft>
+              <a:buClr>
+                <a:schemeClr val="dk1"/>
+              </a:buClr>
+              <a:buSzPts val="1600"/>
+              <a:buFont typeface="Arial"/>
+              <a:buNone/>
+              <a:defRPr sz="1600" b="0" i="0" u="none" strike="noStrike" cap="none">
+                <a:solidFill>
+                  <a:schemeClr val="dk1"/>
+                </a:solidFill>
+                <a:latin typeface="Calibri"/>
+                <a:ea typeface="Calibri"/>
+                <a:cs typeface="Calibri"/>
+                <a:sym typeface="Calibri"/>
+              </a:defRPr>
+            </a:lvl5pPr>
+            <a:lvl6pPr marL="2743200" marR="0" lvl="5" indent="-342900" algn="ctr" rtl="0">
+              <a:lnSpc>
+                <a:spcPct val="90000"/>
+              </a:lnSpc>
+              <a:spcBef>
+                <a:spcPts val="500"/>
+              </a:spcBef>
+              <a:spcAft>
+                <a:spcPts val="0"/>
+              </a:spcAft>
+              <a:buClr>
+                <a:schemeClr val="dk1"/>
+              </a:buClr>
+              <a:buSzPts val="1600"/>
+              <a:buFont typeface="Arial"/>
+              <a:buNone/>
+              <a:defRPr sz="1600" b="0" i="0" u="none" strike="noStrike" cap="none">
+                <a:solidFill>
+                  <a:schemeClr val="dk1"/>
+                </a:solidFill>
+                <a:latin typeface="Calibri"/>
+                <a:ea typeface="Calibri"/>
+                <a:cs typeface="Calibri"/>
+                <a:sym typeface="Calibri"/>
+              </a:defRPr>
+            </a:lvl6pPr>
+            <a:lvl7pPr marL="3200400" marR="0" lvl="6" indent="-342900" algn="ctr" rtl="0">
+              <a:lnSpc>
+                <a:spcPct val="90000"/>
+              </a:lnSpc>
+              <a:spcBef>
+                <a:spcPts val="500"/>
+              </a:spcBef>
+              <a:spcAft>
+                <a:spcPts val="0"/>
+              </a:spcAft>
+              <a:buClr>
+                <a:schemeClr val="dk1"/>
+              </a:buClr>
+              <a:buSzPts val="1600"/>
+              <a:buFont typeface="Arial"/>
+              <a:buNone/>
+              <a:defRPr sz="1600" b="0" i="0" u="none" strike="noStrike" cap="none">
+                <a:solidFill>
+                  <a:schemeClr val="dk1"/>
+                </a:solidFill>
+                <a:latin typeface="Calibri"/>
+                <a:ea typeface="Calibri"/>
+                <a:cs typeface="Calibri"/>
+                <a:sym typeface="Calibri"/>
+              </a:defRPr>
+            </a:lvl7pPr>
+            <a:lvl8pPr marL="3657600" marR="0" lvl="7" indent="-342900" algn="ctr" rtl="0">
+              <a:lnSpc>
+                <a:spcPct val="90000"/>
+              </a:lnSpc>
+              <a:spcBef>
+                <a:spcPts val="500"/>
+              </a:spcBef>
+              <a:spcAft>
+                <a:spcPts val="0"/>
+              </a:spcAft>
+              <a:buClr>
+                <a:schemeClr val="dk1"/>
+              </a:buClr>
+              <a:buSzPts val="1600"/>
+              <a:buFont typeface="Arial"/>
+              <a:buNone/>
+              <a:defRPr sz="1600" b="0" i="0" u="none" strike="noStrike" cap="none">
+                <a:solidFill>
+                  <a:schemeClr val="dk1"/>
+                </a:solidFill>
+                <a:latin typeface="Calibri"/>
+                <a:ea typeface="Calibri"/>
+                <a:cs typeface="Calibri"/>
+                <a:sym typeface="Calibri"/>
+              </a:defRPr>
+            </a:lvl8pPr>
+            <a:lvl9pPr marL="4114800" marR="0" lvl="8" indent="-342900" algn="ctr" rtl="0">
+              <a:lnSpc>
+                <a:spcPct val="90000"/>
+              </a:lnSpc>
+              <a:spcBef>
+                <a:spcPts val="500"/>
+              </a:spcBef>
+              <a:spcAft>
+                <a:spcPts val="0"/>
+              </a:spcAft>
+              <a:buClr>
+                <a:schemeClr val="dk1"/>
+              </a:buClr>
+              <a:buSzPts val="1600"/>
+              <a:buFont typeface="Arial"/>
+              <a:buNone/>
+              <a:defRPr sz="1600" b="0" i="0" u="none" strike="noStrike" cap="none">
+                <a:solidFill>
+                  <a:schemeClr val="dk1"/>
+                </a:solidFill>
+                <a:latin typeface="Calibri"/>
+                <a:ea typeface="Calibri"/>
+                <a:cs typeface="Calibri"/>
+                <a:sym typeface="Calibri"/>
+              </a:defRPr>
+            </a:lvl9pPr>
+          </a:lstStyle>
+          <a:p>
+            <a:pPr algn="l"/>
+            <a:r>
+              <a:rPr lang="en-GB" sz="2000" dirty="0">
+                <a:latin typeface="+mn-lt"/>
+              </a:rPr>
+              <a:t>Automatically detect and predict patients with Parkinson disease</a:t>
+            </a:r>
+          </a:p>
+          <a:p>
+            <a:pPr algn="l">
+              <a:buFont typeface="Arial" panose="020B0604020202020204" pitchFamily="34" charset="0"/>
+              <a:buChar char="•"/>
+            </a:pPr>
+            <a:r>
+              <a:rPr lang="en-GB" sz="2000" dirty="0" err="1">
+                <a:latin typeface="+mn-lt"/>
+              </a:rPr>
+              <a:t>Ajuste</a:t>
+            </a:r>
+            <a:r>
+              <a:rPr lang="en-GB" sz="2000" dirty="0">
+                <a:latin typeface="+mn-lt"/>
+              </a:rPr>
+              <a:t> </a:t>
+            </a:r>
+            <a:r>
+              <a:rPr lang="en-GB" sz="2000" dirty="0" err="1">
+                <a:latin typeface="+mn-lt"/>
+              </a:rPr>
+              <a:t>tamanho</a:t>
+            </a:r>
+            <a:endParaRPr lang="en-GB" sz="2000" dirty="0">
+              <a:latin typeface="+mn-lt"/>
+            </a:endParaRPr>
+          </a:p>
+          <a:p>
+            <a:pPr algn="l">
+              <a:buFont typeface="Arial" panose="020B0604020202020204" pitchFamily="34" charset="0"/>
+              <a:buChar char="•"/>
+            </a:pPr>
+            <a:r>
+              <a:rPr lang="en-GB" sz="2000" dirty="0" err="1">
+                <a:latin typeface="+mn-lt"/>
+              </a:rPr>
+              <a:t>Trata</a:t>
+            </a:r>
+            <a:r>
+              <a:rPr lang="en-GB" sz="2000" dirty="0">
+                <a:latin typeface="+mn-lt"/>
+              </a:rPr>
+              <a:t> </a:t>
+            </a:r>
+            <a:r>
+              <a:rPr lang="en-GB" sz="2000" dirty="0" err="1">
+                <a:latin typeface="+mn-lt"/>
+              </a:rPr>
+              <a:t>nao</a:t>
+            </a:r>
+            <a:r>
+              <a:rPr lang="en-GB" sz="2000" dirty="0">
+                <a:latin typeface="+mn-lt"/>
+              </a:rPr>
+              <a:t> sei o </a:t>
+            </a:r>
+            <a:r>
+              <a:rPr lang="en-GB" sz="2000" dirty="0" err="1">
+                <a:latin typeface="+mn-lt"/>
+              </a:rPr>
+              <a:t>quer</a:t>
+            </a:r>
+            <a:endParaRPr lang="en-GB" sz="2000" dirty="0">
+              <a:latin typeface="+mn-lt"/>
+            </a:endParaRPr>
+          </a:p>
+          <a:p>
+            <a:pPr algn="l">
+              <a:buFont typeface="Arial" panose="020B0604020202020204" pitchFamily="34" charset="0"/>
+              <a:buChar char="•"/>
+            </a:pPr>
+            <a:r>
+              <a:rPr lang="en-GB" sz="2000" dirty="0">
+                <a:latin typeface="+mn-lt"/>
+              </a:rPr>
+              <a:t>Remove </a:t>
+            </a:r>
+            <a:r>
+              <a:rPr lang="en-GB" sz="2000" dirty="0" err="1">
+                <a:latin typeface="+mn-lt"/>
+              </a:rPr>
+              <a:t>baCKGROUND</a:t>
+            </a:r>
+            <a:endParaRPr lang="en-GB" sz="2000" dirty="0">
+              <a:latin typeface="+mn-lt"/>
+            </a:endParaRPr>
+          </a:p>
+        </p:txBody>
+      </p:sp>
+    </p:spTree>
+    <p:extLst>
+      <p:ext uri="{BB962C8B-B14F-4D97-AF65-F5344CB8AC3E}">
+        <p14:creationId xmlns:p14="http://schemas.microsoft.com/office/powerpoint/2010/main" val="1131149865"/>
+      </p:ext>
+    </p:extLst>
+  </p:cSld>
+  <p:clrMapOvr>
+    <a:masterClrMapping/>
+  </p:clrMapOvr>
+</p:sld>
+</file>
+
+<file path=ppt/slides/slide7.xml><?xml version="1.0" encoding="utf-8"?>
+<p:sld xmlns:a="http://schemas.openxmlformats.org/drawingml/2006/main" xmlns:r="http://schemas.openxmlformats.org/officeDocument/2006/relationships" xmlns:p="http://schemas.openxmlformats.org/presentationml/2006/main">
+  <p:cSld>
+    <p:spTree>
+      <p:nvGrpSpPr>
+        <p:cNvPr id="1" name="Shape 89"/>
+        <p:cNvGrpSpPr/>
+        <p:nvPr/>
+      </p:nvGrpSpPr>
+      <p:grpSpPr>
+        <a:xfrm>
+          <a:off x="0" y="0"/>
+          <a:ext cx="0" cy="0"/>
+          <a:chOff x="0" y="0"/>
+          <a:chExt cx="0" cy="0"/>
+        </a:xfrm>
+      </p:grpSpPr>
+      <p:pic>
+        <p:nvPicPr>
+          <p:cNvPr id="90" name="Google Shape;90;p4"/>
+          <p:cNvPicPr preferRelativeResize="0"/>
+          <p:nvPr/>
+        </p:nvPicPr>
+        <p:blipFill rotWithShape="1">
+          <a:blip r:embed="rId3">
+            <a:alphaModFix/>
+          </a:blip>
+          <a:srcRect/>
+          <a:stretch/>
+        </p:blipFill>
+        <p:spPr>
+          <a:xfrm>
+            <a:off x="0" y="0"/>
+            <a:ext cx="12192000" cy="6858000"/>
+          </a:xfrm>
+          <a:prstGeom prst="rect">
+            <a:avLst/>
+          </a:prstGeom>
+          <a:noFill/>
+          <a:ln>
+            <a:noFill/>
+          </a:ln>
+        </p:spPr>
+      </p:pic>
+      <p:sp>
+        <p:nvSpPr>
+          <p:cNvPr id="21" name="Title 1">
+            <a:extLst>
+              <a:ext uri="{FF2B5EF4-FFF2-40B4-BE49-F238E27FC236}">
+                <a16:creationId xmlns:a16="http://schemas.microsoft.com/office/drawing/2014/main" id="{52ACBCB4-6ACD-2841-B1F7-79E2D8C643D1}"/>
+              </a:ext>
+            </a:extLst>
+          </p:cNvPr>
+          <p:cNvSpPr txBox="1">
+            <a:spLocks noChangeAspect="1"/>
+          </p:cNvSpPr>
+          <p:nvPr/>
+        </p:nvSpPr>
+        <p:spPr>
+          <a:xfrm>
+            <a:off x="696000" y="540000"/>
+            <a:ext cx="10800000" cy="720000"/>
+          </a:xfrm>
+          <a:prstGeom prst="rect">
+            <a:avLst/>
+          </a:prstGeom>
+          <a:noFill/>
+          <a:ln>
+            <a:noFill/>
+          </a:ln>
+        </p:spPr>
+        <p:txBody>
+          <a:bodyPr spcFirstLastPara="1" wrap="square" lIns="91425" tIns="45700" rIns="91425" bIns="45700" anchor="b" anchorCtr="0">
+            <a:normAutofit/>
+          </a:bodyPr>
+          <a:lstStyle>
+            <a:defPPr marR="0" lvl="0" algn="l" rtl="0">
+              <a:lnSpc>
+                <a:spcPct val="100000"/>
+              </a:lnSpc>
+              <a:spcBef>
+                <a:spcPts val="0"/>
+              </a:spcBef>
+              <a:spcAft>
+                <a:spcPts val="0"/>
+              </a:spcAft>
+            </a:defPPr>
+            <a:lvl1pPr marR="0" lvl="0" algn="ctr" rtl="0">
+              <a:lnSpc>
+                <a:spcPct val="90000"/>
+              </a:lnSpc>
+              <a:spcBef>
+                <a:spcPts val="0"/>
+              </a:spcBef>
+              <a:spcAft>
+                <a:spcPts val="0"/>
+              </a:spcAft>
+              <a:buClr>
+                <a:schemeClr val="dk1"/>
+              </a:buClr>
+              <a:buSzPts val="6000"/>
+              <a:buFont typeface="Calibri"/>
+              <a:buNone/>
+              <a:defRPr sz="6000" b="0" i="0" u="none" strike="noStrike" cap="none">
+                <a:solidFill>
+                  <a:schemeClr val="dk1"/>
+                </a:solidFill>
+                <a:latin typeface="Calibri"/>
+                <a:ea typeface="Calibri"/>
+                <a:cs typeface="Calibri"/>
+                <a:sym typeface="Calibri"/>
+              </a:defRPr>
+            </a:lvl1pPr>
+            <a:lvl2pPr marR="0" lvl="1" algn="l" rtl="0">
+              <a:lnSpc>
+                <a:spcPct val="100000"/>
+              </a:lnSpc>
+              <a:spcBef>
+                <a:spcPts val="0"/>
+              </a:spcBef>
+              <a:spcAft>
+                <a:spcPts val="0"/>
+              </a:spcAft>
+              <a:buClr>
+                <a:srgbClr val="000000"/>
+              </a:buClr>
+              <a:buSzPts val="1400"/>
+              <a:buFont typeface="Arial"/>
+              <a:buNone/>
+              <a:defRPr sz="1800" b="0" i="0" u="none" strike="noStrike" cap="none">
+                <a:solidFill>
+                  <a:srgbClr val="000000"/>
+                </a:solidFill>
+                <a:latin typeface="Arial"/>
+                <a:ea typeface="Arial"/>
+                <a:cs typeface="Arial"/>
+                <a:sym typeface="Arial"/>
+              </a:defRPr>
+            </a:lvl2pPr>
+            <a:lvl3pPr marR="0" lvl="2" algn="l" rtl="0">
+              <a:lnSpc>
+                <a:spcPct val="100000"/>
+              </a:lnSpc>
+              <a:spcBef>
+                <a:spcPts val="0"/>
+              </a:spcBef>
+              <a:spcAft>
+                <a:spcPts val="0"/>
+              </a:spcAft>
+              <a:buClr>
+                <a:srgbClr val="000000"/>
+              </a:buClr>
+              <a:buSzPts val="1400"/>
+              <a:buFont typeface="Arial"/>
+              <a:buNone/>
+              <a:defRPr sz="1800" b="0" i="0" u="none" strike="noStrike" cap="none">
+                <a:solidFill>
+                  <a:srgbClr val="000000"/>
+                </a:solidFill>
+                <a:latin typeface="Arial"/>
+                <a:ea typeface="Arial"/>
+                <a:cs typeface="Arial"/>
+                <a:sym typeface="Arial"/>
+              </a:defRPr>
+            </a:lvl3pPr>
+            <a:lvl4pPr marR="0" lvl="3" algn="l" rtl="0">
+              <a:lnSpc>
+                <a:spcPct val="100000"/>
+              </a:lnSpc>
+              <a:spcBef>
+                <a:spcPts val="0"/>
+              </a:spcBef>
+              <a:spcAft>
+                <a:spcPts val="0"/>
+              </a:spcAft>
+              <a:buClr>
+                <a:srgbClr val="000000"/>
+              </a:buClr>
+              <a:buSzPts val="1400"/>
+              <a:buFont typeface="Arial"/>
+              <a:buNone/>
+              <a:defRPr sz="1800" b="0" i="0" u="none" strike="noStrike" cap="none">
+                <a:solidFill>
+                  <a:srgbClr val="000000"/>
+                </a:solidFill>
+                <a:latin typeface="Arial"/>
+                <a:ea typeface="Arial"/>
+                <a:cs typeface="Arial"/>
+                <a:sym typeface="Arial"/>
+              </a:defRPr>
+            </a:lvl4pPr>
+            <a:lvl5pPr marR="0" lvl="4" algn="l" rtl="0">
+              <a:lnSpc>
+                <a:spcPct val="100000"/>
+              </a:lnSpc>
+              <a:spcBef>
+                <a:spcPts val="0"/>
+              </a:spcBef>
+              <a:spcAft>
+                <a:spcPts val="0"/>
+              </a:spcAft>
+              <a:buClr>
+                <a:srgbClr val="000000"/>
+              </a:buClr>
+              <a:buSzPts val="1400"/>
+              <a:buFont typeface="Arial"/>
+              <a:buNone/>
+              <a:defRPr sz="1800" b="0" i="0" u="none" strike="noStrike" cap="none">
+                <a:solidFill>
+                  <a:srgbClr val="000000"/>
+                </a:solidFill>
+                <a:latin typeface="Arial"/>
+                <a:ea typeface="Arial"/>
+                <a:cs typeface="Arial"/>
+                <a:sym typeface="Arial"/>
+              </a:defRPr>
+            </a:lvl5pPr>
+            <a:lvl6pPr marR="0" lvl="5" algn="l" rtl="0">
+              <a:lnSpc>
+                <a:spcPct val="100000"/>
+              </a:lnSpc>
+              <a:spcBef>
+                <a:spcPts val="0"/>
+              </a:spcBef>
+              <a:spcAft>
+                <a:spcPts val="0"/>
+              </a:spcAft>
+              <a:buClr>
+                <a:srgbClr val="000000"/>
+              </a:buClr>
+              <a:buSzPts val="1400"/>
+              <a:buFont typeface="Arial"/>
+              <a:buNone/>
+              <a:defRPr sz="1800" b="0" i="0" u="none" strike="noStrike" cap="none">
+                <a:solidFill>
+                  <a:srgbClr val="000000"/>
+                </a:solidFill>
+                <a:latin typeface="Arial"/>
+                <a:ea typeface="Arial"/>
+                <a:cs typeface="Arial"/>
+                <a:sym typeface="Arial"/>
+              </a:defRPr>
+            </a:lvl6pPr>
+            <a:lvl7pPr marR="0" lvl="6" algn="l" rtl="0">
+              <a:lnSpc>
+                <a:spcPct val="100000"/>
+              </a:lnSpc>
+              <a:spcBef>
+                <a:spcPts val="0"/>
+              </a:spcBef>
+              <a:spcAft>
+                <a:spcPts val="0"/>
+              </a:spcAft>
+              <a:buClr>
+                <a:srgbClr val="000000"/>
+              </a:buClr>
+              <a:buSzPts val="1400"/>
+              <a:buFont typeface="Arial"/>
+              <a:buNone/>
+              <a:defRPr sz="1800" b="0" i="0" u="none" strike="noStrike" cap="none">
+                <a:solidFill>
+                  <a:srgbClr val="000000"/>
+                </a:solidFill>
+                <a:latin typeface="Arial"/>
+                <a:ea typeface="Arial"/>
+                <a:cs typeface="Arial"/>
+                <a:sym typeface="Arial"/>
+              </a:defRPr>
+            </a:lvl7pPr>
+            <a:lvl8pPr marR="0" lvl="7" algn="l" rtl="0">
+              <a:lnSpc>
+                <a:spcPct val="100000"/>
+              </a:lnSpc>
+              <a:spcBef>
+                <a:spcPts val="0"/>
+              </a:spcBef>
+              <a:spcAft>
+                <a:spcPts val="0"/>
+              </a:spcAft>
+              <a:buClr>
+                <a:srgbClr val="000000"/>
+              </a:buClr>
+              <a:buSzPts val="1400"/>
+              <a:buFont typeface="Arial"/>
+              <a:buNone/>
+              <a:defRPr sz="1800" b="0" i="0" u="none" strike="noStrike" cap="none">
+                <a:solidFill>
+                  <a:srgbClr val="000000"/>
+                </a:solidFill>
+                <a:latin typeface="Arial"/>
+                <a:ea typeface="Arial"/>
+                <a:cs typeface="Arial"/>
+                <a:sym typeface="Arial"/>
+              </a:defRPr>
+            </a:lvl8pPr>
+            <a:lvl9pPr marR="0" lvl="8" algn="l" rtl="0">
+              <a:lnSpc>
+                <a:spcPct val="100000"/>
+              </a:lnSpc>
+              <a:spcBef>
+                <a:spcPts val="0"/>
+              </a:spcBef>
+              <a:spcAft>
+                <a:spcPts val="0"/>
+              </a:spcAft>
+              <a:buClr>
+                <a:srgbClr val="000000"/>
+              </a:buClr>
+              <a:buSzPts val="1400"/>
+              <a:buFont typeface="Arial"/>
+              <a:buNone/>
+              <a:defRPr sz="1800" b="0" i="0" u="none" strike="noStrike" cap="none">
+                <a:solidFill>
+                  <a:srgbClr val="000000"/>
+                </a:solidFill>
+                <a:latin typeface="Arial"/>
+                <a:ea typeface="Arial"/>
+                <a:cs typeface="Arial"/>
+                <a:sym typeface="Arial"/>
+              </a:defRPr>
+            </a:lvl9pPr>
+          </a:lstStyle>
+          <a:p>
+            <a:pPr algn="l"/>
+            <a:r>
+              <a:rPr lang="en-BR" sz="4000" b="1" dirty="0">
+                <a:solidFill>
+                  <a:schemeClr val="accent5"/>
+                </a:solidFill>
+                <a:latin typeface="+mn-lt"/>
+              </a:rPr>
+              <a:t>Random Forest</a:t>
+            </a:r>
+          </a:p>
+        </p:txBody>
+      </p:sp>
+      <p:sp>
+        <p:nvSpPr>
+          <p:cNvPr id="23" name="Text Placeholder 2">
+            <a:extLst>
+              <a:ext uri="{FF2B5EF4-FFF2-40B4-BE49-F238E27FC236}">
+                <a16:creationId xmlns:a16="http://schemas.microsoft.com/office/drawing/2014/main" id="{15944BB7-4AC6-154C-8E4A-39224012F3E1}"/>
+              </a:ext>
+            </a:extLst>
+          </p:cNvPr>
+          <p:cNvSpPr txBox="1">
+            <a:spLocks/>
+          </p:cNvSpPr>
+          <p:nvPr/>
+        </p:nvSpPr>
+        <p:spPr>
+          <a:xfrm>
+            <a:off x="720000" y="1620000"/>
+            <a:ext cx="10800000" cy="3960000"/>
+          </a:xfrm>
+          <a:prstGeom prst="rect">
+            <a:avLst/>
+          </a:prstGeom>
+          <a:noFill/>
+          <a:ln>
+            <a:noFill/>
+          </a:ln>
+        </p:spPr>
+        <p:txBody>
+          <a:bodyPr spcFirstLastPara="1" wrap="square" lIns="91425" tIns="45700" rIns="91425" bIns="45700" anchor="t" anchorCtr="0">
+            <a:normAutofit/>
+          </a:bodyPr>
+          <a:lstStyle>
+            <a:defPPr marR="0" lvl="0" algn="l" rtl="0">
+              <a:lnSpc>
+                <a:spcPct val="100000"/>
+              </a:lnSpc>
+              <a:spcBef>
+                <a:spcPts val="0"/>
+              </a:spcBef>
+              <a:spcAft>
+                <a:spcPts val="0"/>
+              </a:spcAft>
+            </a:defPPr>
+            <a:lvl1pPr marL="457200" marR="0" lvl="0" indent="-406400" algn="ctr" rtl="0">
+              <a:lnSpc>
+                <a:spcPct val="90000"/>
+              </a:lnSpc>
+              <a:spcBef>
+                <a:spcPts val="1000"/>
+              </a:spcBef>
+              <a:spcAft>
+                <a:spcPts val="0"/>
+              </a:spcAft>
+              <a:buClr>
+                <a:schemeClr val="dk1"/>
+              </a:buClr>
+              <a:buSzPts val="2400"/>
+              <a:buFont typeface="Arial"/>
+              <a:buNone/>
+              <a:defRPr sz="2400" b="0" i="0" u="none" strike="noStrike" cap="none">
+                <a:solidFill>
+                  <a:schemeClr val="dk1"/>
+                </a:solidFill>
+                <a:latin typeface="Calibri"/>
+                <a:ea typeface="Calibri"/>
+                <a:cs typeface="Calibri"/>
+                <a:sym typeface="Calibri"/>
+              </a:defRPr>
+            </a:lvl1pPr>
+            <a:lvl2pPr marL="914400" marR="0" lvl="1" indent="-381000" algn="ctr" rtl="0">
+              <a:lnSpc>
+                <a:spcPct val="90000"/>
+              </a:lnSpc>
+              <a:spcBef>
+                <a:spcPts val="500"/>
+              </a:spcBef>
+              <a:spcAft>
+                <a:spcPts val="0"/>
+              </a:spcAft>
+              <a:buClr>
+                <a:schemeClr val="dk1"/>
+              </a:buClr>
+              <a:buSzPts val="2000"/>
+              <a:buFont typeface="Arial"/>
+              <a:buNone/>
+              <a:defRPr sz="2000" b="0" i="0" u="none" strike="noStrike" cap="none">
+                <a:solidFill>
+                  <a:schemeClr val="dk1"/>
+                </a:solidFill>
+                <a:latin typeface="Calibri"/>
+                <a:ea typeface="Calibri"/>
+                <a:cs typeface="Calibri"/>
+                <a:sym typeface="Calibri"/>
+              </a:defRPr>
+            </a:lvl2pPr>
+            <a:lvl3pPr marL="1371600" marR="0" lvl="2" indent="-355600" algn="ctr" rtl="0">
+              <a:lnSpc>
+                <a:spcPct val="90000"/>
+              </a:lnSpc>
+              <a:spcBef>
+                <a:spcPts val="500"/>
+              </a:spcBef>
+              <a:spcAft>
+                <a:spcPts val="0"/>
+              </a:spcAft>
+              <a:buClr>
+                <a:schemeClr val="dk1"/>
+              </a:buClr>
+              <a:buSzPts val="1800"/>
+              <a:buFont typeface="Arial"/>
+              <a:buNone/>
+              <a:defRPr sz="1800" b="0" i="0" u="none" strike="noStrike" cap="none">
+                <a:solidFill>
+                  <a:schemeClr val="dk1"/>
+                </a:solidFill>
+                <a:latin typeface="Calibri"/>
+                <a:ea typeface="Calibri"/>
+                <a:cs typeface="Calibri"/>
+                <a:sym typeface="Calibri"/>
+              </a:defRPr>
+            </a:lvl3pPr>
+            <a:lvl4pPr marL="1828800" marR="0" lvl="3" indent="-342900" algn="ctr" rtl="0">
+              <a:lnSpc>
+                <a:spcPct val="90000"/>
+              </a:lnSpc>
+              <a:spcBef>
+                <a:spcPts val="500"/>
+              </a:spcBef>
+              <a:spcAft>
+                <a:spcPts val="0"/>
+              </a:spcAft>
+              <a:buClr>
+                <a:schemeClr val="dk1"/>
+              </a:buClr>
+              <a:buSzPts val="1600"/>
+              <a:buFont typeface="Arial"/>
+              <a:buNone/>
+              <a:defRPr sz="1600" b="0" i="0" u="none" strike="noStrike" cap="none">
+                <a:solidFill>
+                  <a:schemeClr val="dk1"/>
+                </a:solidFill>
+                <a:latin typeface="Calibri"/>
+                <a:ea typeface="Calibri"/>
+                <a:cs typeface="Calibri"/>
+                <a:sym typeface="Calibri"/>
+              </a:defRPr>
+            </a:lvl4pPr>
+            <a:lvl5pPr marL="2286000" marR="0" lvl="4" indent="-342900" algn="ctr" rtl="0">
+              <a:lnSpc>
+                <a:spcPct val="90000"/>
+              </a:lnSpc>
+              <a:spcBef>
+                <a:spcPts val="500"/>
+              </a:spcBef>
+              <a:spcAft>
+                <a:spcPts val="0"/>
+              </a:spcAft>
+              <a:buClr>
+                <a:schemeClr val="dk1"/>
+              </a:buClr>
+              <a:buSzPts val="1600"/>
+              <a:buFont typeface="Arial"/>
+              <a:buNone/>
+              <a:defRPr sz="1600" b="0" i="0" u="none" strike="noStrike" cap="none">
+                <a:solidFill>
+                  <a:schemeClr val="dk1"/>
+                </a:solidFill>
+                <a:latin typeface="Calibri"/>
+                <a:ea typeface="Calibri"/>
+                <a:cs typeface="Calibri"/>
+                <a:sym typeface="Calibri"/>
+              </a:defRPr>
+            </a:lvl5pPr>
+            <a:lvl6pPr marL="2743200" marR="0" lvl="5" indent="-342900" algn="ctr" rtl="0">
+              <a:lnSpc>
+                <a:spcPct val="90000"/>
+              </a:lnSpc>
+              <a:spcBef>
+                <a:spcPts val="500"/>
+              </a:spcBef>
+              <a:spcAft>
+                <a:spcPts val="0"/>
+              </a:spcAft>
+              <a:buClr>
+                <a:schemeClr val="dk1"/>
+              </a:buClr>
+              <a:buSzPts val="1600"/>
+              <a:buFont typeface="Arial"/>
+              <a:buNone/>
+              <a:defRPr sz="1600" b="0" i="0" u="none" strike="noStrike" cap="none">
+                <a:solidFill>
+                  <a:schemeClr val="dk1"/>
+                </a:solidFill>
+                <a:latin typeface="Calibri"/>
+                <a:ea typeface="Calibri"/>
+                <a:cs typeface="Calibri"/>
+                <a:sym typeface="Calibri"/>
+              </a:defRPr>
+            </a:lvl6pPr>
+            <a:lvl7pPr marL="3200400" marR="0" lvl="6" indent="-342900" algn="ctr" rtl="0">
+              <a:lnSpc>
+                <a:spcPct val="90000"/>
+              </a:lnSpc>
+              <a:spcBef>
+                <a:spcPts val="500"/>
+              </a:spcBef>
+              <a:spcAft>
+                <a:spcPts val="0"/>
+              </a:spcAft>
+              <a:buClr>
+                <a:schemeClr val="dk1"/>
+              </a:buClr>
+              <a:buSzPts val="1600"/>
+              <a:buFont typeface="Arial"/>
+              <a:buNone/>
+              <a:defRPr sz="1600" b="0" i="0" u="none" strike="noStrike" cap="none">
+                <a:solidFill>
+                  <a:schemeClr val="dk1"/>
+                </a:solidFill>
+                <a:latin typeface="Calibri"/>
+                <a:ea typeface="Calibri"/>
+                <a:cs typeface="Calibri"/>
+                <a:sym typeface="Calibri"/>
+              </a:defRPr>
+            </a:lvl7pPr>
+            <a:lvl8pPr marL="3657600" marR="0" lvl="7" indent="-342900" algn="ctr" rtl="0">
+              <a:lnSpc>
+                <a:spcPct val="90000"/>
+              </a:lnSpc>
+              <a:spcBef>
+                <a:spcPts val="500"/>
+              </a:spcBef>
+              <a:spcAft>
+                <a:spcPts val="0"/>
+              </a:spcAft>
+              <a:buClr>
+                <a:schemeClr val="dk1"/>
+              </a:buClr>
+              <a:buSzPts val="1600"/>
+              <a:buFont typeface="Arial"/>
+              <a:buNone/>
+              <a:defRPr sz="1600" b="0" i="0" u="none" strike="noStrike" cap="none">
+                <a:solidFill>
+                  <a:schemeClr val="dk1"/>
+                </a:solidFill>
+                <a:latin typeface="Calibri"/>
+                <a:ea typeface="Calibri"/>
+                <a:cs typeface="Calibri"/>
+                <a:sym typeface="Calibri"/>
+              </a:defRPr>
+            </a:lvl8pPr>
+            <a:lvl9pPr marL="4114800" marR="0" lvl="8" indent="-342900" algn="ctr" rtl="0">
+              <a:lnSpc>
+                <a:spcPct val="90000"/>
+              </a:lnSpc>
+              <a:spcBef>
+                <a:spcPts val="500"/>
+              </a:spcBef>
+              <a:spcAft>
+                <a:spcPts val="0"/>
+              </a:spcAft>
+              <a:buClr>
+                <a:schemeClr val="dk1"/>
+              </a:buClr>
+              <a:buSzPts val="1600"/>
+              <a:buFont typeface="Arial"/>
+              <a:buNone/>
+              <a:defRPr sz="1600" b="0" i="0" u="none" strike="noStrike" cap="none">
+                <a:solidFill>
+                  <a:schemeClr val="dk1"/>
+                </a:solidFill>
+                <a:latin typeface="Calibri"/>
+                <a:ea typeface="Calibri"/>
+                <a:cs typeface="Calibri"/>
+                <a:sym typeface="Calibri"/>
+              </a:defRPr>
+            </a:lvl9pPr>
+          </a:lstStyle>
+          <a:p>
+            <a:pPr algn="l"/>
+            <a:r>
+              <a:rPr lang="en-GB" sz="2000" dirty="0">
+                <a:latin typeface="+mn-lt"/>
+              </a:rPr>
+              <a:t>Automatically detect and predict patients with Parkinson disease</a:t>
+            </a:r>
+          </a:p>
+          <a:p>
+            <a:pPr algn="l">
+              <a:buFont typeface="Arial" panose="020B0604020202020204" pitchFamily="34" charset="0"/>
+              <a:buChar char="•"/>
+            </a:pPr>
+            <a:r>
+              <a:rPr lang="en-GB" sz="2000" dirty="0" err="1">
+                <a:latin typeface="+mn-lt"/>
+              </a:rPr>
+              <a:t>Métricas</a:t>
+            </a:r>
+            <a:endParaRPr lang="en-GB" sz="2000" dirty="0">
+              <a:latin typeface="+mn-lt"/>
+            </a:endParaRPr>
+          </a:p>
+          <a:p>
+            <a:pPr lvl="1" algn="l">
+              <a:buFont typeface="Arial" panose="020B0604020202020204" pitchFamily="34" charset="0"/>
+              <a:buChar char="•"/>
+            </a:pPr>
+            <a:r>
+              <a:rPr lang="en-GB" sz="1600" dirty="0">
+                <a:latin typeface="+mn-lt"/>
+              </a:rPr>
+              <a:t>Accuracy</a:t>
+            </a:r>
+          </a:p>
+          <a:p>
+            <a:pPr lvl="1" algn="l">
+              <a:buFont typeface="Arial" panose="020B0604020202020204" pitchFamily="34" charset="0"/>
+              <a:buChar char="•"/>
+            </a:pPr>
+            <a:r>
+              <a:rPr lang="en-GB" sz="1600" dirty="0" err="1">
+                <a:latin typeface="+mn-lt"/>
+              </a:rPr>
+              <a:t>Especificidade</a:t>
+            </a:r>
+            <a:endParaRPr lang="en-GB" sz="1600" dirty="0">
+              <a:latin typeface="+mn-lt"/>
+            </a:endParaRPr>
+          </a:p>
+          <a:p>
+            <a:pPr lvl="1" algn="l">
+              <a:buFont typeface="Arial" panose="020B0604020202020204" pitchFamily="34" charset="0"/>
+              <a:buChar char="•"/>
+            </a:pPr>
+            <a:r>
+              <a:rPr lang="en-GB" sz="1600" dirty="0" err="1">
+                <a:latin typeface="+mn-lt"/>
+              </a:rPr>
+              <a:t>sensibilidade</a:t>
+            </a:r>
+            <a:endParaRPr lang="en-GB" sz="1600" dirty="0">
+              <a:latin typeface="+mn-lt"/>
+            </a:endParaRPr>
+          </a:p>
+          <a:p>
+            <a:pPr algn="l">
+              <a:buFont typeface="Arial" panose="020B0604020202020204" pitchFamily="34" charset="0"/>
+              <a:buChar char="•"/>
+            </a:pPr>
+            <a:r>
+              <a:rPr lang="en-GB" sz="2000" dirty="0">
+                <a:latin typeface="+mn-lt"/>
+              </a:rPr>
+              <a:t>Random Forest</a:t>
+            </a:r>
+          </a:p>
+        </p:txBody>
+      </p:sp>
+    </p:spTree>
+    <p:extLst>
+      <p:ext uri="{BB962C8B-B14F-4D97-AF65-F5344CB8AC3E}">
+        <p14:creationId xmlns:p14="http://schemas.microsoft.com/office/powerpoint/2010/main" val="1811857185"/>
+      </p:ext>
+    </p:extLst>
+  </p:cSld>
+  <p:clrMapOvr>
+    <a:masterClrMapping/>
+  </p:clrMapOvr>
+</p:sld>
+</file>
+
+<file path=ppt/slides/slide8.xml><?xml version="1.0" encoding="utf-8"?>
 <p:sld xmlns:a="http://schemas.openxmlformats.org/drawingml/2006/main" xmlns:r="http://schemas.openxmlformats.org/officeDocument/2006/relationships" xmlns:p="http://schemas.openxmlformats.org/presentationml/2006/main">
   <p:cSld>
     <p:spTree>
@@ -11481,7 +16284,7 @@
 </p:sld>
 </file>
 
-<file path=ppt/slides/slide4.xml><?xml version="1.0" encoding="utf-8"?>
+<file path=ppt/slides/slide9.xml><?xml version="1.0" encoding="utf-8"?>
 <p:sld xmlns:a="http://schemas.openxmlformats.org/drawingml/2006/main" xmlns:r="http://schemas.openxmlformats.org/officeDocument/2006/relationships" xmlns:p="http://schemas.openxmlformats.org/presentationml/2006/main">
   <p:cSld>
     <p:spTree>
@@ -12056,734 +16859,6 @@
     <p:extLst>
       <p:ext uri="{BB962C8B-B14F-4D97-AF65-F5344CB8AC3E}">
         <p14:creationId xmlns:p14="http://schemas.microsoft.com/office/powerpoint/2010/main" val="3087774356"/>
-      </p:ext>
-    </p:extLst>
-  </p:cSld>
-  <p:clrMapOvr>
-    <a:masterClrMapping/>
-  </p:clrMapOvr>
-</p:sld>
-</file>
-
-<file path=ppt/slides/slide5.xml><?xml version="1.0" encoding="utf-8"?>
-<p:sld xmlns:a="http://schemas.openxmlformats.org/drawingml/2006/main" xmlns:r="http://schemas.openxmlformats.org/officeDocument/2006/relationships" xmlns:p="http://schemas.openxmlformats.org/presentationml/2006/main">
-  <p:cSld>
-    <p:spTree>
-      <p:nvGrpSpPr>
-        <p:cNvPr id="1" name="Shape 89"/>
-        <p:cNvGrpSpPr/>
-        <p:nvPr/>
-      </p:nvGrpSpPr>
-      <p:grpSpPr>
-        <a:xfrm>
-          <a:off x="0" y="0"/>
-          <a:ext cx="0" cy="0"/>
-          <a:chOff x="0" y="0"/>
-          <a:chExt cx="0" cy="0"/>
-        </a:xfrm>
-      </p:grpSpPr>
-      <p:pic>
-        <p:nvPicPr>
-          <p:cNvPr id="90" name="Google Shape;90;p4"/>
-          <p:cNvPicPr preferRelativeResize="0"/>
-          <p:nvPr/>
-        </p:nvPicPr>
-        <p:blipFill rotWithShape="1">
-          <a:blip r:embed="rId3">
-            <a:alphaModFix/>
-          </a:blip>
-          <a:srcRect/>
-          <a:stretch/>
-        </p:blipFill>
-        <p:spPr>
-          <a:xfrm>
-            <a:off x="0" y="0"/>
-            <a:ext cx="12192000" cy="6858001"/>
-          </a:xfrm>
-          <a:prstGeom prst="rect">
-            <a:avLst/>
-          </a:prstGeom>
-          <a:noFill/>
-          <a:ln>
-            <a:noFill/>
-          </a:ln>
-        </p:spPr>
-      </p:pic>
-      <p:sp>
-        <p:nvSpPr>
-          <p:cNvPr id="21" name="Title 1">
-            <a:extLst>
-              <a:ext uri="{FF2B5EF4-FFF2-40B4-BE49-F238E27FC236}">
-                <a16:creationId xmlns:a16="http://schemas.microsoft.com/office/drawing/2014/main" id="{52ACBCB4-6ACD-2841-B1F7-79E2D8C643D1}"/>
-              </a:ext>
-            </a:extLst>
-          </p:cNvPr>
-          <p:cNvSpPr txBox="1">
-            <a:spLocks noChangeAspect="1"/>
-          </p:cNvSpPr>
-          <p:nvPr/>
-        </p:nvSpPr>
-        <p:spPr>
-          <a:xfrm>
-            <a:off x="696000" y="540000"/>
-            <a:ext cx="10800000" cy="720000"/>
-          </a:xfrm>
-          <a:prstGeom prst="rect">
-            <a:avLst/>
-          </a:prstGeom>
-          <a:noFill/>
-          <a:ln>
-            <a:noFill/>
-          </a:ln>
-        </p:spPr>
-        <p:txBody>
-          <a:bodyPr spcFirstLastPara="1" wrap="square" lIns="91425" tIns="45700" rIns="91425" bIns="45700" anchor="b" anchorCtr="0">
-            <a:normAutofit/>
-          </a:bodyPr>
-          <a:lstStyle>
-            <a:defPPr marR="0" lvl="0" algn="l" rtl="0">
-              <a:lnSpc>
-                <a:spcPct val="100000"/>
-              </a:lnSpc>
-              <a:spcBef>
-                <a:spcPts val="0"/>
-              </a:spcBef>
-              <a:spcAft>
-                <a:spcPts val="0"/>
-              </a:spcAft>
-            </a:defPPr>
-            <a:lvl1pPr marR="0" lvl="0" algn="ctr" rtl="0">
-              <a:lnSpc>
-                <a:spcPct val="90000"/>
-              </a:lnSpc>
-              <a:spcBef>
-                <a:spcPts val="0"/>
-              </a:spcBef>
-              <a:spcAft>
-                <a:spcPts val="0"/>
-              </a:spcAft>
-              <a:buClr>
-                <a:schemeClr val="dk1"/>
-              </a:buClr>
-              <a:buSzPts val="6000"/>
-              <a:buFont typeface="Calibri"/>
-              <a:buNone/>
-              <a:defRPr sz="6000" b="0" i="0" u="none" strike="noStrike" cap="none">
-                <a:solidFill>
-                  <a:schemeClr val="dk1"/>
-                </a:solidFill>
-                <a:latin typeface="Calibri"/>
-                <a:ea typeface="Calibri"/>
-                <a:cs typeface="Calibri"/>
-                <a:sym typeface="Calibri"/>
-              </a:defRPr>
-            </a:lvl1pPr>
-            <a:lvl2pPr marR="0" lvl="1" algn="l" rtl="0">
-              <a:lnSpc>
-                <a:spcPct val="100000"/>
-              </a:lnSpc>
-              <a:spcBef>
-                <a:spcPts val="0"/>
-              </a:spcBef>
-              <a:spcAft>
-                <a:spcPts val="0"/>
-              </a:spcAft>
-              <a:buClr>
-                <a:srgbClr val="000000"/>
-              </a:buClr>
-              <a:buSzPts val="1400"/>
-              <a:buFont typeface="Arial"/>
-              <a:buNone/>
-              <a:defRPr sz="1800" b="0" i="0" u="none" strike="noStrike" cap="none">
-                <a:solidFill>
-                  <a:srgbClr val="000000"/>
-                </a:solidFill>
-                <a:latin typeface="Arial"/>
-                <a:ea typeface="Arial"/>
-                <a:cs typeface="Arial"/>
-                <a:sym typeface="Arial"/>
-              </a:defRPr>
-            </a:lvl2pPr>
-            <a:lvl3pPr marR="0" lvl="2" algn="l" rtl="0">
-              <a:lnSpc>
-                <a:spcPct val="100000"/>
-              </a:lnSpc>
-              <a:spcBef>
-                <a:spcPts val="0"/>
-              </a:spcBef>
-              <a:spcAft>
-                <a:spcPts val="0"/>
-              </a:spcAft>
-              <a:buClr>
-                <a:srgbClr val="000000"/>
-              </a:buClr>
-              <a:buSzPts val="1400"/>
-              <a:buFont typeface="Arial"/>
-              <a:buNone/>
-              <a:defRPr sz="1800" b="0" i="0" u="none" strike="noStrike" cap="none">
-                <a:solidFill>
-                  <a:srgbClr val="000000"/>
-                </a:solidFill>
-                <a:latin typeface="Arial"/>
-                <a:ea typeface="Arial"/>
-                <a:cs typeface="Arial"/>
-                <a:sym typeface="Arial"/>
-              </a:defRPr>
-            </a:lvl3pPr>
-            <a:lvl4pPr marR="0" lvl="3" algn="l" rtl="0">
-              <a:lnSpc>
-                <a:spcPct val="100000"/>
-              </a:lnSpc>
-              <a:spcBef>
-                <a:spcPts val="0"/>
-              </a:spcBef>
-              <a:spcAft>
-                <a:spcPts val="0"/>
-              </a:spcAft>
-              <a:buClr>
-                <a:srgbClr val="000000"/>
-              </a:buClr>
-              <a:buSzPts val="1400"/>
-              <a:buFont typeface="Arial"/>
-              <a:buNone/>
-              <a:defRPr sz="1800" b="0" i="0" u="none" strike="noStrike" cap="none">
-                <a:solidFill>
-                  <a:srgbClr val="000000"/>
-                </a:solidFill>
-                <a:latin typeface="Arial"/>
-                <a:ea typeface="Arial"/>
-                <a:cs typeface="Arial"/>
-                <a:sym typeface="Arial"/>
-              </a:defRPr>
-            </a:lvl4pPr>
-            <a:lvl5pPr marR="0" lvl="4" algn="l" rtl="0">
-              <a:lnSpc>
-                <a:spcPct val="100000"/>
-              </a:lnSpc>
-              <a:spcBef>
-                <a:spcPts val="0"/>
-              </a:spcBef>
-              <a:spcAft>
-                <a:spcPts val="0"/>
-              </a:spcAft>
-              <a:buClr>
-                <a:srgbClr val="000000"/>
-              </a:buClr>
-              <a:buSzPts val="1400"/>
-              <a:buFont typeface="Arial"/>
-              <a:buNone/>
-              <a:defRPr sz="1800" b="0" i="0" u="none" strike="noStrike" cap="none">
-                <a:solidFill>
-                  <a:srgbClr val="000000"/>
-                </a:solidFill>
-                <a:latin typeface="Arial"/>
-                <a:ea typeface="Arial"/>
-                <a:cs typeface="Arial"/>
-                <a:sym typeface="Arial"/>
-              </a:defRPr>
-            </a:lvl5pPr>
-            <a:lvl6pPr marR="0" lvl="5" algn="l" rtl="0">
-              <a:lnSpc>
-                <a:spcPct val="100000"/>
-              </a:lnSpc>
-              <a:spcBef>
-                <a:spcPts val="0"/>
-              </a:spcBef>
-              <a:spcAft>
-                <a:spcPts val="0"/>
-              </a:spcAft>
-              <a:buClr>
-                <a:srgbClr val="000000"/>
-              </a:buClr>
-              <a:buSzPts val="1400"/>
-              <a:buFont typeface="Arial"/>
-              <a:buNone/>
-              <a:defRPr sz="1800" b="0" i="0" u="none" strike="noStrike" cap="none">
-                <a:solidFill>
-                  <a:srgbClr val="000000"/>
-                </a:solidFill>
-                <a:latin typeface="Arial"/>
-                <a:ea typeface="Arial"/>
-                <a:cs typeface="Arial"/>
-                <a:sym typeface="Arial"/>
-              </a:defRPr>
-            </a:lvl6pPr>
-            <a:lvl7pPr marR="0" lvl="6" algn="l" rtl="0">
-              <a:lnSpc>
-                <a:spcPct val="100000"/>
-              </a:lnSpc>
-              <a:spcBef>
-                <a:spcPts val="0"/>
-              </a:spcBef>
-              <a:spcAft>
-                <a:spcPts val="0"/>
-              </a:spcAft>
-              <a:buClr>
-                <a:srgbClr val="000000"/>
-              </a:buClr>
-              <a:buSzPts val="1400"/>
-              <a:buFont typeface="Arial"/>
-              <a:buNone/>
-              <a:defRPr sz="1800" b="0" i="0" u="none" strike="noStrike" cap="none">
-                <a:solidFill>
-                  <a:srgbClr val="000000"/>
-                </a:solidFill>
-                <a:latin typeface="Arial"/>
-                <a:ea typeface="Arial"/>
-                <a:cs typeface="Arial"/>
-                <a:sym typeface="Arial"/>
-              </a:defRPr>
-            </a:lvl7pPr>
-            <a:lvl8pPr marR="0" lvl="7" algn="l" rtl="0">
-              <a:lnSpc>
-                <a:spcPct val="100000"/>
-              </a:lnSpc>
-              <a:spcBef>
-                <a:spcPts val="0"/>
-              </a:spcBef>
-              <a:spcAft>
-                <a:spcPts val="0"/>
-              </a:spcAft>
-              <a:buClr>
-                <a:srgbClr val="000000"/>
-              </a:buClr>
-              <a:buSzPts val="1400"/>
-              <a:buFont typeface="Arial"/>
-              <a:buNone/>
-              <a:defRPr sz="1800" b="0" i="0" u="none" strike="noStrike" cap="none">
-                <a:solidFill>
-                  <a:srgbClr val="000000"/>
-                </a:solidFill>
-                <a:latin typeface="Arial"/>
-                <a:ea typeface="Arial"/>
-                <a:cs typeface="Arial"/>
-                <a:sym typeface="Arial"/>
-              </a:defRPr>
-            </a:lvl8pPr>
-            <a:lvl9pPr marR="0" lvl="8" algn="l" rtl="0">
-              <a:lnSpc>
-                <a:spcPct val="100000"/>
-              </a:lnSpc>
-              <a:spcBef>
-                <a:spcPts val="0"/>
-              </a:spcBef>
-              <a:spcAft>
-                <a:spcPts val="0"/>
-              </a:spcAft>
-              <a:buClr>
-                <a:srgbClr val="000000"/>
-              </a:buClr>
-              <a:buSzPts val="1400"/>
-              <a:buFont typeface="Arial"/>
-              <a:buNone/>
-              <a:defRPr sz="1800" b="0" i="0" u="none" strike="noStrike" cap="none">
-                <a:solidFill>
-                  <a:srgbClr val="000000"/>
-                </a:solidFill>
-                <a:latin typeface="Arial"/>
-                <a:ea typeface="Arial"/>
-                <a:cs typeface="Arial"/>
-                <a:sym typeface="Arial"/>
-              </a:defRPr>
-            </a:lvl9pPr>
-          </a:lstStyle>
-          <a:p>
-            <a:pPr algn="l"/>
-            <a:r>
-              <a:rPr lang="en-BR" sz="4000" b="1" dirty="0">
-                <a:solidFill>
-                  <a:schemeClr val="accent5"/>
-                </a:solidFill>
-                <a:latin typeface="+mn-lt"/>
-              </a:rPr>
-              <a:t>Drawing Template</a:t>
-            </a:r>
-          </a:p>
-        </p:txBody>
-      </p:sp>
-      <p:pic>
-        <p:nvPicPr>
-          <p:cNvPr id="2" name="Picture 1">
-            <a:extLst>
-              <a:ext uri="{FF2B5EF4-FFF2-40B4-BE49-F238E27FC236}">
-                <a16:creationId xmlns:a16="http://schemas.microsoft.com/office/drawing/2014/main" id="{24DCEAA4-5671-8D46-918C-7939D11C57CE}"/>
-              </a:ext>
-            </a:extLst>
-          </p:cNvPr>
-          <p:cNvPicPr>
-            <a:picLocks noChangeAspect="1"/>
-          </p:cNvPicPr>
-          <p:nvPr/>
-        </p:nvPicPr>
-        <p:blipFill>
-          <a:blip r:embed="rId4"/>
-          <a:stretch>
-            <a:fillRect/>
-          </a:stretch>
-        </p:blipFill>
-        <p:spPr>
-          <a:xfrm>
-            <a:off x="1741161" y="1629000"/>
-            <a:ext cx="8709677" cy="3600000"/>
-          </a:xfrm>
-          <a:prstGeom prst="rect">
-            <a:avLst/>
-          </a:prstGeom>
-        </p:spPr>
-      </p:pic>
-    </p:spTree>
-    <p:extLst>
-      <p:ext uri="{BB962C8B-B14F-4D97-AF65-F5344CB8AC3E}">
-        <p14:creationId xmlns:p14="http://schemas.microsoft.com/office/powerpoint/2010/main" val="177054542"/>
-      </p:ext>
-    </p:extLst>
-  </p:cSld>
-  <p:clrMapOvr>
-    <a:masterClrMapping/>
-  </p:clrMapOvr>
-</p:sld>
-</file>
-
-<file path=ppt/slides/slide6.xml><?xml version="1.0" encoding="utf-8"?>
-<p:sld xmlns:a="http://schemas.openxmlformats.org/drawingml/2006/main" xmlns:r="http://schemas.openxmlformats.org/officeDocument/2006/relationships" xmlns:p="http://schemas.openxmlformats.org/presentationml/2006/main">
-  <p:cSld>
-    <p:spTree>
-      <p:nvGrpSpPr>
-        <p:cNvPr id="1" name="Shape 83"/>
-        <p:cNvGrpSpPr/>
-        <p:nvPr/>
-      </p:nvGrpSpPr>
-      <p:grpSpPr>
-        <a:xfrm>
-          <a:off x="0" y="0"/>
-          <a:ext cx="0" cy="0"/>
-          <a:chOff x="0" y="0"/>
-          <a:chExt cx="0" cy="0"/>
-        </a:xfrm>
-      </p:grpSpPr>
-      <p:pic>
-        <p:nvPicPr>
-          <p:cNvPr id="84" name="Google Shape;84;p1"/>
-          <p:cNvPicPr preferRelativeResize="0"/>
-          <p:nvPr/>
-        </p:nvPicPr>
-        <p:blipFill rotWithShape="1">
-          <a:blip r:embed="rId3">
-            <a:alphaModFix/>
-          </a:blip>
-          <a:srcRect/>
-          <a:stretch/>
-        </p:blipFill>
-        <p:spPr>
-          <a:xfrm>
-            <a:off x="0" y="0"/>
-            <a:ext cx="12192000" cy="6858001"/>
-          </a:xfrm>
-          <a:prstGeom prst="rect">
-            <a:avLst/>
-          </a:prstGeom>
-          <a:noFill/>
-          <a:ln>
-            <a:noFill/>
-          </a:ln>
-        </p:spPr>
-      </p:pic>
-      <p:sp>
-        <p:nvSpPr>
-          <p:cNvPr id="4" name="Title 1">
-            <a:extLst>
-              <a:ext uri="{FF2B5EF4-FFF2-40B4-BE49-F238E27FC236}">
-                <a16:creationId xmlns:a16="http://schemas.microsoft.com/office/drawing/2014/main" id="{453D8BB6-E778-404E-ACD1-F5444153A40F}"/>
-              </a:ext>
-            </a:extLst>
-          </p:cNvPr>
-          <p:cNvSpPr txBox="1">
-            <a:spLocks/>
-          </p:cNvSpPr>
-          <p:nvPr/>
-        </p:nvSpPr>
-        <p:spPr>
-          <a:xfrm>
-            <a:off x="1056000" y="2349000"/>
-            <a:ext cx="10080000" cy="1080000"/>
-          </a:xfrm>
-          <a:prstGeom prst="rect">
-            <a:avLst/>
-          </a:prstGeom>
-          <a:noFill/>
-          <a:ln>
-            <a:noFill/>
-          </a:ln>
-        </p:spPr>
-        <p:txBody>
-          <a:bodyPr spcFirstLastPara="1" wrap="square" lIns="91425" tIns="45700" rIns="91425" bIns="45700" anchor="b" anchorCtr="0">
-            <a:normAutofit/>
-          </a:bodyPr>
-          <a:lstStyle>
-            <a:defPPr marR="0" lvl="0" algn="l" rtl="0">
-              <a:lnSpc>
-                <a:spcPct val="100000"/>
-              </a:lnSpc>
-              <a:spcBef>
-                <a:spcPts val="0"/>
-              </a:spcBef>
-              <a:spcAft>
-                <a:spcPts val="0"/>
-              </a:spcAft>
-            </a:defPPr>
-            <a:lvl1pPr marR="0" lvl="0" algn="ctr" rtl="0">
-              <a:lnSpc>
-                <a:spcPct val="90000"/>
-              </a:lnSpc>
-              <a:spcBef>
-                <a:spcPts val="0"/>
-              </a:spcBef>
-              <a:spcAft>
-                <a:spcPts val="0"/>
-              </a:spcAft>
-              <a:buClr>
-                <a:schemeClr val="dk1"/>
-              </a:buClr>
-              <a:buSzPts val="6000"/>
-              <a:buFont typeface="Calibri"/>
-              <a:buNone/>
-              <a:defRPr sz="6000" b="0" i="0" u="none" strike="noStrike" cap="none">
-                <a:solidFill>
-                  <a:schemeClr val="dk1"/>
-                </a:solidFill>
-                <a:latin typeface="Calibri"/>
-                <a:ea typeface="Calibri"/>
-                <a:cs typeface="Calibri"/>
-                <a:sym typeface="Calibri"/>
-              </a:defRPr>
-            </a:lvl1pPr>
-            <a:lvl2pPr marR="0" lvl="1" algn="l" rtl="0">
-              <a:lnSpc>
-                <a:spcPct val="100000"/>
-              </a:lnSpc>
-              <a:spcBef>
-                <a:spcPts val="0"/>
-              </a:spcBef>
-              <a:spcAft>
-                <a:spcPts val="0"/>
-              </a:spcAft>
-              <a:buClr>
-                <a:srgbClr val="000000"/>
-              </a:buClr>
-              <a:buSzPts val="1400"/>
-              <a:buFont typeface="Arial"/>
-              <a:buNone/>
-              <a:defRPr sz="1800" b="0" i="0" u="none" strike="noStrike" cap="none">
-                <a:solidFill>
-                  <a:srgbClr val="000000"/>
-                </a:solidFill>
-                <a:latin typeface="Arial"/>
-                <a:ea typeface="Arial"/>
-                <a:cs typeface="Arial"/>
-                <a:sym typeface="Arial"/>
-              </a:defRPr>
-            </a:lvl2pPr>
-            <a:lvl3pPr marR="0" lvl="2" algn="l" rtl="0">
-              <a:lnSpc>
-                <a:spcPct val="100000"/>
-              </a:lnSpc>
-              <a:spcBef>
-                <a:spcPts val="0"/>
-              </a:spcBef>
-              <a:spcAft>
-                <a:spcPts val="0"/>
-              </a:spcAft>
-              <a:buClr>
-                <a:srgbClr val="000000"/>
-              </a:buClr>
-              <a:buSzPts val="1400"/>
-              <a:buFont typeface="Arial"/>
-              <a:buNone/>
-              <a:defRPr sz="1800" b="0" i="0" u="none" strike="noStrike" cap="none">
-                <a:solidFill>
-                  <a:srgbClr val="000000"/>
-                </a:solidFill>
-                <a:latin typeface="Arial"/>
-                <a:ea typeface="Arial"/>
-                <a:cs typeface="Arial"/>
-                <a:sym typeface="Arial"/>
-              </a:defRPr>
-            </a:lvl3pPr>
-            <a:lvl4pPr marR="0" lvl="3" algn="l" rtl="0">
-              <a:lnSpc>
-                <a:spcPct val="100000"/>
-              </a:lnSpc>
-              <a:spcBef>
-                <a:spcPts val="0"/>
-              </a:spcBef>
-              <a:spcAft>
-                <a:spcPts val="0"/>
-              </a:spcAft>
-              <a:buClr>
-                <a:srgbClr val="000000"/>
-              </a:buClr>
-              <a:buSzPts val="1400"/>
-              <a:buFont typeface="Arial"/>
-              <a:buNone/>
-              <a:defRPr sz="1800" b="0" i="0" u="none" strike="noStrike" cap="none">
-                <a:solidFill>
-                  <a:srgbClr val="000000"/>
-                </a:solidFill>
-                <a:latin typeface="Arial"/>
-                <a:ea typeface="Arial"/>
-                <a:cs typeface="Arial"/>
-                <a:sym typeface="Arial"/>
-              </a:defRPr>
-            </a:lvl4pPr>
-            <a:lvl5pPr marR="0" lvl="4" algn="l" rtl="0">
-              <a:lnSpc>
-                <a:spcPct val="100000"/>
-              </a:lnSpc>
-              <a:spcBef>
-                <a:spcPts val="0"/>
-              </a:spcBef>
-              <a:spcAft>
-                <a:spcPts val="0"/>
-              </a:spcAft>
-              <a:buClr>
-                <a:srgbClr val="000000"/>
-              </a:buClr>
-              <a:buSzPts val="1400"/>
-              <a:buFont typeface="Arial"/>
-              <a:buNone/>
-              <a:defRPr sz="1800" b="0" i="0" u="none" strike="noStrike" cap="none">
-                <a:solidFill>
-                  <a:srgbClr val="000000"/>
-                </a:solidFill>
-                <a:latin typeface="Arial"/>
-                <a:ea typeface="Arial"/>
-                <a:cs typeface="Arial"/>
-                <a:sym typeface="Arial"/>
-              </a:defRPr>
-            </a:lvl5pPr>
-            <a:lvl6pPr marR="0" lvl="5" algn="l" rtl="0">
-              <a:lnSpc>
-                <a:spcPct val="100000"/>
-              </a:lnSpc>
-              <a:spcBef>
-                <a:spcPts val="0"/>
-              </a:spcBef>
-              <a:spcAft>
-                <a:spcPts val="0"/>
-              </a:spcAft>
-              <a:buClr>
-                <a:srgbClr val="000000"/>
-              </a:buClr>
-              <a:buSzPts val="1400"/>
-              <a:buFont typeface="Arial"/>
-              <a:buNone/>
-              <a:defRPr sz="1800" b="0" i="0" u="none" strike="noStrike" cap="none">
-                <a:solidFill>
-                  <a:srgbClr val="000000"/>
-                </a:solidFill>
-                <a:latin typeface="Arial"/>
-                <a:ea typeface="Arial"/>
-                <a:cs typeface="Arial"/>
-                <a:sym typeface="Arial"/>
-              </a:defRPr>
-            </a:lvl6pPr>
-            <a:lvl7pPr marR="0" lvl="6" algn="l" rtl="0">
-              <a:lnSpc>
-                <a:spcPct val="100000"/>
-              </a:lnSpc>
-              <a:spcBef>
-                <a:spcPts val="0"/>
-              </a:spcBef>
-              <a:spcAft>
-                <a:spcPts val="0"/>
-              </a:spcAft>
-              <a:buClr>
-                <a:srgbClr val="000000"/>
-              </a:buClr>
-              <a:buSzPts val="1400"/>
-              <a:buFont typeface="Arial"/>
-              <a:buNone/>
-              <a:defRPr sz="1800" b="0" i="0" u="none" strike="noStrike" cap="none">
-                <a:solidFill>
-                  <a:srgbClr val="000000"/>
-                </a:solidFill>
-                <a:latin typeface="Arial"/>
-                <a:ea typeface="Arial"/>
-                <a:cs typeface="Arial"/>
-                <a:sym typeface="Arial"/>
-              </a:defRPr>
-            </a:lvl7pPr>
-            <a:lvl8pPr marR="0" lvl="7" algn="l" rtl="0">
-              <a:lnSpc>
-                <a:spcPct val="100000"/>
-              </a:lnSpc>
-              <a:spcBef>
-                <a:spcPts val="0"/>
-              </a:spcBef>
-              <a:spcAft>
-                <a:spcPts val="0"/>
-              </a:spcAft>
-              <a:buClr>
-                <a:srgbClr val="000000"/>
-              </a:buClr>
-              <a:buSzPts val="1400"/>
-              <a:buFont typeface="Arial"/>
-              <a:buNone/>
-              <a:defRPr sz="1800" b="0" i="0" u="none" strike="noStrike" cap="none">
-                <a:solidFill>
-                  <a:srgbClr val="000000"/>
-                </a:solidFill>
-                <a:latin typeface="Arial"/>
-                <a:ea typeface="Arial"/>
-                <a:cs typeface="Arial"/>
-                <a:sym typeface="Arial"/>
-              </a:defRPr>
-            </a:lvl8pPr>
-            <a:lvl9pPr marR="0" lvl="8" algn="l" rtl="0">
-              <a:lnSpc>
-                <a:spcPct val="100000"/>
-              </a:lnSpc>
-              <a:spcBef>
-                <a:spcPts val="0"/>
-              </a:spcBef>
-              <a:spcAft>
-                <a:spcPts val="0"/>
-              </a:spcAft>
-              <a:buClr>
-                <a:srgbClr val="000000"/>
-              </a:buClr>
-              <a:buSzPts val="1400"/>
-              <a:buFont typeface="Arial"/>
-              <a:buNone/>
-              <a:defRPr sz="1800" b="0" i="0" u="none" strike="noStrike" cap="none">
-                <a:solidFill>
-                  <a:srgbClr val="000000"/>
-                </a:solidFill>
-                <a:latin typeface="Arial"/>
-                <a:ea typeface="Arial"/>
-                <a:cs typeface="Arial"/>
-                <a:sym typeface="Arial"/>
-              </a:defRPr>
-            </a:lvl9pPr>
-          </a:lstStyle>
-          <a:p>
-            <a:r>
-              <a:rPr lang="en-BR" b="1" dirty="0">
-                <a:solidFill>
-                  <a:srgbClr val="006AAF"/>
-                </a:solidFill>
-                <a:latin typeface="Arial" panose="020B0604020202020204" pitchFamily="34" charset="0"/>
-                <a:cs typeface="Arial" panose="020B0604020202020204" pitchFamily="34" charset="0"/>
-              </a:rPr>
-              <a:t>FIM</a:t>
-            </a:r>
-          </a:p>
-        </p:txBody>
-      </p:sp>
-    </p:spTree>
-    <p:extLst>
-      <p:ext uri="{BB962C8B-B14F-4D97-AF65-F5344CB8AC3E}">
-        <p14:creationId xmlns:p14="http://schemas.microsoft.com/office/powerpoint/2010/main" val="3294437107"/>
       </p:ext>
     </p:extLst>
   </p:cSld>
